--- a/GW1_UnixForPoets.pptx
+++ b/GW1_UnixForPoets.pptx
@@ -5,10 +5,10 @@
     <p:sldMasterId id="2147483659" r:id="rId1"/>
   </p:sldMasterIdLst>
   <p:notesMasterIdLst>
-    <p:notesMasterId r:id="rId40"/>
+    <p:notesMasterId r:id="rId41"/>
   </p:notesMasterIdLst>
   <p:handoutMasterIdLst>
-    <p:handoutMasterId r:id="rId41"/>
+    <p:handoutMasterId r:id="rId42"/>
   </p:handoutMasterIdLst>
   <p:sldIdLst>
     <p:sldId id="268" r:id="rId2"/>
@@ -27,28 +27,29 @@
     <p:sldId id="389" r:id="rId15"/>
     <p:sldId id="410" r:id="rId16"/>
     <p:sldId id="411" r:id="rId17"/>
-    <p:sldId id="390" r:id="rId18"/>
-    <p:sldId id="391" r:id="rId19"/>
-    <p:sldId id="412" r:id="rId20"/>
-    <p:sldId id="393" r:id="rId21"/>
-    <p:sldId id="394" r:id="rId22"/>
-    <p:sldId id="395" r:id="rId23"/>
-    <p:sldId id="396" r:id="rId24"/>
-    <p:sldId id="413" r:id="rId25"/>
-    <p:sldId id="397" r:id="rId26"/>
-    <p:sldId id="404" r:id="rId27"/>
-    <p:sldId id="398" r:id="rId28"/>
-    <p:sldId id="688" r:id="rId29"/>
-    <p:sldId id="399" r:id="rId30"/>
-    <p:sldId id="400" r:id="rId31"/>
-    <p:sldId id="414" r:id="rId32"/>
-    <p:sldId id="401" r:id="rId33"/>
-    <p:sldId id="402" r:id="rId34"/>
-    <p:sldId id="415" r:id="rId35"/>
-    <p:sldId id="694" r:id="rId36"/>
-    <p:sldId id="695" r:id="rId37"/>
-    <p:sldId id="696" r:id="rId38"/>
-    <p:sldId id="697" r:id="rId39"/>
+    <p:sldId id="1827" r:id="rId18"/>
+    <p:sldId id="390" r:id="rId19"/>
+    <p:sldId id="391" r:id="rId20"/>
+    <p:sldId id="412" r:id="rId21"/>
+    <p:sldId id="393" r:id="rId22"/>
+    <p:sldId id="394" r:id="rId23"/>
+    <p:sldId id="395" r:id="rId24"/>
+    <p:sldId id="396" r:id="rId25"/>
+    <p:sldId id="413" r:id="rId26"/>
+    <p:sldId id="397" r:id="rId27"/>
+    <p:sldId id="404" r:id="rId28"/>
+    <p:sldId id="398" r:id="rId29"/>
+    <p:sldId id="688" r:id="rId30"/>
+    <p:sldId id="399" r:id="rId31"/>
+    <p:sldId id="400" r:id="rId32"/>
+    <p:sldId id="414" r:id="rId33"/>
+    <p:sldId id="401" r:id="rId34"/>
+    <p:sldId id="402" r:id="rId35"/>
+    <p:sldId id="415" r:id="rId36"/>
+    <p:sldId id="694" r:id="rId37"/>
+    <p:sldId id="695" r:id="rId38"/>
+    <p:sldId id="696" r:id="rId39"/>
+    <p:sldId id="697" r:id="rId40"/>
   </p:sldIdLst>
   <p:sldSz cx="9144000" cy="5143500" type="screen16x9"/>
   <p:notesSz cx="6845300" cy="9396413"/>
@@ -599,10 +600,10 @@
           </a:ln>
           <a:extLst>
             <a:ext uri="{FAA26D3D-D897-4be2-8F04-BA451C77F1D7}">
-              <ma14:placeholderFlag xmlns="" xmlns:ma14="http://schemas.microsoft.com/office/mac/drawingml/2011/main" val="1"/>
+              <ma14:placeholderFlag xmlns:ma14="http://schemas.microsoft.com/office/mac/drawingml/2011/main" xmlns="" val="1"/>
             </a:ext>
             <a:ext uri="{909E8E84-426E-40dd-AFC4-6F175D3DCCD1}">
-              <a14:hiddenFill xmlns:a14="http://schemas.microsoft.com/office/drawing/2010/main" xmlns="">
+              <a14:hiddenFill xmlns="" xmlns:a14="http://schemas.microsoft.com/office/drawing/2010/main">
                 <a:solidFill>
                   <a:srgbClr val="FFFFFF"/>
                 </a:solidFill>
@@ -945,14 +946,14 @@
           <a:ln/>
           <a:extLst>
             <a:ext uri="{909E8E84-426E-40dd-AFC4-6F175D3DCCD1}">
-              <a14:hiddenFill xmlns:a14="http://schemas.microsoft.com/office/drawing/2010/main" xmlns="">
+              <a14:hiddenFill xmlns="" xmlns:a14="http://schemas.microsoft.com/office/drawing/2010/main">
                 <a:solidFill>
                   <a:srgbClr val="FFFFFF"/>
                 </a:solidFill>
               </a14:hiddenFill>
             </a:ext>
             <a:ext uri="{91240B29-F687-4f45-9708-019B960494DF}">
-              <a14:hiddenLine xmlns:a14="http://schemas.microsoft.com/office/drawing/2010/main" xmlns="" w="9525">
+              <a14:hiddenLine xmlns="" xmlns:a14="http://schemas.microsoft.com/office/drawing/2010/main" w="9525">
                 <a:solidFill>
                   <a:srgbClr val="000000"/>
                 </a:solidFill>
@@ -1117,17 +1118,17 @@
           <a:ln/>
           <a:extLst>
             <a:ext uri="{FAA26D3D-D897-4be2-8F04-BA451C77F1D7}">
-              <ma14:placeholderFlag xmlns="" xmlns:ma14="http://schemas.microsoft.com/office/mac/drawingml/2011/main" val="1"/>
+              <ma14:placeholderFlag xmlns:ma14="http://schemas.microsoft.com/office/mac/drawingml/2011/main" xmlns="" val="1"/>
             </a:ext>
             <a:ext uri="{909E8E84-426E-40dd-AFC4-6F175D3DCCD1}">
-              <a14:hiddenFill xmlns:a14="http://schemas.microsoft.com/office/drawing/2010/main" xmlns="">
+              <a14:hiddenFill xmlns="" xmlns:a14="http://schemas.microsoft.com/office/drawing/2010/main">
                 <a:solidFill>
                   <a:srgbClr val="FFFFFF"/>
                 </a:solidFill>
               </a14:hiddenFill>
             </a:ext>
             <a:ext uri="{91240B29-F687-4f45-9708-019B960494DF}">
-              <a14:hiddenLine xmlns:a14="http://schemas.microsoft.com/office/drawing/2010/main" xmlns="" w="9525">
+              <a14:hiddenLine xmlns="" xmlns:a14="http://schemas.microsoft.com/office/drawing/2010/main" w="9525">
                 <a:solidFill>
                   <a:srgbClr val="000000"/>
                 </a:solidFill>
@@ -1531,7 +1532,7 @@
             <a:fld id="{3EB9031F-EB71-7642-8F3C-6FDC1408CB92}" type="slidenum">
               <a:rPr lang="en-US" smtClean="0"/>
               <a:pPr/>
-              <a:t>29</a:t>
+              <a:t>30</a:t>
             </a:fld>
             <a:endParaRPr lang="en-US"/>
           </a:p>
@@ -5040,17 +5041,17 @@
           </a:ln>
           <a:extLst>
             <a:ext uri="{FAA26D3D-D897-4be2-8F04-BA451C77F1D7}">
-              <ma14:placeholderFlag xmlns="" xmlns:ma14="http://schemas.microsoft.com/office/mac/drawingml/2011/main" val="1"/>
+              <ma14:placeholderFlag xmlns:ma14="http://schemas.microsoft.com/office/mac/drawingml/2011/main" xmlns="" val="1"/>
             </a:ext>
             <a:ext uri="{909E8E84-426E-40dd-AFC4-6F175D3DCCD1}">
-              <a14:hiddenFill xmlns:a14="http://schemas.microsoft.com/office/drawing/2010/main" xmlns="">
+              <a14:hiddenFill xmlns="" xmlns:a14="http://schemas.microsoft.com/office/drawing/2010/main">
                 <a:solidFill>
                   <a:srgbClr val="FFFFFF"/>
                 </a:solidFill>
               </a14:hiddenFill>
             </a:ext>
             <a:ext uri="{91240B29-F687-4f45-9708-019B960494DF}">
-              <a14:hiddenLine xmlns:a14="http://schemas.microsoft.com/office/drawing/2010/main" xmlns="" w="9525">
+              <a14:hiddenLine xmlns="" xmlns:a14="http://schemas.microsoft.com/office/drawing/2010/main" w="9525">
                 <a:solidFill>
                   <a:srgbClr val="000000"/>
                 </a:solidFill>
@@ -5102,17 +5103,17 @@
           </a:ln>
           <a:extLst>
             <a:ext uri="{FAA26D3D-D897-4be2-8F04-BA451C77F1D7}">
-              <ma14:placeholderFlag xmlns="" xmlns:ma14="http://schemas.microsoft.com/office/mac/drawingml/2011/main" val="1"/>
+              <ma14:placeholderFlag xmlns:ma14="http://schemas.microsoft.com/office/mac/drawingml/2011/main" xmlns="" val="1"/>
             </a:ext>
             <a:ext uri="{909E8E84-426E-40dd-AFC4-6F175D3DCCD1}">
-              <a14:hiddenFill xmlns:a14="http://schemas.microsoft.com/office/drawing/2010/main" xmlns="">
+              <a14:hiddenFill xmlns="" xmlns:a14="http://schemas.microsoft.com/office/drawing/2010/main">
                 <a:solidFill>
                   <a:srgbClr val="FFFFFF"/>
                 </a:solidFill>
               </a14:hiddenFill>
             </a:ext>
             <a:ext uri="{91240B29-F687-4f45-9708-019B960494DF}">
-              <a14:hiddenLine xmlns:a14="http://schemas.microsoft.com/office/drawing/2010/main" xmlns="" w="9525">
+              <a14:hiddenLine xmlns="" xmlns:a14="http://schemas.microsoft.com/office/drawing/2010/main" w="9525">
                 <a:solidFill>
                   <a:srgbClr val="000000"/>
                 </a:solidFill>
@@ -6012,7 +6013,22 @@
           <a:bodyPr/>
           <a:lstStyle/>
           <a:p>
-            <a:endParaRPr lang="en-US"/>
+            <a:r>
+              <a:rPr lang="en-US" b="1" i="0" dirty="0">
+                <a:effectLst/>
+                <a:latin typeface="Source Sans Pro" panose="020B0503030403020204" pitchFamily="34" charset="0"/>
+                <a:hlinkClick r:id="rId2"/>
+              </a:rPr>
+              <a:t>PollEv.com​/danjurafsky451</a:t>
+            </a:r>
+            <a:r>
+              <a:rPr lang="en-US" b="1" i="0" dirty="0">
+                <a:effectLst/>
+                <a:latin typeface="Source Sans Pro" panose="020B0503030403020204" pitchFamily="34" charset="0"/>
+              </a:rPr>
+              <a:t>  for questions</a:t>
+            </a:r>
+            <a:endParaRPr lang="en-US" dirty="0"/>
           </a:p>
         </p:txBody>
       </p:sp>
@@ -7658,7 +7674,13 @@
       </p:grpSpPr>
       <p:sp>
         <p:nvSpPr>
-          <p:cNvPr id="2" name="Title 1"/>
+          <p:cNvPr id="2" name="Title 1">
+            <a:extLst>
+              <a:ext uri="{FF2B5EF4-FFF2-40B4-BE49-F238E27FC236}">
+                <a16:creationId xmlns:a16="http://schemas.microsoft.com/office/drawing/2014/main" id="{3DCDE8F6-CB01-BB75-584D-B7630FE90A5D}"/>
+              </a:ext>
+            </a:extLst>
+          </p:cNvPr>
           <p:cNvSpPr>
             <a:spLocks noGrp="1"/>
           </p:cNvSpPr>
@@ -7666,21 +7688,35 @@
             <p:ph type="title"/>
           </p:nvPr>
         </p:nvSpPr>
-        <p:spPr/>
+        <p:spPr>
+          <a:xfrm>
+            <a:off x="840164" y="-171450"/>
+            <a:ext cx="7543800" cy="726329"/>
+          </a:xfrm>
+        </p:spPr>
         <p:txBody>
           <a:bodyPr/>
           <a:lstStyle/>
           <a:p>
             <a:r>
-              <a:rPr lang="en-US" dirty="0"/>
-              <a:t>Sorting and reversing lines of text</a:t>
-            </a:r>
-          </a:p>
-        </p:txBody>
-      </p:sp>
-      <p:sp>
-        <p:nvSpPr>
-          <p:cNvPr id="3" name="Content Placeholder 2"/>
+              <a:rPr lang="en-US" sz="4000" dirty="0">
+                <a:hlinkClick r:id="rId2"/>
+              </a:rPr>
+              <a:t>https://tinyurl.com/ycyubzs8</a:t>
+            </a:r>
+            <a:endParaRPr lang="en-US" sz="4000" dirty="0"/>
+          </a:p>
+        </p:txBody>
+      </p:sp>
+      <p:sp>
+        <p:nvSpPr>
+          <p:cNvPr id="3" name="Content Placeholder 2">
+            <a:extLst>
+              <a:ext uri="{FF2B5EF4-FFF2-40B4-BE49-F238E27FC236}">
+                <a16:creationId xmlns:a16="http://schemas.microsoft.com/office/drawing/2014/main" id="{B5BF00E7-9F57-55B4-7FAD-2CE5131E350C}"/>
+              </a:ext>
+            </a:extLst>
+          </p:cNvPr>
           <p:cNvSpPr>
             <a:spLocks noGrp="1"/>
           </p:cNvSpPr>
@@ -7688,106 +7724,54 @@
             <p:ph idx="1"/>
           </p:nvPr>
         </p:nvSpPr>
-        <p:spPr/>
-        <p:txBody>
-          <a:bodyPr/>
+        <p:spPr>
+          <a:xfrm>
+            <a:off x="228601" y="941282"/>
+            <a:ext cx="7543801" cy="3017520"/>
+          </a:xfrm>
+        </p:spPr>
+        <p:txBody>
+          <a:bodyPr>
+            <a:normAutofit fontScale="77500" lnSpcReduction="20000"/>
+          </a:bodyPr>
           <a:lstStyle/>
           <a:p>
-            <a:r>
-              <a:rPr lang="en-US" dirty="0">
-                <a:latin typeface="Courier"/>
-                <a:cs typeface="Courier"/>
-              </a:rPr>
-              <a:t>sort</a:t>
-            </a:r>
-          </a:p>
-          <a:p>
-            <a:r>
-              <a:rPr lang="en-US" dirty="0">
-                <a:latin typeface="Courier"/>
-                <a:cs typeface="Courier"/>
-              </a:rPr>
-              <a:t>sort –f 	  </a:t>
-            </a:r>
-            <a:r>
-              <a:rPr lang="en-US" dirty="0">
-                <a:latin typeface="Calibri"/>
-                <a:cs typeface="Calibri"/>
-              </a:rPr>
-              <a:t>Ignore case</a:t>
-            </a:r>
-          </a:p>
-          <a:p>
-            <a:r>
-              <a:rPr lang="en-US" dirty="0">
-                <a:latin typeface="Courier"/>
-                <a:cs typeface="Courier"/>
-              </a:rPr>
-              <a:t>sort –n	  </a:t>
-            </a:r>
-            <a:r>
-              <a:rPr lang="en-US" dirty="0">
-                <a:latin typeface="Calibri"/>
-                <a:cs typeface="Calibri"/>
-              </a:rPr>
-              <a:t>Numeric order</a:t>
-            </a:r>
-          </a:p>
-          <a:p>
-            <a:r>
-              <a:rPr lang="en-US" dirty="0">
-                <a:latin typeface="Courier"/>
-                <a:cs typeface="Courier"/>
-              </a:rPr>
-              <a:t>sort –r	  </a:t>
-            </a:r>
-            <a:r>
-              <a:rPr lang="en-US" dirty="0">
-                <a:latin typeface="Calibri"/>
-                <a:cs typeface="Calibri"/>
-              </a:rPr>
-              <a:t>Reverse sort</a:t>
-            </a:r>
-          </a:p>
-          <a:p>
-            <a:r>
-              <a:rPr lang="en-US" dirty="0">
-                <a:latin typeface="Courier"/>
-                <a:cs typeface="Courier"/>
-              </a:rPr>
-              <a:t>sort –nr	  </a:t>
-            </a:r>
-            <a:r>
-              <a:rPr lang="en-US" dirty="0">
-                <a:latin typeface="Calibri"/>
-                <a:cs typeface="Calibri"/>
-              </a:rPr>
-              <a:t>Reverse numeric sort</a:t>
-            </a:r>
-          </a:p>
-          <a:p>
-            <a:endParaRPr lang="en-US" dirty="0"/>
-          </a:p>
-          <a:p>
-            <a:r>
-              <a:rPr lang="en-US" dirty="0">
-                <a:latin typeface="Courier"/>
-                <a:cs typeface="Courier"/>
-              </a:rPr>
-              <a:t>echo "Hello" | rev</a:t>
-            </a:r>
+            <a:endParaRPr lang="en-US" sz="3200" dirty="0">
+              <a:hlinkClick r:id="rId3"/>
+            </a:endParaRPr>
+          </a:p>
+          <a:p>
+            <a:endParaRPr lang="en-US" sz="7200" dirty="0"/>
           </a:p>
           <a:p>
             <a:pPr marL="0" indent="0">
               <a:buNone/>
             </a:pPr>
-            <a:endParaRPr lang="en-US" dirty="0"/>
-          </a:p>
-        </p:txBody>
-      </p:sp>
-      <p:sp>
-        <p:nvSpPr>
-          <p:cNvPr id="4" name="Slide Number Placeholder 3"/>
+            <a:r>
+              <a:rPr lang="en-US" sz="7200" dirty="0"/>
+              <a:t>passwd:</a:t>
+            </a:r>
+          </a:p>
+          <a:p>
+            <a:r>
+              <a:rPr lang="en-US" sz="7200" dirty="0"/>
+              <a:t>mango</a:t>
+            </a:r>
+          </a:p>
+          <a:p>
+            <a:endParaRPr lang="en-US" sz="7200" dirty="0"/>
+          </a:p>
+        </p:txBody>
+      </p:sp>
+      <p:sp>
+        <p:nvSpPr>
+          <p:cNvPr id="4" name="Slide Number Placeholder 3">
+            <a:extLst>
+              <a:ext uri="{FF2B5EF4-FFF2-40B4-BE49-F238E27FC236}">
+                <a16:creationId xmlns:a16="http://schemas.microsoft.com/office/drawing/2014/main" id="{E617780B-A573-BA24-5AE9-41E5246843C6}"/>
+              </a:ext>
+            </a:extLst>
+          </p:cNvPr>
           <p:cNvSpPr>
             <a:spLocks noGrp="1"/>
           </p:cNvSpPr>
@@ -7800,19 +7784,48 @@
           <a:bodyPr/>
           <a:lstStyle/>
           <a:p>
-            <a:fld id="{10F35DC5-7E65-8247-99AB-4E984F8A921E}" type="slidenum">
+            <a:fld id="{D07771B2-D7F7-364E-B6F3-F7FE93606BCE}" type="slidenum">
               <a:rPr lang="en-US" smtClean="0"/>
-              <a:pPr/>
               <a:t>17</a:t>
             </a:fld>
             <a:endParaRPr lang="en-US"/>
           </a:p>
         </p:txBody>
       </p:sp>
+      <p:pic>
+        <p:nvPicPr>
+          <p:cNvPr id="6" name="Picture 5" descr="Qr code&#10;&#10;Description automatically generated">
+            <a:extLst>
+              <a:ext uri="{FF2B5EF4-FFF2-40B4-BE49-F238E27FC236}">
+                <a16:creationId xmlns:a16="http://schemas.microsoft.com/office/drawing/2014/main" id="{9D2F5B61-A111-EF44-3C02-F210D3B74405}"/>
+              </a:ext>
+            </a:extLst>
+          </p:cNvPr>
+          <p:cNvPicPr>
+            <a:picLocks noChangeAspect="1"/>
+          </p:cNvPicPr>
+          <p:nvPr/>
+        </p:nvPicPr>
+        <p:blipFill>
+          <a:blip r:embed="rId4"/>
+          <a:stretch>
+            <a:fillRect/>
+          </a:stretch>
+        </p:blipFill>
+        <p:spPr>
+          <a:xfrm>
+            <a:off x="4472940" y="567690"/>
+            <a:ext cx="4671061" cy="4671061"/>
+          </a:xfrm>
+          <a:prstGeom prst="rect">
+            <a:avLst/>
+          </a:prstGeom>
+        </p:spPr>
+      </p:pic>
     </p:spTree>
     <p:extLst>
       <p:ext uri="{BB962C8B-B14F-4D97-AF65-F5344CB8AC3E}">
-        <p14:creationId xmlns:p14="http://schemas.microsoft.com/office/powerpoint/2010/main" val="530114565"/>
+        <p14:creationId xmlns:p14="http://schemas.microsoft.com/office/powerpoint/2010/main" val="3949901104"/>
       </p:ext>
     </p:extLst>
   </p:cSld>
@@ -7856,7 +7869,7 @@
           <a:p>
             <a:r>
               <a:rPr lang="en-US" dirty="0"/>
-              <a:t>Counting and sorting exercises</a:t>
+              <a:t>Sorting and reversing lines of text</a:t>
             </a:r>
           </a:p>
         </p:txBody>
@@ -7877,80 +7890,94 @@
           <a:lstStyle/>
           <a:p>
             <a:r>
-              <a:rPr lang="en-US" sz="2800" dirty="0"/>
-              <a:t>Find the 50 most common words in the NYT</a:t>
-            </a:r>
-          </a:p>
-          <a:p>
-            <a:pPr lvl="1"/>
-            <a:r>
-              <a:rPr lang="en-US" sz="2400" dirty="0"/>
-              <a:t>Hint: Use sort a second time, then head</a:t>
-            </a:r>
-          </a:p>
-          <a:p>
-            <a:pPr lvl="1"/>
-            <a:endParaRPr lang="en-US" sz="2400" dirty="0"/>
-          </a:p>
-          <a:p>
-            <a:r>
-              <a:rPr lang="en-US" sz="2800" dirty="0"/>
-              <a:t>Find the words in the NYT that end in "</a:t>
-            </a:r>
-            <a:r>
-              <a:rPr lang="en-US" sz="2800" dirty="0" err="1"/>
-              <a:t>zz</a:t>
-            </a:r>
-            <a:r>
-              <a:rPr lang="en-US" sz="2800" dirty="0"/>
-              <a:t>"</a:t>
-            </a:r>
-          </a:p>
-          <a:p>
-            <a:pPr lvl="1"/>
-            <a:r>
-              <a:rPr lang="en-US" sz="2400" dirty="0"/>
-              <a:t>Hint: Look at the end of a list of reversed words</a:t>
-            </a:r>
-          </a:p>
-          <a:p>
-            <a:pPr lvl="1"/>
-            <a:r>
-              <a:rPr lang="en-US" sz="2400" dirty="0" err="1"/>
-              <a:t>tr</a:t>
-            </a:r>
-            <a:r>
-              <a:rPr lang="en-US" sz="2400" dirty="0"/>
-              <a:t> 'A-Z' 'a-z' &lt; filename | </a:t>
-            </a:r>
-            <a:r>
-              <a:rPr lang="en-US" sz="2400" dirty="0" err="1"/>
-              <a:t>tr</a:t>
-            </a:r>
-            <a:r>
-              <a:rPr lang="en-US" sz="2400" dirty="0"/>
-              <a:t> </a:t>
-            </a:r>
-            <a:r>
-              <a:rPr lang="mr-IN" sz="2400" dirty="0"/>
-              <a:t>–</a:t>
-            </a:r>
-            <a:r>
-              <a:rPr lang="en-US" sz="2400" dirty="0" err="1"/>
-              <a:t>sc</a:t>
-            </a:r>
-            <a:r>
-              <a:rPr lang="en-US" sz="2400" dirty="0"/>
-              <a:t>  'a-z' '\n' | rev | sort | rev | </a:t>
-            </a:r>
-            <a:r>
-              <a:rPr lang="en-US" sz="2400" dirty="0" err="1"/>
-              <a:t>uniq</a:t>
-            </a:r>
-            <a:r>
-              <a:rPr lang="en-US" sz="2400" dirty="0"/>
-              <a:t> -c</a:t>
-            </a:r>
+              <a:rPr lang="en-US" dirty="0">
+                <a:latin typeface="Courier"/>
+                <a:cs typeface="Courier"/>
+              </a:rPr>
+              <a:t>sort</a:t>
+            </a:r>
+          </a:p>
+          <a:p>
+            <a:r>
+              <a:rPr lang="en-US" dirty="0">
+                <a:latin typeface="Courier"/>
+                <a:cs typeface="Courier"/>
+              </a:rPr>
+              <a:t>sort –f 	  </a:t>
+            </a:r>
+            <a:r>
+              <a:rPr lang="en-US" dirty="0">
+                <a:latin typeface="Calibri"/>
+                <a:cs typeface="Calibri"/>
+              </a:rPr>
+              <a:t>Ignore case</a:t>
+            </a:r>
+          </a:p>
+          <a:p>
+            <a:r>
+              <a:rPr lang="en-US" dirty="0">
+                <a:latin typeface="Courier"/>
+                <a:cs typeface="Courier"/>
+              </a:rPr>
+              <a:t>sort –n	  </a:t>
+            </a:r>
+            <a:r>
+              <a:rPr lang="en-US" dirty="0">
+                <a:latin typeface="Calibri"/>
+                <a:cs typeface="Calibri"/>
+              </a:rPr>
+              <a:t>Numeric order</a:t>
+            </a:r>
+          </a:p>
+          <a:p>
+            <a:r>
+              <a:rPr lang="en-US" dirty="0">
+                <a:latin typeface="Courier"/>
+                <a:cs typeface="Courier"/>
+              </a:rPr>
+              <a:t>sort –r	  </a:t>
+            </a:r>
+            <a:r>
+              <a:rPr lang="en-US" dirty="0">
+                <a:latin typeface="Calibri"/>
+                <a:cs typeface="Calibri"/>
+              </a:rPr>
+              <a:t>Reverse sort</a:t>
+            </a:r>
+          </a:p>
+          <a:p>
+            <a:r>
+              <a:rPr lang="en-US" dirty="0">
+                <a:latin typeface="Courier"/>
+                <a:cs typeface="Courier"/>
+              </a:rPr>
+              <a:t>sort –nr	  </a:t>
+            </a:r>
+            <a:r>
+              <a:rPr lang="en-US" dirty="0">
+                <a:latin typeface="Calibri"/>
+                <a:cs typeface="Calibri"/>
+              </a:rPr>
+              <a:t>Reverse numeric sort</a:t>
+            </a:r>
+          </a:p>
+          <a:p>
+            <a:endParaRPr lang="en-US" dirty="0"/>
+          </a:p>
+          <a:p>
+            <a:r>
+              <a:rPr lang="en-US" dirty="0">
+                <a:latin typeface="Courier"/>
+                <a:cs typeface="Courier"/>
+              </a:rPr>
+              <a:t>echo "Hello" | rev</a:t>
+            </a:r>
+          </a:p>
+          <a:p>
+            <a:pPr marL="0" indent="0">
+              <a:buNone/>
+            </a:pPr>
+            <a:endParaRPr lang="en-US" dirty="0"/>
           </a:p>
         </p:txBody>
       </p:sp>
@@ -7981,7 +8008,7 @@
     </p:spTree>
     <p:extLst>
       <p:ext uri="{BB962C8B-B14F-4D97-AF65-F5344CB8AC3E}">
-        <p14:creationId xmlns:p14="http://schemas.microsoft.com/office/powerpoint/2010/main" val="4064706675"/>
+        <p14:creationId xmlns:p14="http://schemas.microsoft.com/office/powerpoint/2010/main" val="530114565"/>
       </p:ext>
     </p:extLst>
   </p:cSld>
@@ -8051,125 +8078,11 @@
             </a:r>
           </a:p>
           <a:p>
-            <a:pPr marL="457200" lvl="1" indent="0">
-              <a:buNone/>
-            </a:pPr>
-            <a:r>
-              <a:rPr lang="hr-HR" sz="2400" dirty="0" err="1">
-                <a:latin typeface="Courier" charset="0"/>
-                <a:ea typeface="Courier" charset="0"/>
-                <a:cs typeface="Courier" charset="0"/>
-              </a:rPr>
-              <a:t>tr</a:t>
-            </a:r>
-            <a:r>
-              <a:rPr lang="hr-HR" sz="2400" dirty="0">
-                <a:latin typeface="Courier" charset="0"/>
-                <a:ea typeface="Courier" charset="0"/>
-                <a:cs typeface="Courier" charset="0"/>
-              </a:rPr>
-              <a:t> -</a:t>
-            </a:r>
-            <a:r>
-              <a:rPr lang="hr-HR" sz="2400" dirty="0" err="1">
-                <a:latin typeface="Courier" charset="0"/>
-                <a:ea typeface="Courier" charset="0"/>
-                <a:cs typeface="Courier" charset="0"/>
-              </a:rPr>
-              <a:t>sc</a:t>
-            </a:r>
-            <a:r>
-              <a:rPr lang="hr-HR" sz="2400" dirty="0">
-                <a:latin typeface="Courier" charset="0"/>
-                <a:ea typeface="Courier" charset="0"/>
-                <a:cs typeface="Courier" charset="0"/>
-              </a:rPr>
-              <a:t> 'A-Za-z' '\n' &lt; nyt_200811.txt | </a:t>
-            </a:r>
-            <a:r>
-              <a:rPr lang="hr-HR" sz="2400" dirty="0" err="1">
-                <a:latin typeface="Courier" charset="0"/>
-                <a:ea typeface="Courier" charset="0"/>
-                <a:cs typeface="Courier" charset="0"/>
-              </a:rPr>
-              <a:t>sort</a:t>
-            </a:r>
-            <a:r>
-              <a:rPr lang="hr-HR" sz="2400" dirty="0">
-                <a:latin typeface="Courier" charset="0"/>
-                <a:ea typeface="Courier" charset="0"/>
-                <a:cs typeface="Courier" charset="0"/>
-              </a:rPr>
-              <a:t> | </a:t>
-            </a:r>
-            <a:r>
-              <a:rPr lang="hr-HR" sz="2400" dirty="0" err="1">
-                <a:latin typeface="Courier" charset="0"/>
-                <a:ea typeface="Courier" charset="0"/>
-                <a:cs typeface="Courier" charset="0"/>
-              </a:rPr>
-              <a:t>uniq</a:t>
-            </a:r>
-            <a:r>
-              <a:rPr lang="hr-HR" sz="2400" dirty="0">
-                <a:latin typeface="Courier" charset="0"/>
-                <a:ea typeface="Courier" charset="0"/>
-                <a:cs typeface="Courier" charset="0"/>
-              </a:rPr>
-              <a:t> -c | </a:t>
-            </a:r>
-            <a:r>
-              <a:rPr lang="hr-HR" sz="2400" dirty="0" err="1">
-                <a:latin typeface="Courier" charset="0"/>
-                <a:ea typeface="Courier" charset="0"/>
-                <a:cs typeface="Courier" charset="0"/>
-              </a:rPr>
-              <a:t>sort</a:t>
-            </a:r>
-            <a:r>
-              <a:rPr lang="hr-HR" sz="2400" dirty="0">
-                <a:latin typeface="Courier" charset="0"/>
-                <a:ea typeface="Courier" charset="0"/>
-                <a:cs typeface="Courier" charset="0"/>
-              </a:rPr>
-              <a:t> -</a:t>
-            </a:r>
-            <a:r>
-              <a:rPr lang="hr-HR" sz="2400" dirty="0" err="1">
-                <a:latin typeface="Courier" charset="0"/>
-                <a:ea typeface="Courier" charset="0"/>
-                <a:cs typeface="Courier" charset="0"/>
-              </a:rPr>
-              <a:t>nr</a:t>
-            </a:r>
-            <a:r>
-              <a:rPr lang="hr-HR" sz="2400" dirty="0">
-                <a:latin typeface="Courier" charset="0"/>
-                <a:ea typeface="Courier" charset="0"/>
-                <a:cs typeface="Courier" charset="0"/>
-              </a:rPr>
-              <a:t> | </a:t>
-            </a:r>
-            <a:r>
-              <a:rPr lang="hr-HR" sz="2400" dirty="0" err="1">
-                <a:latin typeface="Courier" charset="0"/>
-                <a:ea typeface="Courier" charset="0"/>
-                <a:cs typeface="Courier" charset="0"/>
-              </a:rPr>
-              <a:t>head</a:t>
-            </a:r>
-            <a:r>
-              <a:rPr lang="hr-HR" sz="2400" dirty="0">
-                <a:latin typeface="Courier" charset="0"/>
-                <a:ea typeface="Courier" charset="0"/>
-                <a:cs typeface="Courier" charset="0"/>
-              </a:rPr>
-              <a:t> -n 50 </a:t>
-            </a:r>
-            <a:br>
-              <a:rPr lang="hr-HR" sz="2400" dirty="0"/>
-            </a:br>
-            <a:endParaRPr lang="en-US" sz="2400" dirty="0"/>
+            <a:pPr lvl="1"/>
+            <a:r>
+              <a:rPr lang="en-US" sz="2400" dirty="0"/>
+              <a:t>Hint: Use sort a second time, then head</a:t>
+            </a:r>
           </a:p>
           <a:p>
             <a:pPr lvl="1"/>
@@ -8190,145 +8103,50 @@
             </a:r>
           </a:p>
           <a:p>
-            <a:pPr marL="457200" lvl="1" indent="0">
-              <a:buNone/>
-            </a:pPr>
-            <a:r>
-              <a:rPr lang="hr-HR" sz="2400" dirty="0" err="1">
-                <a:latin typeface="Courier" charset="0"/>
-                <a:ea typeface="Courier" charset="0"/>
-                <a:cs typeface="Courier" charset="0"/>
-              </a:rPr>
+            <a:pPr lvl="1"/>
+            <a:r>
+              <a:rPr lang="en-US" sz="2400" dirty="0"/>
+              <a:t>Hint: Look at the end of a list of reversed words</a:t>
+            </a:r>
+          </a:p>
+          <a:p>
+            <a:pPr lvl="1"/>
+            <a:r>
+              <a:rPr lang="en-US" sz="2400" dirty="0" err="1"/>
               <a:t>tr</a:t>
             </a:r>
             <a:r>
-              <a:rPr lang="hr-HR" sz="2400" dirty="0">
-                <a:latin typeface="Courier" charset="0"/>
-                <a:ea typeface="Courier" charset="0"/>
-                <a:cs typeface="Courier" charset="0"/>
-              </a:rPr>
-              <a:t> -</a:t>
-            </a:r>
-            <a:r>
-              <a:rPr lang="hr-HR" sz="2400" dirty="0" err="1">
-                <a:latin typeface="Courier" charset="0"/>
-                <a:ea typeface="Courier" charset="0"/>
-                <a:cs typeface="Courier" charset="0"/>
-              </a:rPr>
+              <a:rPr lang="en-US" sz="2400" dirty="0"/>
+              <a:t> 'A-Z' 'a-z' &lt; filename | </a:t>
+            </a:r>
+            <a:r>
+              <a:rPr lang="en-US" sz="2400" dirty="0" err="1"/>
+              <a:t>tr</a:t>
+            </a:r>
+            <a:r>
+              <a:rPr lang="en-US" sz="2400" dirty="0"/>
+              <a:t> </a:t>
+            </a:r>
+            <a:r>
+              <a:rPr lang="mr-IN" sz="2400" dirty="0"/>
+              <a:t>–</a:t>
+            </a:r>
+            <a:r>
+              <a:rPr lang="en-US" sz="2400" dirty="0" err="1"/>
               <a:t>sc</a:t>
             </a:r>
             <a:r>
-              <a:rPr lang="hr-HR" sz="2400" dirty="0">
-                <a:latin typeface="Courier" charset="0"/>
-                <a:ea typeface="Courier" charset="0"/>
-                <a:cs typeface="Courier" charset="0"/>
-              </a:rPr>
-              <a:t> 'A-Za-z' '\n' &lt; nyt_200811.txt | </a:t>
-            </a:r>
-            <a:r>
-              <a:rPr lang="hr-HR" sz="2400" dirty="0" err="1">
-                <a:latin typeface="Courier" charset="0"/>
-                <a:ea typeface="Courier" charset="0"/>
-                <a:cs typeface="Courier" charset="0"/>
-              </a:rPr>
-              <a:t>tr</a:t>
-            </a:r>
-            <a:r>
-              <a:rPr lang="hr-HR" sz="2400" dirty="0">
-                <a:latin typeface="Courier" charset="0"/>
-                <a:ea typeface="Courier" charset="0"/>
-                <a:cs typeface="Courier" charset="0"/>
-              </a:rPr>
-              <a:t> 'A-Z' 'a-z' | </a:t>
-            </a:r>
-            <a:r>
-              <a:rPr lang="hr-HR" sz="2400" dirty="0" err="1">
-                <a:latin typeface="Courier" charset="0"/>
-                <a:ea typeface="Courier" charset="0"/>
-                <a:cs typeface="Courier" charset="0"/>
-              </a:rPr>
-              <a:t>rev</a:t>
-            </a:r>
-            <a:r>
-              <a:rPr lang="hr-HR" sz="2400" dirty="0">
-                <a:latin typeface="Courier" charset="0"/>
-                <a:ea typeface="Courier" charset="0"/>
-                <a:cs typeface="Courier" charset="0"/>
-              </a:rPr>
-              <a:t> | </a:t>
-            </a:r>
-            <a:r>
-              <a:rPr lang="hr-HR" sz="2400" dirty="0" err="1">
-                <a:latin typeface="Courier" charset="0"/>
-                <a:ea typeface="Courier" charset="0"/>
-                <a:cs typeface="Courier" charset="0"/>
-              </a:rPr>
-              <a:t>sort</a:t>
-            </a:r>
-            <a:r>
-              <a:rPr lang="hr-HR" sz="2400" dirty="0">
-                <a:latin typeface="Courier" charset="0"/>
-                <a:ea typeface="Courier" charset="0"/>
-                <a:cs typeface="Courier" charset="0"/>
-              </a:rPr>
-              <a:t> | </a:t>
-            </a:r>
-            <a:r>
-              <a:rPr lang="hr-HR" sz="2400" dirty="0" err="1">
-                <a:latin typeface="Courier" charset="0"/>
-                <a:ea typeface="Courier" charset="0"/>
-                <a:cs typeface="Courier" charset="0"/>
-              </a:rPr>
+              <a:rPr lang="en-US" sz="2400" dirty="0"/>
+              <a:t>  'a-z' '\n' | rev | sort | rev | </a:t>
+            </a:r>
+            <a:r>
+              <a:rPr lang="en-US" sz="2400" dirty="0" err="1"/>
               <a:t>uniq</a:t>
             </a:r>
             <a:r>
-              <a:rPr lang="hr-HR" sz="2400" dirty="0">
-                <a:latin typeface="Courier" charset="0"/>
-                <a:ea typeface="Courier" charset="0"/>
-                <a:cs typeface="Courier" charset="0"/>
-              </a:rPr>
-              <a:t> -c | </a:t>
-            </a:r>
-            <a:r>
-              <a:rPr lang="hr-HR" sz="2400" dirty="0" err="1">
-                <a:latin typeface="Courier" charset="0"/>
-                <a:ea typeface="Courier" charset="0"/>
-                <a:cs typeface="Courier" charset="0"/>
-              </a:rPr>
-              <a:t>rev</a:t>
-            </a:r>
-            <a:r>
-              <a:rPr lang="hr-HR" sz="2400" dirty="0">
-                <a:latin typeface="Courier" charset="0"/>
-                <a:ea typeface="Courier" charset="0"/>
-                <a:cs typeface="Courier" charset="0"/>
-              </a:rPr>
-              <a:t> | </a:t>
-            </a:r>
-            <a:r>
-              <a:rPr lang="hr-HR" sz="2400" dirty="0" err="1">
-                <a:latin typeface="Courier" charset="0"/>
-                <a:ea typeface="Courier" charset="0"/>
-                <a:cs typeface="Courier" charset="0"/>
-              </a:rPr>
-              <a:t>tail</a:t>
-            </a:r>
-            <a:r>
-              <a:rPr lang="hr-HR" sz="2400" dirty="0">
-                <a:latin typeface="Courier" charset="0"/>
-                <a:ea typeface="Courier" charset="0"/>
-                <a:cs typeface="Courier" charset="0"/>
-              </a:rPr>
-              <a:t> -n 10 </a:t>
-            </a:r>
-            <a:br>
-              <a:rPr lang="hr-HR" sz="2400" dirty="0"/>
-            </a:br>
-            <a:endParaRPr lang="en-US" sz="2400" dirty="0">
-              <a:latin typeface="Courier" charset="0"/>
-              <a:ea typeface="Courier" charset="0"/>
-              <a:cs typeface="Courier" charset="0"/>
-            </a:endParaRPr>
+              <a:rPr lang="en-US" sz="2400" dirty="0"/>
+              <a:t> -c</a:t>
+            </a:r>
           </a:p>
         </p:txBody>
       </p:sp>
@@ -8359,7 +8177,7 @@
     </p:spTree>
     <p:extLst>
       <p:ext uri="{BB962C8B-B14F-4D97-AF65-F5344CB8AC3E}">
-        <p14:creationId xmlns:p14="http://schemas.microsoft.com/office/powerpoint/2010/main" val="695991567"/>
+        <p14:creationId xmlns:p14="http://schemas.microsoft.com/office/powerpoint/2010/main" val="4064706675"/>
       </p:ext>
     </p:extLst>
   </p:cSld>
@@ -8986,7 +8804,7 @@
           <a:p>
             <a:r>
               <a:rPr lang="en-US" dirty="0"/>
-              <a:t>Lesson</a:t>
+              <a:t>Counting and sorting exercises</a:t>
             </a:r>
           </a:p>
         </p:txBody>
@@ -9008,26 +8826,288 @@
           <a:p>
             <a:r>
               <a:rPr lang="en-US" sz="2800" dirty="0"/>
-              <a:t>Piping commands together can be simple yet powerful in Unix</a:t>
-            </a:r>
+              <a:t>Find the 50 most common words in the NYT</a:t>
+            </a:r>
+          </a:p>
+          <a:p>
+            <a:pPr marL="457200" lvl="1" indent="0">
+              <a:buNone/>
+            </a:pPr>
+            <a:r>
+              <a:rPr lang="hr-HR" sz="2400" dirty="0" err="1">
+                <a:latin typeface="Courier" charset="0"/>
+                <a:ea typeface="Courier" charset="0"/>
+                <a:cs typeface="Courier" charset="0"/>
+              </a:rPr>
+              <a:t>tr</a:t>
+            </a:r>
+            <a:r>
+              <a:rPr lang="hr-HR" sz="2400" dirty="0">
+                <a:latin typeface="Courier" charset="0"/>
+                <a:ea typeface="Courier" charset="0"/>
+                <a:cs typeface="Courier" charset="0"/>
+              </a:rPr>
+              <a:t> -</a:t>
+            </a:r>
+            <a:r>
+              <a:rPr lang="hr-HR" sz="2400" dirty="0" err="1">
+                <a:latin typeface="Courier" charset="0"/>
+                <a:ea typeface="Courier" charset="0"/>
+                <a:cs typeface="Courier" charset="0"/>
+              </a:rPr>
+              <a:t>sc</a:t>
+            </a:r>
+            <a:r>
+              <a:rPr lang="hr-HR" sz="2400" dirty="0">
+                <a:latin typeface="Courier" charset="0"/>
+                <a:ea typeface="Courier" charset="0"/>
+                <a:cs typeface="Courier" charset="0"/>
+              </a:rPr>
+              <a:t> 'A-Za-z' '\n' &lt; nyt_200811.txt | </a:t>
+            </a:r>
+            <a:r>
+              <a:rPr lang="hr-HR" sz="2400" dirty="0" err="1">
+                <a:latin typeface="Courier" charset="0"/>
+                <a:ea typeface="Courier" charset="0"/>
+                <a:cs typeface="Courier" charset="0"/>
+              </a:rPr>
+              <a:t>sort</a:t>
+            </a:r>
+            <a:r>
+              <a:rPr lang="hr-HR" sz="2400" dirty="0">
+                <a:latin typeface="Courier" charset="0"/>
+                <a:ea typeface="Courier" charset="0"/>
+                <a:cs typeface="Courier" charset="0"/>
+              </a:rPr>
+              <a:t> | </a:t>
+            </a:r>
+            <a:r>
+              <a:rPr lang="hr-HR" sz="2400" dirty="0" err="1">
+                <a:latin typeface="Courier" charset="0"/>
+                <a:ea typeface="Courier" charset="0"/>
+                <a:cs typeface="Courier" charset="0"/>
+              </a:rPr>
+              <a:t>uniq</a:t>
+            </a:r>
+            <a:r>
+              <a:rPr lang="hr-HR" sz="2400" dirty="0">
+                <a:latin typeface="Courier" charset="0"/>
+                <a:ea typeface="Courier" charset="0"/>
+                <a:cs typeface="Courier" charset="0"/>
+              </a:rPr>
+              <a:t> -c | </a:t>
+            </a:r>
+            <a:r>
+              <a:rPr lang="hr-HR" sz="2400" dirty="0" err="1">
+                <a:latin typeface="Courier" charset="0"/>
+                <a:ea typeface="Courier" charset="0"/>
+                <a:cs typeface="Courier" charset="0"/>
+              </a:rPr>
+              <a:t>sort</a:t>
+            </a:r>
+            <a:r>
+              <a:rPr lang="hr-HR" sz="2400" dirty="0">
+                <a:latin typeface="Courier" charset="0"/>
+                <a:ea typeface="Courier" charset="0"/>
+                <a:cs typeface="Courier" charset="0"/>
+              </a:rPr>
+              <a:t> -</a:t>
+            </a:r>
+            <a:r>
+              <a:rPr lang="hr-HR" sz="2400" dirty="0" err="1">
+                <a:latin typeface="Courier" charset="0"/>
+                <a:ea typeface="Courier" charset="0"/>
+                <a:cs typeface="Courier" charset="0"/>
+              </a:rPr>
+              <a:t>nr</a:t>
+            </a:r>
+            <a:r>
+              <a:rPr lang="hr-HR" sz="2400" dirty="0">
+                <a:latin typeface="Courier" charset="0"/>
+                <a:ea typeface="Courier" charset="0"/>
+                <a:cs typeface="Courier" charset="0"/>
+              </a:rPr>
+              <a:t> | </a:t>
+            </a:r>
+            <a:r>
+              <a:rPr lang="hr-HR" sz="2400" dirty="0" err="1">
+                <a:latin typeface="Courier" charset="0"/>
+                <a:ea typeface="Courier" charset="0"/>
+                <a:cs typeface="Courier" charset="0"/>
+              </a:rPr>
+              <a:t>head</a:t>
+            </a:r>
+            <a:r>
+              <a:rPr lang="hr-HR" sz="2400" dirty="0">
+                <a:latin typeface="Courier" charset="0"/>
+                <a:ea typeface="Courier" charset="0"/>
+                <a:cs typeface="Courier" charset="0"/>
+              </a:rPr>
+              <a:t> -n 50 </a:t>
+            </a:r>
+            <a:br>
+              <a:rPr lang="hr-HR" sz="2400" dirty="0"/>
+            </a:br>
+            <a:endParaRPr lang="en-US" sz="2400" dirty="0"/>
+          </a:p>
+          <a:p>
+            <a:pPr lvl="1"/>
+            <a:endParaRPr lang="en-US" sz="2400" dirty="0"/>
           </a:p>
           <a:p>
             <a:r>
               <a:rPr lang="en-US" sz="2800" dirty="0"/>
-              <a:t>It gives flexibility.</a:t>
-            </a:r>
-          </a:p>
-          <a:p>
-            <a:endParaRPr lang="en-US" sz="2800" dirty="0"/>
-          </a:p>
-          <a:p>
-            <a:endParaRPr lang="en-US" sz="2800" dirty="0"/>
-          </a:p>
-          <a:p>
+              <a:t>Find the words in the NYT that end in "</a:t>
+            </a:r>
+            <a:r>
+              <a:rPr lang="en-US" sz="2800" dirty="0" err="1"/>
+              <a:t>zz</a:t>
+            </a:r>
             <a:r>
               <a:rPr lang="en-US" sz="2800" dirty="0"/>
-              <a:t>Traditional Unix philosophy: small tools that can be composed</a:t>
-            </a:r>
+              <a:t>"</a:t>
+            </a:r>
+          </a:p>
+          <a:p>
+            <a:pPr marL="457200" lvl="1" indent="0">
+              <a:buNone/>
+            </a:pPr>
+            <a:r>
+              <a:rPr lang="hr-HR" sz="2400" dirty="0" err="1">
+                <a:latin typeface="Courier" charset="0"/>
+                <a:ea typeface="Courier" charset="0"/>
+                <a:cs typeface="Courier" charset="0"/>
+              </a:rPr>
+              <a:t>tr</a:t>
+            </a:r>
+            <a:r>
+              <a:rPr lang="hr-HR" sz="2400" dirty="0">
+                <a:latin typeface="Courier" charset="0"/>
+                <a:ea typeface="Courier" charset="0"/>
+                <a:cs typeface="Courier" charset="0"/>
+              </a:rPr>
+              <a:t> -</a:t>
+            </a:r>
+            <a:r>
+              <a:rPr lang="hr-HR" sz="2400" dirty="0" err="1">
+                <a:latin typeface="Courier" charset="0"/>
+                <a:ea typeface="Courier" charset="0"/>
+                <a:cs typeface="Courier" charset="0"/>
+              </a:rPr>
+              <a:t>sc</a:t>
+            </a:r>
+            <a:r>
+              <a:rPr lang="hr-HR" sz="2400" dirty="0">
+                <a:latin typeface="Courier" charset="0"/>
+                <a:ea typeface="Courier" charset="0"/>
+                <a:cs typeface="Courier" charset="0"/>
+              </a:rPr>
+              <a:t> 'A-Za-z' '\n' &lt; nyt_200811.txt | </a:t>
+            </a:r>
+            <a:r>
+              <a:rPr lang="hr-HR" sz="2400" dirty="0" err="1">
+                <a:latin typeface="Courier" charset="0"/>
+                <a:ea typeface="Courier" charset="0"/>
+                <a:cs typeface="Courier" charset="0"/>
+              </a:rPr>
+              <a:t>tr</a:t>
+            </a:r>
+            <a:r>
+              <a:rPr lang="hr-HR" sz="2400" dirty="0">
+                <a:latin typeface="Courier" charset="0"/>
+                <a:ea typeface="Courier" charset="0"/>
+                <a:cs typeface="Courier" charset="0"/>
+              </a:rPr>
+              <a:t> 'A-Z' 'a-z' | </a:t>
+            </a:r>
+            <a:r>
+              <a:rPr lang="hr-HR" sz="2400" dirty="0" err="1">
+                <a:latin typeface="Courier" charset="0"/>
+                <a:ea typeface="Courier" charset="0"/>
+                <a:cs typeface="Courier" charset="0"/>
+              </a:rPr>
+              <a:t>rev</a:t>
+            </a:r>
+            <a:r>
+              <a:rPr lang="hr-HR" sz="2400" dirty="0">
+                <a:latin typeface="Courier" charset="0"/>
+                <a:ea typeface="Courier" charset="0"/>
+                <a:cs typeface="Courier" charset="0"/>
+              </a:rPr>
+              <a:t> | </a:t>
+            </a:r>
+            <a:r>
+              <a:rPr lang="hr-HR" sz="2400" dirty="0" err="1">
+                <a:latin typeface="Courier" charset="0"/>
+                <a:ea typeface="Courier" charset="0"/>
+                <a:cs typeface="Courier" charset="0"/>
+              </a:rPr>
+              <a:t>sort</a:t>
+            </a:r>
+            <a:r>
+              <a:rPr lang="hr-HR" sz="2400" dirty="0">
+                <a:latin typeface="Courier" charset="0"/>
+                <a:ea typeface="Courier" charset="0"/>
+                <a:cs typeface="Courier" charset="0"/>
+              </a:rPr>
+              <a:t> | </a:t>
+            </a:r>
+            <a:r>
+              <a:rPr lang="hr-HR" sz="2400" dirty="0" err="1">
+                <a:latin typeface="Courier" charset="0"/>
+                <a:ea typeface="Courier" charset="0"/>
+                <a:cs typeface="Courier" charset="0"/>
+              </a:rPr>
+              <a:t>uniq</a:t>
+            </a:r>
+            <a:r>
+              <a:rPr lang="hr-HR" sz="2400" dirty="0">
+                <a:latin typeface="Courier" charset="0"/>
+                <a:ea typeface="Courier" charset="0"/>
+                <a:cs typeface="Courier" charset="0"/>
+              </a:rPr>
+              <a:t> -c | </a:t>
+            </a:r>
+            <a:r>
+              <a:rPr lang="hr-HR" sz="2400" dirty="0" err="1">
+                <a:latin typeface="Courier" charset="0"/>
+                <a:ea typeface="Courier" charset="0"/>
+                <a:cs typeface="Courier" charset="0"/>
+              </a:rPr>
+              <a:t>rev</a:t>
+            </a:r>
+            <a:r>
+              <a:rPr lang="hr-HR" sz="2400" dirty="0">
+                <a:latin typeface="Courier" charset="0"/>
+                <a:ea typeface="Courier" charset="0"/>
+                <a:cs typeface="Courier" charset="0"/>
+              </a:rPr>
+              <a:t> | </a:t>
+            </a:r>
+            <a:r>
+              <a:rPr lang="hr-HR" sz="2400" dirty="0" err="1">
+                <a:latin typeface="Courier" charset="0"/>
+                <a:ea typeface="Courier" charset="0"/>
+                <a:cs typeface="Courier" charset="0"/>
+              </a:rPr>
+              <a:t>tail</a:t>
+            </a:r>
+            <a:r>
+              <a:rPr lang="hr-HR" sz="2400" dirty="0">
+                <a:latin typeface="Courier" charset="0"/>
+                <a:ea typeface="Courier" charset="0"/>
+                <a:cs typeface="Courier" charset="0"/>
+              </a:rPr>
+              <a:t> -n 10 </a:t>
+            </a:r>
+            <a:br>
+              <a:rPr lang="hr-HR" sz="2400" dirty="0"/>
+            </a:br>
+            <a:endParaRPr lang="en-US" sz="2400" dirty="0">
+              <a:latin typeface="Courier" charset="0"/>
+              <a:ea typeface="Courier" charset="0"/>
+              <a:cs typeface="Courier" charset="0"/>
+            </a:endParaRPr>
           </a:p>
         </p:txBody>
       </p:sp>
@@ -9058,7 +9138,7 @@
     </p:spTree>
     <p:extLst>
       <p:ext uri="{BB962C8B-B14F-4D97-AF65-F5344CB8AC3E}">
-        <p14:creationId xmlns:p14="http://schemas.microsoft.com/office/powerpoint/2010/main" val="3204031468"/>
+        <p14:creationId xmlns:p14="http://schemas.microsoft.com/office/powerpoint/2010/main" val="695991567"/>
       </p:ext>
     </p:extLst>
   </p:cSld>
@@ -9102,7 +9182,7 @@
           <a:p>
             <a:r>
               <a:rPr lang="en-US" dirty="0"/>
-              <a:t>Bigrams = word pairs and their counts</a:t>
+              <a:t>Lesson</a:t>
             </a:r>
           </a:p>
         </p:txBody>
@@ -9122,115 +9202,28 @@
           <a:bodyPr/>
           <a:lstStyle/>
           <a:p>
-            <a:pPr marL="0" indent="0">
-              <a:buNone/>
-            </a:pPr>
-            <a:r>
-              <a:rPr lang="en-US" sz="3200" dirty="0"/>
-              <a:t>Algorithm:</a:t>
-            </a:r>
-          </a:p>
-          <a:p>
-            <a:pPr marL="514350" indent="-514350">
-              <a:buFont typeface="+mj-lt"/>
-              <a:buAutoNum type="arabicPeriod"/>
-            </a:pPr>
-            <a:r>
-              <a:rPr lang="en-US" sz="3200" dirty="0"/>
-              <a:t>Tokenize by word</a:t>
-            </a:r>
-          </a:p>
-          <a:p>
-            <a:pPr marL="514350" indent="-514350">
-              <a:buFont typeface="+mj-lt"/>
-              <a:buAutoNum type="arabicPeriod"/>
-            </a:pPr>
-            <a:r>
-              <a:rPr lang="en-US" sz="3200" dirty="0"/>
-              <a:t>Create two almost-duplicate files of words, off by one line, using </a:t>
-            </a:r>
-            <a:r>
-              <a:rPr lang="en-US" sz="3200" b="1" dirty="0"/>
-              <a:t>tail</a:t>
-            </a:r>
-          </a:p>
-          <a:p>
-            <a:pPr marL="514350" indent="-514350">
-              <a:buFont typeface="+mj-lt"/>
-              <a:buAutoNum type="arabicPeriod"/>
-            </a:pPr>
-            <a:r>
-              <a:rPr lang="en-US" sz="3200" dirty="0"/>
-              <a:t> </a:t>
-            </a:r>
-            <a:r>
-              <a:rPr lang="en-US" sz="3200" b="1" dirty="0"/>
-              <a:t>paste</a:t>
-            </a:r>
-            <a:r>
-              <a:rPr lang="en-US" sz="3200" dirty="0"/>
-              <a:t> them together so as to</a:t>
-            </a:r>
-            <a:br>
-              <a:rPr lang="en-US" sz="3200" dirty="0"/>
-            </a:br>
-            <a:r>
-              <a:rPr lang="en-US" sz="3200" dirty="0"/>
-              <a:t> get </a:t>
-            </a:r>
-            <a:r>
-              <a:rPr lang="en-US" sz="3200" i="1" dirty="0" err="1"/>
-              <a:t>word</a:t>
-            </a:r>
-            <a:r>
-              <a:rPr lang="en-US" sz="4000" i="1" baseline="-25000" dirty="0" err="1"/>
-              <a:t>i</a:t>
-            </a:r>
-            <a:r>
-              <a:rPr lang="en-US" sz="3200" i="1" dirty="0"/>
-              <a:t> </a:t>
-            </a:r>
-            <a:r>
-              <a:rPr lang="en-US" sz="3200" dirty="0"/>
-              <a:t>and </a:t>
-            </a:r>
-            <a:r>
-              <a:rPr lang="en-US" sz="3200" i="1" dirty="0" err="1"/>
-              <a:t>word</a:t>
-            </a:r>
-            <a:r>
-              <a:rPr lang="en-US" sz="4000" i="1" baseline="-25000" dirty="0" err="1"/>
-              <a:t>i</a:t>
-            </a:r>
-            <a:r>
-              <a:rPr lang="en-US" sz="4000" i="1" baseline="-25000" dirty="0"/>
-              <a:t> </a:t>
-            </a:r>
-            <a:r>
-              <a:rPr lang="en-US" sz="4000" baseline="-25000" dirty="0"/>
-              <a:t>+1</a:t>
-            </a:r>
-            <a:r>
-              <a:rPr lang="en-US" sz="3200" baseline="-25000" dirty="0"/>
-              <a:t> </a:t>
-            </a:r>
-            <a:r>
-              <a:rPr lang="en-US" sz="3200" dirty="0"/>
-              <a:t>on the same line </a:t>
-            </a:r>
-          </a:p>
-          <a:p>
-            <a:pPr marL="514350" indent="-514350">
-              <a:buFont typeface="+mj-lt"/>
-              <a:buAutoNum type="arabicPeriod"/>
-            </a:pPr>
-            <a:r>
-              <a:rPr lang="en-US" sz="3200" dirty="0"/>
-              <a:t>Count </a:t>
-            </a:r>
-          </a:p>
-          <a:p>
-            <a:endParaRPr lang="en-US" dirty="0"/>
+            <a:r>
+              <a:rPr lang="en-US" sz="2800" dirty="0"/>
+              <a:t>Piping commands together can be simple yet powerful in Unix</a:t>
+            </a:r>
+          </a:p>
+          <a:p>
+            <a:r>
+              <a:rPr lang="en-US" sz="2800" dirty="0"/>
+              <a:t>It gives flexibility.</a:t>
+            </a:r>
+          </a:p>
+          <a:p>
+            <a:endParaRPr lang="en-US" sz="2800" dirty="0"/>
+          </a:p>
+          <a:p>
+            <a:endParaRPr lang="en-US" sz="2800" dirty="0"/>
+          </a:p>
+          <a:p>
+            <a:r>
+              <a:rPr lang="en-US" sz="2800" dirty="0"/>
+              <a:t>Traditional Unix philosophy: small tools that can be composed</a:t>
+            </a:r>
           </a:p>
         </p:txBody>
       </p:sp>
@@ -9244,12 +9237,7 @@
             <p:ph type="sldNum" sz="quarter" idx="12"/>
           </p:nvPr>
         </p:nvSpPr>
-        <p:spPr>
-          <a:xfrm>
-            <a:off x="4114800" y="4743450"/>
-            <a:ext cx="1981200" cy="342900"/>
-          </a:xfrm>
-        </p:spPr>
+        <p:spPr/>
         <p:txBody>
           <a:bodyPr/>
           <a:lstStyle/>
@@ -9259,14 +9247,14 @@
               <a:pPr/>
               <a:t>21</a:t>
             </a:fld>
-            <a:endParaRPr lang="en-US" dirty="0"/>
+            <a:endParaRPr lang="en-US"/>
           </a:p>
         </p:txBody>
       </p:sp>
     </p:spTree>
     <p:extLst>
       <p:ext uri="{BB962C8B-B14F-4D97-AF65-F5344CB8AC3E}">
-        <p14:creationId xmlns:p14="http://schemas.microsoft.com/office/powerpoint/2010/main" val="135985438"/>
+        <p14:creationId xmlns:p14="http://schemas.microsoft.com/office/powerpoint/2010/main" val="3204031468"/>
       </p:ext>
     </p:extLst>
   </p:cSld>
@@ -9310,7 +9298,7 @@
           <a:p>
             <a:r>
               <a:rPr lang="en-US" dirty="0"/>
-              <a:t>Bigrams</a:t>
+              <a:t>Bigrams = word pairs and their counts</a:t>
             </a:r>
           </a:p>
         </p:txBody>
@@ -9325,255 +9313,119 @@
             <p:ph idx="1"/>
           </p:nvPr>
         </p:nvSpPr>
-        <p:spPr>
-          <a:xfrm>
-            <a:off x="304800" y="1352550"/>
-            <a:ext cx="8839200" cy="3333750"/>
-          </a:xfrm>
-        </p:spPr>
+        <p:spPr/>
         <p:txBody>
           <a:bodyPr/>
           <a:lstStyle/>
-          <a:p>
-            <a:r>
-              <a:rPr lang="nl-NL" dirty="0" err="1">
-                <a:latin typeface="Courier"/>
-                <a:cs typeface="Courier"/>
-              </a:rPr>
-              <a:t>tr</a:t>
-            </a:r>
-            <a:r>
-              <a:rPr lang="nl-NL" dirty="0">
-                <a:latin typeface="Courier"/>
-                <a:cs typeface="Courier"/>
-              </a:rPr>
-              <a:t> -</a:t>
-            </a:r>
-            <a:r>
-              <a:rPr lang="nl-NL" dirty="0" err="1">
-                <a:latin typeface="Courier"/>
-                <a:cs typeface="Courier"/>
-              </a:rPr>
-              <a:t>sc</a:t>
-            </a:r>
-            <a:r>
-              <a:rPr lang="nl-NL" dirty="0">
-                <a:latin typeface="Courier"/>
-                <a:cs typeface="Courier"/>
-              </a:rPr>
-              <a:t> 'A-Za-</a:t>
-            </a:r>
-            <a:r>
-              <a:rPr lang="nl-NL" dirty="0" err="1">
-                <a:latin typeface="Courier"/>
-                <a:cs typeface="Courier"/>
-              </a:rPr>
-              <a:t>z</a:t>
-            </a:r>
-            <a:r>
-              <a:rPr lang="nl-NL" dirty="0">
-                <a:latin typeface="Courier"/>
-                <a:cs typeface="Courier"/>
-              </a:rPr>
-              <a:t>' '\n' &lt; nyt_200811.txt &gt; </a:t>
-            </a:r>
-            <a:r>
-              <a:rPr lang="nl-NL" dirty="0" err="1">
-                <a:latin typeface="Courier"/>
-                <a:cs typeface="Courier"/>
-              </a:rPr>
-              <a:t>nyt.words</a:t>
-            </a:r>
-            <a:endParaRPr lang="nl-NL" dirty="0">
-              <a:latin typeface="Courier"/>
-              <a:cs typeface="Courier"/>
-            </a:endParaRPr>
-          </a:p>
-          <a:p>
-            <a:r>
-              <a:rPr lang="en-US" dirty="0">
-                <a:latin typeface="Courier"/>
-                <a:cs typeface="Courier"/>
-              </a:rPr>
-              <a:t>tail -n +2 </a:t>
-            </a:r>
-            <a:r>
-              <a:rPr lang="en-US" dirty="0" err="1">
-                <a:latin typeface="Courier"/>
-                <a:cs typeface="Courier"/>
-              </a:rPr>
-              <a:t>nyt.words</a:t>
-            </a:r>
-            <a:r>
-              <a:rPr lang="en-US" dirty="0">
-                <a:latin typeface="Courier"/>
-                <a:cs typeface="Courier"/>
-              </a:rPr>
-              <a:t> &gt; </a:t>
-            </a:r>
-            <a:r>
-              <a:rPr lang="en-US" dirty="0" err="1">
-                <a:latin typeface="Courier"/>
-                <a:cs typeface="Courier"/>
-              </a:rPr>
-              <a:t>nyt.nextwords</a:t>
-            </a:r>
-            <a:endParaRPr lang="en-US" dirty="0">
-              <a:latin typeface="Courier"/>
-              <a:cs typeface="Courier"/>
-            </a:endParaRPr>
-          </a:p>
-          <a:p>
-            <a:r>
-              <a:rPr lang="en-US" dirty="0">
-                <a:latin typeface="Courier"/>
-                <a:cs typeface="Courier"/>
-              </a:rPr>
-              <a:t>paste </a:t>
-            </a:r>
-            <a:r>
-              <a:rPr lang="en-US" dirty="0" err="1">
-                <a:latin typeface="Courier"/>
-                <a:cs typeface="Courier"/>
-              </a:rPr>
-              <a:t>nyt.words</a:t>
-            </a:r>
-            <a:r>
-              <a:rPr lang="en-US" dirty="0">
-                <a:latin typeface="Courier"/>
-                <a:cs typeface="Courier"/>
-              </a:rPr>
-              <a:t> </a:t>
-            </a:r>
-            <a:r>
-              <a:rPr lang="en-US" dirty="0" err="1">
-                <a:latin typeface="Courier"/>
-                <a:cs typeface="Courier"/>
-              </a:rPr>
-              <a:t>nyt.nextwords</a:t>
-            </a:r>
-            <a:r>
-              <a:rPr lang="en-US" dirty="0">
-                <a:latin typeface="Courier"/>
-                <a:cs typeface="Courier"/>
-              </a:rPr>
-              <a:t> &gt; </a:t>
-            </a:r>
-            <a:r>
-              <a:rPr lang="en-US" dirty="0" err="1">
-                <a:latin typeface="Courier"/>
-                <a:cs typeface="Courier"/>
-              </a:rPr>
-              <a:t>nyt.bigrams</a:t>
-            </a:r>
-            <a:endParaRPr lang="en-US" dirty="0">
-              <a:latin typeface="Courier"/>
-              <a:cs typeface="Courier"/>
-            </a:endParaRPr>
-          </a:p>
-          <a:p>
-            <a:r>
-              <a:rPr lang="en-US" dirty="0">
-                <a:latin typeface="Courier"/>
-                <a:cs typeface="Courier"/>
-              </a:rPr>
-              <a:t>head –n 5 </a:t>
-            </a:r>
-            <a:r>
-              <a:rPr lang="en-US" dirty="0" err="1">
-                <a:latin typeface="Courier"/>
-                <a:cs typeface="Courier"/>
-              </a:rPr>
-              <a:t>nyt.bigrams</a:t>
-            </a:r>
-            <a:endParaRPr lang="en-US" dirty="0">
-              <a:latin typeface="Courier"/>
-              <a:cs typeface="Courier"/>
-            </a:endParaRPr>
-          </a:p>
-          <a:p>
-            <a:pPr marL="0" indent="0">
-              <a:lnSpc>
-                <a:spcPts val="2000"/>
-              </a:lnSpc>
-              <a:buNone/>
-            </a:pPr>
-            <a:r>
-              <a:rPr lang="en-US" sz="2000" dirty="0"/>
-              <a:t>	</a:t>
-            </a:r>
-            <a:r>
-              <a:rPr lang="en-US" sz="2000" dirty="0">
-                <a:latin typeface="Courier"/>
-                <a:cs typeface="Courier"/>
-              </a:rPr>
-              <a:t>KBR     said</a:t>
-            </a:r>
-          </a:p>
-          <a:p>
-            <a:pPr marL="0" indent="0">
-              <a:lnSpc>
-                <a:spcPts val="2000"/>
-              </a:lnSpc>
-              <a:buNone/>
-            </a:pPr>
-            <a:r>
-              <a:rPr lang="en-US" sz="2000" dirty="0">
-                <a:latin typeface="Courier"/>
-                <a:cs typeface="Courier"/>
-              </a:rPr>
-              <a:t>	said    Friday</a:t>
-            </a:r>
-          </a:p>
-          <a:p>
-            <a:pPr marL="0" indent="0">
-              <a:lnSpc>
-                <a:spcPts val="2000"/>
-              </a:lnSpc>
-              <a:buNone/>
-            </a:pPr>
-            <a:r>
-              <a:rPr lang="en-US" sz="2000" dirty="0">
-                <a:latin typeface="Courier"/>
-                <a:cs typeface="Courier"/>
-              </a:rPr>
-              <a:t>	Friday  the</a:t>
-            </a:r>
-          </a:p>
-          <a:p>
-            <a:pPr marL="0" indent="0">
-              <a:lnSpc>
-                <a:spcPts val="2000"/>
-              </a:lnSpc>
-              <a:buNone/>
-            </a:pPr>
-            <a:r>
-              <a:rPr lang="en-US" sz="2000" dirty="0">
-                <a:latin typeface="Courier"/>
-                <a:cs typeface="Courier"/>
-              </a:rPr>
-              <a:t>	the     global</a:t>
-            </a:r>
-          </a:p>
-          <a:p>
-            <a:pPr marL="0" indent="0">
-              <a:lnSpc>
-                <a:spcPts val="2000"/>
-              </a:lnSpc>
-              <a:buNone/>
-            </a:pPr>
-            <a:r>
-              <a:rPr lang="en-US" sz="2000" dirty="0">
-                <a:latin typeface="Courier"/>
-                <a:cs typeface="Courier"/>
-              </a:rPr>
-              <a:t>	global  economic</a:t>
-            </a:r>
-          </a:p>
           <a:p>
             <a:pPr marL="0" indent="0">
               <a:buNone/>
             </a:pPr>
+            <a:r>
+              <a:rPr lang="en-US" sz="3200" dirty="0"/>
+              <a:t>Algorithm:</a:t>
+            </a:r>
+          </a:p>
+          <a:p>
+            <a:pPr marL="514350" indent="-514350">
+              <a:buFont typeface="+mj-lt"/>
+              <a:buAutoNum type="arabicPeriod"/>
+            </a:pPr>
+            <a:r>
+              <a:rPr lang="en-US" sz="3200" dirty="0"/>
+              <a:t>Tokenize by word</a:t>
+            </a:r>
+          </a:p>
+          <a:p>
+            <a:pPr marL="514350" indent="-514350">
+              <a:buFont typeface="+mj-lt"/>
+              <a:buAutoNum type="arabicPeriod"/>
+            </a:pPr>
+            <a:r>
+              <a:rPr lang="en-US" sz="3200" dirty="0"/>
+              <a:t>Create two almost-duplicate files of words, off by one line, using </a:t>
+            </a:r>
+            <a:r>
+              <a:rPr lang="en-US" sz="3200" b="1" dirty="0"/>
+              <a:t>tail</a:t>
+            </a:r>
+          </a:p>
+          <a:p>
+            <a:pPr marL="514350" indent="-514350">
+              <a:buFont typeface="+mj-lt"/>
+              <a:buAutoNum type="arabicPeriod"/>
+            </a:pPr>
+            <a:r>
+              <a:rPr lang="en-US" sz="3200" dirty="0"/>
+              <a:t> </a:t>
+            </a:r>
+            <a:r>
+              <a:rPr lang="en-US" sz="3200" b="1" dirty="0"/>
+              <a:t>paste</a:t>
+            </a:r>
+            <a:r>
+              <a:rPr lang="en-US" sz="3200" dirty="0"/>
+              <a:t> them together so as to</a:t>
+            </a:r>
+            <a:br>
+              <a:rPr lang="en-US" sz="3200" dirty="0"/>
+            </a:br>
+            <a:r>
+              <a:rPr lang="en-US" sz="3200" dirty="0"/>
+              <a:t> get </a:t>
+            </a:r>
+            <a:r>
+              <a:rPr lang="en-US" sz="3200" i="1" dirty="0" err="1"/>
+              <a:t>word</a:t>
+            </a:r>
+            <a:r>
+              <a:rPr lang="en-US" sz="4000" i="1" baseline="-25000" dirty="0" err="1"/>
+              <a:t>i</a:t>
+            </a:r>
+            <a:r>
+              <a:rPr lang="en-US" sz="3200" i="1" dirty="0"/>
+              <a:t> </a:t>
+            </a:r>
+            <a:r>
+              <a:rPr lang="en-US" sz="3200" dirty="0"/>
+              <a:t>and </a:t>
+            </a:r>
+            <a:r>
+              <a:rPr lang="en-US" sz="3200" i="1" dirty="0" err="1"/>
+              <a:t>word</a:t>
+            </a:r>
+            <a:r>
+              <a:rPr lang="en-US" sz="4000" i="1" baseline="-25000" dirty="0" err="1"/>
+              <a:t>i</a:t>
+            </a:r>
+            <a:r>
+              <a:rPr lang="en-US" sz="4000" i="1" baseline="-25000" dirty="0"/>
+              <a:t> </a:t>
+            </a:r>
+            <a:r>
+              <a:rPr lang="en-US" sz="4000" baseline="-25000" dirty="0"/>
+              <a:t>+1</a:t>
+            </a:r>
+            <a:r>
+              <a:rPr lang="en-US" sz="3200" baseline="-25000" dirty="0"/>
+              <a:t> </a:t>
+            </a:r>
+            <a:r>
+              <a:rPr lang="en-US" sz="3200" dirty="0"/>
+              <a:t>on the same line </a:t>
+            </a:r>
+          </a:p>
+          <a:p>
+            <a:pPr marL="514350" indent="-514350">
+              <a:buFont typeface="+mj-lt"/>
+              <a:buAutoNum type="arabicPeriod"/>
+            </a:pPr>
+            <a:r>
+              <a:rPr lang="en-US" sz="3200" dirty="0"/>
+              <a:t>Count </a:t>
+            </a:r>
+          </a:p>
+          <a:p>
             <a:endParaRPr lang="en-US" dirty="0"/>
           </a:p>
         </p:txBody>
@@ -9588,7 +9440,12 @@
             <p:ph type="sldNum" sz="quarter" idx="12"/>
           </p:nvPr>
         </p:nvSpPr>
-        <p:spPr/>
+        <p:spPr>
+          <a:xfrm>
+            <a:off x="4114800" y="4743450"/>
+            <a:ext cx="1981200" cy="342900"/>
+          </a:xfrm>
+        </p:spPr>
         <p:txBody>
           <a:bodyPr/>
           <a:lstStyle/>
@@ -9598,14 +9455,14 @@
               <a:pPr/>
               <a:t>22</a:t>
             </a:fld>
-            <a:endParaRPr lang="en-US"/>
+            <a:endParaRPr lang="en-US" dirty="0"/>
           </a:p>
         </p:txBody>
       </p:sp>
     </p:spTree>
     <p:extLst>
       <p:ext uri="{BB962C8B-B14F-4D97-AF65-F5344CB8AC3E}">
-        <p14:creationId xmlns:p14="http://schemas.microsoft.com/office/powerpoint/2010/main" val="1059162414"/>
+        <p14:creationId xmlns:p14="http://schemas.microsoft.com/office/powerpoint/2010/main" val="135985438"/>
       </p:ext>
     </p:extLst>
   </p:cSld>
@@ -9649,7 +9506,7 @@
           <a:p>
             <a:r>
               <a:rPr lang="en-US" dirty="0"/>
-              <a:t>Exercises</a:t>
+              <a:t>Bigrams</a:t>
             </a:r>
           </a:p>
         </p:txBody>
@@ -9664,32 +9521,256 @@
             <p:ph idx="1"/>
           </p:nvPr>
         </p:nvSpPr>
-        <p:spPr/>
+        <p:spPr>
+          <a:xfrm>
+            <a:off x="304800" y="1352550"/>
+            <a:ext cx="8839200" cy="3333750"/>
+          </a:xfrm>
+        </p:spPr>
         <p:txBody>
           <a:bodyPr/>
           <a:lstStyle/>
           <a:p>
             <a:r>
-              <a:rPr lang="en-US" sz="2800" dirty="0"/>
-              <a:t>Find the 10 most common bigrams</a:t>
-            </a:r>
-          </a:p>
-          <a:p>
-            <a:pPr lvl="1"/>
-            <a:r>
-              <a:rPr lang="en-US" sz="2400" dirty="0"/>
-              <a:t>(For you to look at:) What part-of-speech pattern are most of them?</a:t>
-            </a:r>
-          </a:p>
-          <a:p>
-            <a:pPr lvl="1"/>
-            <a:endParaRPr lang="en-US" sz="2400" dirty="0"/>
-          </a:p>
-          <a:p>
-            <a:r>
-              <a:rPr lang="en-US" sz="2800" dirty="0"/>
-              <a:t>Find the 10 most common trigrams</a:t>
-            </a:r>
+              <a:rPr lang="nl-NL" dirty="0" err="1">
+                <a:latin typeface="Courier"/>
+                <a:cs typeface="Courier"/>
+              </a:rPr>
+              <a:t>tr</a:t>
+            </a:r>
+            <a:r>
+              <a:rPr lang="nl-NL" dirty="0">
+                <a:latin typeface="Courier"/>
+                <a:cs typeface="Courier"/>
+              </a:rPr>
+              <a:t> -</a:t>
+            </a:r>
+            <a:r>
+              <a:rPr lang="nl-NL" dirty="0" err="1">
+                <a:latin typeface="Courier"/>
+                <a:cs typeface="Courier"/>
+              </a:rPr>
+              <a:t>sc</a:t>
+            </a:r>
+            <a:r>
+              <a:rPr lang="nl-NL" dirty="0">
+                <a:latin typeface="Courier"/>
+                <a:cs typeface="Courier"/>
+              </a:rPr>
+              <a:t> 'A-Za-</a:t>
+            </a:r>
+            <a:r>
+              <a:rPr lang="nl-NL" dirty="0" err="1">
+                <a:latin typeface="Courier"/>
+                <a:cs typeface="Courier"/>
+              </a:rPr>
+              <a:t>z</a:t>
+            </a:r>
+            <a:r>
+              <a:rPr lang="nl-NL" dirty="0">
+                <a:latin typeface="Courier"/>
+                <a:cs typeface="Courier"/>
+              </a:rPr>
+              <a:t>' '\n' &lt; nyt_200811.txt &gt; </a:t>
+            </a:r>
+            <a:r>
+              <a:rPr lang="nl-NL" dirty="0" err="1">
+                <a:latin typeface="Courier"/>
+                <a:cs typeface="Courier"/>
+              </a:rPr>
+              <a:t>nyt.words</a:t>
+            </a:r>
+            <a:endParaRPr lang="nl-NL" dirty="0">
+              <a:latin typeface="Courier"/>
+              <a:cs typeface="Courier"/>
+            </a:endParaRPr>
+          </a:p>
+          <a:p>
+            <a:r>
+              <a:rPr lang="en-US" dirty="0">
+                <a:latin typeface="Courier"/>
+                <a:cs typeface="Courier"/>
+              </a:rPr>
+              <a:t>tail -n +2 </a:t>
+            </a:r>
+            <a:r>
+              <a:rPr lang="en-US" dirty="0" err="1">
+                <a:latin typeface="Courier"/>
+                <a:cs typeface="Courier"/>
+              </a:rPr>
+              <a:t>nyt.words</a:t>
+            </a:r>
+            <a:r>
+              <a:rPr lang="en-US" dirty="0">
+                <a:latin typeface="Courier"/>
+                <a:cs typeface="Courier"/>
+              </a:rPr>
+              <a:t> &gt; </a:t>
+            </a:r>
+            <a:r>
+              <a:rPr lang="en-US" dirty="0" err="1">
+                <a:latin typeface="Courier"/>
+                <a:cs typeface="Courier"/>
+              </a:rPr>
+              <a:t>nyt.nextwords</a:t>
+            </a:r>
+            <a:endParaRPr lang="en-US" dirty="0">
+              <a:latin typeface="Courier"/>
+              <a:cs typeface="Courier"/>
+            </a:endParaRPr>
+          </a:p>
+          <a:p>
+            <a:r>
+              <a:rPr lang="en-US" dirty="0">
+                <a:latin typeface="Courier"/>
+                <a:cs typeface="Courier"/>
+              </a:rPr>
+              <a:t>paste </a:t>
+            </a:r>
+            <a:r>
+              <a:rPr lang="en-US" dirty="0" err="1">
+                <a:latin typeface="Courier"/>
+                <a:cs typeface="Courier"/>
+              </a:rPr>
+              <a:t>nyt.words</a:t>
+            </a:r>
+            <a:r>
+              <a:rPr lang="en-US" dirty="0">
+                <a:latin typeface="Courier"/>
+                <a:cs typeface="Courier"/>
+              </a:rPr>
+              <a:t> </a:t>
+            </a:r>
+            <a:r>
+              <a:rPr lang="en-US" dirty="0" err="1">
+                <a:latin typeface="Courier"/>
+                <a:cs typeface="Courier"/>
+              </a:rPr>
+              <a:t>nyt.nextwords</a:t>
+            </a:r>
+            <a:r>
+              <a:rPr lang="en-US" dirty="0">
+                <a:latin typeface="Courier"/>
+                <a:cs typeface="Courier"/>
+              </a:rPr>
+              <a:t> &gt; </a:t>
+            </a:r>
+            <a:r>
+              <a:rPr lang="en-US" dirty="0" err="1">
+                <a:latin typeface="Courier"/>
+                <a:cs typeface="Courier"/>
+              </a:rPr>
+              <a:t>nyt.bigrams</a:t>
+            </a:r>
+            <a:endParaRPr lang="en-US" dirty="0">
+              <a:latin typeface="Courier"/>
+              <a:cs typeface="Courier"/>
+            </a:endParaRPr>
+          </a:p>
+          <a:p>
+            <a:r>
+              <a:rPr lang="en-US" dirty="0">
+                <a:latin typeface="Courier"/>
+                <a:cs typeface="Courier"/>
+              </a:rPr>
+              <a:t>head –n 5 </a:t>
+            </a:r>
+            <a:r>
+              <a:rPr lang="en-US" dirty="0" err="1">
+                <a:latin typeface="Courier"/>
+                <a:cs typeface="Courier"/>
+              </a:rPr>
+              <a:t>nyt.bigrams</a:t>
+            </a:r>
+            <a:endParaRPr lang="en-US" dirty="0">
+              <a:latin typeface="Courier"/>
+              <a:cs typeface="Courier"/>
+            </a:endParaRPr>
+          </a:p>
+          <a:p>
+            <a:pPr marL="0" indent="0">
+              <a:lnSpc>
+                <a:spcPts val="2000"/>
+              </a:lnSpc>
+              <a:buNone/>
+            </a:pPr>
+            <a:r>
+              <a:rPr lang="en-US" sz="2000" dirty="0"/>
+              <a:t>	</a:t>
+            </a:r>
+            <a:r>
+              <a:rPr lang="en-US" sz="2000" dirty="0">
+                <a:latin typeface="Courier"/>
+                <a:cs typeface="Courier"/>
+              </a:rPr>
+              <a:t>KBR     said</a:t>
+            </a:r>
+          </a:p>
+          <a:p>
+            <a:pPr marL="0" indent="0">
+              <a:lnSpc>
+                <a:spcPts val="2000"/>
+              </a:lnSpc>
+              <a:buNone/>
+            </a:pPr>
+            <a:r>
+              <a:rPr lang="en-US" sz="2000" dirty="0">
+                <a:latin typeface="Courier"/>
+                <a:cs typeface="Courier"/>
+              </a:rPr>
+              <a:t>	said    Friday</a:t>
+            </a:r>
+          </a:p>
+          <a:p>
+            <a:pPr marL="0" indent="0">
+              <a:lnSpc>
+                <a:spcPts val="2000"/>
+              </a:lnSpc>
+              <a:buNone/>
+            </a:pPr>
+            <a:r>
+              <a:rPr lang="en-US" sz="2000" dirty="0">
+                <a:latin typeface="Courier"/>
+                <a:cs typeface="Courier"/>
+              </a:rPr>
+              <a:t>	Friday  the</a:t>
+            </a:r>
+          </a:p>
+          <a:p>
+            <a:pPr marL="0" indent="0">
+              <a:lnSpc>
+                <a:spcPts val="2000"/>
+              </a:lnSpc>
+              <a:buNone/>
+            </a:pPr>
+            <a:r>
+              <a:rPr lang="en-US" sz="2000" dirty="0">
+                <a:latin typeface="Courier"/>
+                <a:cs typeface="Courier"/>
+              </a:rPr>
+              <a:t>	the     global</a:t>
+            </a:r>
+          </a:p>
+          <a:p>
+            <a:pPr marL="0" indent="0">
+              <a:lnSpc>
+                <a:spcPts val="2000"/>
+              </a:lnSpc>
+              <a:buNone/>
+            </a:pPr>
+            <a:r>
+              <a:rPr lang="en-US" sz="2000" dirty="0">
+                <a:latin typeface="Courier"/>
+                <a:cs typeface="Courier"/>
+              </a:rPr>
+              <a:t>	global  economic</a:t>
+            </a:r>
+          </a:p>
+          <a:p>
+            <a:pPr marL="0" indent="0">
+              <a:buNone/>
+            </a:pPr>
+            <a:endParaRPr lang="en-US" dirty="0"/>
           </a:p>
         </p:txBody>
       </p:sp>
@@ -9720,7 +9801,7 @@
     </p:spTree>
     <p:extLst>
       <p:ext uri="{BB962C8B-B14F-4D97-AF65-F5344CB8AC3E}">
-        <p14:creationId xmlns:p14="http://schemas.microsoft.com/office/powerpoint/2010/main" val="1137688526"/>
+        <p14:creationId xmlns:p14="http://schemas.microsoft.com/office/powerpoint/2010/main" val="1059162414"/>
       </p:ext>
     </p:extLst>
   </p:cSld>
@@ -9764,7 +9845,7 @@
           <a:p>
             <a:r>
               <a:rPr lang="en-US" dirty="0"/>
-              <a:t>Solutions</a:t>
+              <a:t>Exercises</a:t>
             </a:r>
           </a:p>
         </p:txBody>
@@ -9790,275 +9871,20 @@
             </a:r>
           </a:p>
           <a:p>
-            <a:pPr marL="457200" lvl="1" indent="0">
-              <a:buNone/>
-            </a:pPr>
-            <a:r>
-              <a:rPr lang="en-US" sz="2400" dirty="0" err="1">
-                <a:latin typeface="Courier" charset="0"/>
-                <a:ea typeface="Courier" charset="0"/>
-                <a:cs typeface="Courier" charset="0"/>
-              </a:rPr>
-              <a:t>tr</a:t>
-            </a:r>
-            <a:r>
-              <a:rPr lang="en-US" sz="2400" dirty="0">
-                <a:latin typeface="Courier" charset="0"/>
-                <a:ea typeface="Courier" charset="0"/>
-                <a:cs typeface="Courier" charset="0"/>
-              </a:rPr>
-              <a:t> 'A-Z' 'a-z' &lt; </a:t>
-            </a:r>
-            <a:r>
-              <a:rPr lang="en-US" sz="2400" dirty="0" err="1">
-                <a:latin typeface="Courier" charset="0"/>
-                <a:ea typeface="Courier" charset="0"/>
-                <a:cs typeface="Courier" charset="0"/>
-              </a:rPr>
-              <a:t>nyt.bigrams</a:t>
-            </a:r>
-            <a:r>
-              <a:rPr lang="en-US" sz="2400" dirty="0">
-                <a:latin typeface="Courier" charset="0"/>
-                <a:ea typeface="Courier" charset="0"/>
-                <a:cs typeface="Courier" charset="0"/>
-              </a:rPr>
-              <a:t> | sort | </a:t>
-            </a:r>
-            <a:r>
-              <a:rPr lang="en-US" sz="2400" dirty="0" err="1">
-                <a:latin typeface="Courier" charset="0"/>
-                <a:ea typeface="Courier" charset="0"/>
-                <a:cs typeface="Courier" charset="0"/>
-              </a:rPr>
-              <a:t>uniq</a:t>
-            </a:r>
-            <a:r>
-              <a:rPr lang="en-US" sz="2400" dirty="0">
-                <a:latin typeface="Courier" charset="0"/>
-                <a:ea typeface="Courier" charset="0"/>
-                <a:cs typeface="Courier" charset="0"/>
-              </a:rPr>
-              <a:t> -c | sort -</a:t>
-            </a:r>
-            <a:r>
-              <a:rPr lang="en-US" sz="2400" dirty="0" err="1">
-                <a:latin typeface="Courier" charset="0"/>
-                <a:ea typeface="Courier" charset="0"/>
-                <a:cs typeface="Courier" charset="0"/>
-              </a:rPr>
-              <a:t>nr</a:t>
-            </a:r>
-            <a:r>
-              <a:rPr lang="en-US" sz="2400" dirty="0">
-                <a:latin typeface="Courier" charset="0"/>
-                <a:ea typeface="Courier" charset="0"/>
-                <a:cs typeface="Courier" charset="0"/>
-              </a:rPr>
-              <a:t> | head -n 10 </a:t>
-            </a:r>
+            <a:pPr lvl="1"/>
+            <a:r>
+              <a:rPr lang="en-US" sz="2400" dirty="0"/>
+              <a:t>(For you to look at:) What part-of-speech pattern are most of them?</a:t>
+            </a:r>
+          </a:p>
+          <a:p>
+            <a:pPr lvl="1"/>
             <a:endParaRPr lang="en-US" sz="2400" dirty="0"/>
           </a:p>
           <a:p>
             <a:r>
               <a:rPr lang="en-US" sz="2800" dirty="0"/>
               <a:t>Find the 10 most common trigrams</a:t>
-            </a:r>
-          </a:p>
-          <a:p>
-            <a:pPr marL="0" indent="0">
-              <a:buNone/>
-            </a:pPr>
-            <a:r>
-              <a:rPr lang="en-US" sz="2000" dirty="0">
-                <a:latin typeface="Courier" charset="0"/>
-                <a:ea typeface="Courier" charset="0"/>
-                <a:cs typeface="Courier" charset="0"/>
-              </a:rPr>
-              <a:t>tail -n +3 </a:t>
-            </a:r>
-            <a:r>
-              <a:rPr lang="en-US" sz="2000" dirty="0" err="1">
-                <a:latin typeface="Courier" charset="0"/>
-                <a:ea typeface="Courier" charset="0"/>
-                <a:cs typeface="Courier" charset="0"/>
-              </a:rPr>
-              <a:t>nyt.words</a:t>
-            </a:r>
-            <a:r>
-              <a:rPr lang="en-US" sz="2000" dirty="0">
-                <a:latin typeface="Courier" charset="0"/>
-                <a:ea typeface="Courier" charset="0"/>
-                <a:cs typeface="Courier" charset="0"/>
-              </a:rPr>
-              <a:t> &gt; </a:t>
-            </a:r>
-            <a:r>
-              <a:rPr lang="en-US" sz="2000" dirty="0" err="1">
-                <a:latin typeface="Courier" charset="0"/>
-                <a:ea typeface="Courier" charset="0"/>
-                <a:cs typeface="Courier" charset="0"/>
-              </a:rPr>
-              <a:t>nyt.thirdwords</a:t>
-            </a:r>
-            <a:endParaRPr lang="en-US" sz="2000" dirty="0">
-              <a:latin typeface="Courier" charset="0"/>
-              <a:ea typeface="Courier" charset="0"/>
-              <a:cs typeface="Courier" charset="0"/>
-            </a:endParaRPr>
-          </a:p>
-          <a:p>
-            <a:pPr marL="0" indent="0">
-              <a:buNone/>
-            </a:pPr>
-            <a:r>
-              <a:rPr lang="en-US" sz="2000" dirty="0">
-                <a:latin typeface="Courier" charset="0"/>
-                <a:ea typeface="Courier" charset="0"/>
-                <a:cs typeface="Courier" charset="0"/>
-              </a:rPr>
-              <a:t>paste </a:t>
-            </a:r>
-            <a:r>
-              <a:rPr lang="en-US" sz="2000" dirty="0" err="1">
-                <a:latin typeface="Courier" charset="0"/>
-                <a:ea typeface="Courier" charset="0"/>
-                <a:cs typeface="Courier" charset="0"/>
-              </a:rPr>
-              <a:t>nyt.words</a:t>
-            </a:r>
-            <a:r>
-              <a:rPr lang="en-US" sz="2000" dirty="0">
-                <a:latin typeface="Courier" charset="0"/>
-                <a:ea typeface="Courier" charset="0"/>
-                <a:cs typeface="Courier" charset="0"/>
-              </a:rPr>
-              <a:t> </a:t>
-            </a:r>
-            <a:r>
-              <a:rPr lang="en-US" sz="2000" dirty="0" err="1">
-                <a:latin typeface="Courier" charset="0"/>
-                <a:ea typeface="Courier" charset="0"/>
-                <a:cs typeface="Courier" charset="0"/>
-              </a:rPr>
-              <a:t>nyt.nextwords</a:t>
-            </a:r>
-            <a:r>
-              <a:rPr lang="en-US" sz="2000" dirty="0">
-                <a:latin typeface="Courier" charset="0"/>
-                <a:ea typeface="Courier" charset="0"/>
-                <a:cs typeface="Courier" charset="0"/>
-              </a:rPr>
-              <a:t> </a:t>
-            </a:r>
-            <a:r>
-              <a:rPr lang="en-US" sz="2000" dirty="0" err="1">
-                <a:latin typeface="Courier" charset="0"/>
-                <a:ea typeface="Courier" charset="0"/>
-                <a:cs typeface="Courier" charset="0"/>
-              </a:rPr>
-              <a:t>nyt.thirdwords</a:t>
-            </a:r>
-            <a:r>
-              <a:rPr lang="en-US" sz="2000" dirty="0">
-                <a:latin typeface="Courier" charset="0"/>
-                <a:ea typeface="Courier" charset="0"/>
-                <a:cs typeface="Courier" charset="0"/>
-              </a:rPr>
-              <a:t> &gt; </a:t>
-            </a:r>
-            <a:r>
-              <a:rPr lang="en-US" sz="2000" dirty="0" err="1">
-                <a:latin typeface="Courier" charset="0"/>
-                <a:ea typeface="Courier" charset="0"/>
-                <a:cs typeface="Courier" charset="0"/>
-              </a:rPr>
-              <a:t>nyt.trigrams</a:t>
-            </a:r>
-            <a:r>
-              <a:rPr lang="en-US" sz="2000" dirty="0">
-                <a:latin typeface="Courier" charset="0"/>
-                <a:ea typeface="Courier" charset="0"/>
-                <a:cs typeface="Courier" charset="0"/>
-              </a:rPr>
-              <a:t> </a:t>
-            </a:r>
-          </a:p>
-          <a:p>
-            <a:pPr marL="0" indent="0">
-              <a:buNone/>
-            </a:pPr>
-            <a:r>
-              <a:rPr lang="en-US" sz="2000" dirty="0">
-                <a:latin typeface="Courier" charset="0"/>
-                <a:ea typeface="Courier" charset="0"/>
-                <a:cs typeface="Courier" charset="0"/>
-              </a:rPr>
-              <a:t>cat </a:t>
-            </a:r>
-            <a:r>
-              <a:rPr lang="en-US" sz="2000" dirty="0" err="1">
-                <a:latin typeface="Courier" charset="0"/>
-                <a:ea typeface="Courier" charset="0"/>
-                <a:cs typeface="Courier" charset="0"/>
-              </a:rPr>
-              <a:t>nyt.trigrams</a:t>
-            </a:r>
-            <a:r>
-              <a:rPr lang="en-US" sz="2000" dirty="0">
-                <a:latin typeface="Courier" charset="0"/>
-                <a:ea typeface="Courier" charset="0"/>
-                <a:cs typeface="Courier" charset="0"/>
-              </a:rPr>
-              <a:t> | </a:t>
-            </a:r>
-            <a:r>
-              <a:rPr lang="en-US" sz="2000" dirty="0" err="1">
-                <a:latin typeface="Courier" charset="0"/>
-                <a:ea typeface="Courier" charset="0"/>
-                <a:cs typeface="Courier" charset="0"/>
-              </a:rPr>
-              <a:t>tr</a:t>
-            </a:r>
-            <a:r>
-              <a:rPr lang="en-US" sz="2000" dirty="0">
-                <a:latin typeface="Courier" charset="0"/>
-                <a:ea typeface="Courier" charset="0"/>
-                <a:cs typeface="Courier" charset="0"/>
-              </a:rPr>
-              <a:t> "[:upper:]" "[:lower:]" | sort | </a:t>
-            </a:r>
-            <a:r>
-              <a:rPr lang="en-US" sz="2000" dirty="0" err="1">
-                <a:latin typeface="Courier" charset="0"/>
-                <a:ea typeface="Courier" charset="0"/>
-                <a:cs typeface="Courier" charset="0"/>
-              </a:rPr>
-              <a:t>uniq</a:t>
-            </a:r>
-            <a:r>
-              <a:rPr lang="en-US" sz="2000" dirty="0">
-                <a:latin typeface="Courier" charset="0"/>
-                <a:ea typeface="Courier" charset="0"/>
-                <a:cs typeface="Courier" charset="0"/>
-              </a:rPr>
-              <a:t> -c | sort -</a:t>
-            </a:r>
-            <a:r>
-              <a:rPr lang="en-US" sz="2000" dirty="0" err="1">
-                <a:latin typeface="Courier" charset="0"/>
-                <a:ea typeface="Courier" charset="0"/>
-                <a:cs typeface="Courier" charset="0"/>
-              </a:rPr>
-              <a:t>rn</a:t>
-            </a:r>
-            <a:r>
-              <a:rPr lang="en-US" sz="2000" dirty="0">
-                <a:latin typeface="Courier" charset="0"/>
-                <a:ea typeface="Courier" charset="0"/>
-                <a:cs typeface="Courier" charset="0"/>
-              </a:rPr>
-              <a:t> | head -n 10</a:t>
             </a:r>
           </a:p>
         </p:txBody>
@@ -10090,7 +9916,7 @@
     </p:spTree>
     <p:extLst>
       <p:ext uri="{BB962C8B-B14F-4D97-AF65-F5344CB8AC3E}">
-        <p14:creationId xmlns:p14="http://schemas.microsoft.com/office/powerpoint/2010/main" val="2060734428"/>
+        <p14:creationId xmlns:p14="http://schemas.microsoft.com/office/powerpoint/2010/main" val="1137688526"/>
       </p:ext>
     </p:extLst>
   </p:cSld>
@@ -10133,10 +9959,9 @@
           <a:lstStyle/>
           <a:p>
             <a:r>
-              <a:rPr lang="en-US" dirty="0" err="1"/>
-              <a:t>grep</a:t>
-            </a:r>
-            <a:endParaRPr lang="en-US" dirty="0"/>
+              <a:rPr lang="en-US" dirty="0"/>
+              <a:t>Solutions</a:t>
+            </a:r>
           </a:p>
         </p:txBody>
       </p:sp>
@@ -10156,28 +9981,84 @@
           <a:lstStyle/>
           <a:p>
             <a:r>
-              <a:rPr lang="en-US" dirty="0" err="1"/>
-              <a:t>Grep</a:t>
-            </a:r>
-            <a:r>
-              <a:rPr lang="en-US" dirty="0"/>
-              <a:t> finds patterns specified as regular expressions</a:t>
-            </a:r>
-          </a:p>
-          <a:p>
-            <a:r>
-              <a:rPr lang="en-US" dirty="0" err="1">
-                <a:latin typeface="Courier"/>
-                <a:cs typeface="Courier"/>
-              </a:rPr>
-              <a:t>grep</a:t>
-            </a:r>
-            <a:r>
-              <a:rPr lang="en-US" dirty="0">
-                <a:latin typeface="Courier"/>
-                <a:cs typeface="Courier"/>
-              </a:rPr>
-              <a:t> rebuilt nyt_200811.txt </a:t>
+              <a:rPr lang="en-US" sz="2800" dirty="0"/>
+              <a:t>Find the 10 most common bigrams</a:t>
+            </a:r>
+          </a:p>
+          <a:p>
+            <a:pPr marL="457200" lvl="1" indent="0">
+              <a:buNone/>
+            </a:pPr>
+            <a:r>
+              <a:rPr lang="en-US" sz="2400" dirty="0" err="1">
+                <a:latin typeface="Courier" charset="0"/>
+                <a:ea typeface="Courier" charset="0"/>
+                <a:cs typeface="Courier" charset="0"/>
+              </a:rPr>
+              <a:t>tr</a:t>
+            </a:r>
+            <a:r>
+              <a:rPr lang="en-US" sz="2400" dirty="0">
+                <a:latin typeface="Courier" charset="0"/>
+                <a:ea typeface="Courier" charset="0"/>
+                <a:cs typeface="Courier" charset="0"/>
+              </a:rPr>
+              <a:t> 'A-Z' 'a-z' &lt; </a:t>
+            </a:r>
+            <a:r>
+              <a:rPr lang="en-US" sz="2400" dirty="0" err="1">
+                <a:latin typeface="Courier" charset="0"/>
+                <a:ea typeface="Courier" charset="0"/>
+                <a:cs typeface="Courier" charset="0"/>
+              </a:rPr>
+              <a:t>nyt.bigrams</a:t>
+            </a:r>
+            <a:r>
+              <a:rPr lang="en-US" sz="2400" dirty="0">
+                <a:latin typeface="Courier" charset="0"/>
+                <a:ea typeface="Courier" charset="0"/>
+                <a:cs typeface="Courier" charset="0"/>
+              </a:rPr>
+              <a:t> | sort | </a:t>
+            </a:r>
+            <a:r>
+              <a:rPr lang="en-US" sz="2400" dirty="0" err="1">
+                <a:latin typeface="Courier" charset="0"/>
+                <a:ea typeface="Courier" charset="0"/>
+                <a:cs typeface="Courier" charset="0"/>
+              </a:rPr>
+              <a:t>uniq</a:t>
+            </a:r>
+            <a:r>
+              <a:rPr lang="en-US" sz="2400" dirty="0">
+                <a:latin typeface="Courier" charset="0"/>
+                <a:ea typeface="Courier" charset="0"/>
+                <a:cs typeface="Courier" charset="0"/>
+              </a:rPr>
+              <a:t> -c | sort -</a:t>
+            </a:r>
+            <a:r>
+              <a:rPr lang="en-US" sz="2400" dirty="0" err="1">
+                <a:latin typeface="Courier" charset="0"/>
+                <a:ea typeface="Courier" charset="0"/>
+                <a:cs typeface="Courier" charset="0"/>
+              </a:rPr>
+              <a:t>nr</a:t>
+            </a:r>
+            <a:r>
+              <a:rPr lang="en-US" sz="2400" dirty="0">
+                <a:latin typeface="Courier" charset="0"/>
+                <a:ea typeface="Courier" charset="0"/>
+                <a:cs typeface="Courier" charset="0"/>
+              </a:rPr>
+              <a:t> | head -n 10 </a:t>
+            </a:r>
+            <a:endParaRPr lang="en-US" sz="2400" dirty="0"/>
+          </a:p>
+          <a:p>
+            <a:r>
+              <a:rPr lang="en-US" sz="2800" dirty="0"/>
+              <a:t>Find the 10 most common trigrams</a:t>
             </a:r>
           </a:p>
           <a:p>
@@ -10185,17 +10066,118 @@
               <a:buNone/>
             </a:pPr>
             <a:r>
-              <a:rPr lang="en-US" dirty="0"/>
-              <a:t>Conn and Johnson, has been rebuilt, among the first of the 222</a:t>
-            </a:r>
+              <a:rPr lang="en-US" sz="2000" dirty="0">
+                <a:latin typeface="Courier" charset="0"/>
+                <a:ea typeface="Courier" charset="0"/>
+                <a:cs typeface="Courier" charset="0"/>
+              </a:rPr>
+              <a:t>tail -n +3 </a:t>
+            </a:r>
+            <a:r>
+              <a:rPr lang="en-US" sz="2000" dirty="0" err="1">
+                <a:latin typeface="Courier" charset="0"/>
+                <a:ea typeface="Courier" charset="0"/>
+                <a:cs typeface="Courier" charset="0"/>
+              </a:rPr>
+              <a:t>nyt.words</a:t>
+            </a:r>
+            <a:r>
+              <a:rPr lang="en-US" sz="2000" dirty="0">
+                <a:latin typeface="Courier" charset="0"/>
+                <a:ea typeface="Courier" charset="0"/>
+                <a:cs typeface="Courier" charset="0"/>
+              </a:rPr>
+              <a:t> &gt; </a:t>
+            </a:r>
+            <a:r>
+              <a:rPr lang="en-US" sz="2000" dirty="0" err="1">
+                <a:latin typeface="Courier" charset="0"/>
+                <a:ea typeface="Courier" charset="0"/>
+                <a:cs typeface="Courier" charset="0"/>
+              </a:rPr>
+              <a:t>nyt.thirdwords</a:t>
+            </a:r>
+            <a:endParaRPr lang="en-US" sz="2000" dirty="0">
+              <a:latin typeface="Courier" charset="0"/>
+              <a:ea typeface="Courier" charset="0"/>
+              <a:cs typeface="Courier" charset="0"/>
+            </a:endParaRPr>
           </a:p>
           <a:p>
             <a:pPr marL="0" indent="0">
               <a:buNone/>
             </a:pPr>
             <a:r>
-              <a:rPr lang="en-US" dirty="0"/>
-              <a:t>move into their rebuilt home, sleeping under the same roof for the</a:t>
+              <a:rPr lang="en-US" sz="2000" dirty="0">
+                <a:latin typeface="Courier" charset="0"/>
+                <a:ea typeface="Courier" charset="0"/>
+                <a:cs typeface="Courier" charset="0"/>
+              </a:rPr>
+              <a:t>paste </a:t>
+            </a:r>
+            <a:r>
+              <a:rPr lang="en-US" sz="2000" dirty="0" err="1">
+                <a:latin typeface="Courier" charset="0"/>
+                <a:ea typeface="Courier" charset="0"/>
+                <a:cs typeface="Courier" charset="0"/>
+              </a:rPr>
+              <a:t>nyt.words</a:t>
+            </a:r>
+            <a:r>
+              <a:rPr lang="en-US" sz="2000" dirty="0">
+                <a:latin typeface="Courier" charset="0"/>
+                <a:ea typeface="Courier" charset="0"/>
+                <a:cs typeface="Courier" charset="0"/>
+              </a:rPr>
+              <a:t> </a:t>
+            </a:r>
+            <a:r>
+              <a:rPr lang="en-US" sz="2000" dirty="0" err="1">
+                <a:latin typeface="Courier" charset="0"/>
+                <a:ea typeface="Courier" charset="0"/>
+                <a:cs typeface="Courier" charset="0"/>
+              </a:rPr>
+              <a:t>nyt.nextwords</a:t>
+            </a:r>
+            <a:r>
+              <a:rPr lang="en-US" sz="2000" dirty="0">
+                <a:latin typeface="Courier" charset="0"/>
+                <a:ea typeface="Courier" charset="0"/>
+                <a:cs typeface="Courier" charset="0"/>
+              </a:rPr>
+              <a:t> </a:t>
+            </a:r>
+            <a:r>
+              <a:rPr lang="en-US" sz="2000" dirty="0" err="1">
+                <a:latin typeface="Courier" charset="0"/>
+                <a:ea typeface="Courier" charset="0"/>
+                <a:cs typeface="Courier" charset="0"/>
+              </a:rPr>
+              <a:t>nyt.thirdwords</a:t>
+            </a:r>
+            <a:r>
+              <a:rPr lang="en-US" sz="2000" dirty="0">
+                <a:latin typeface="Courier" charset="0"/>
+                <a:ea typeface="Courier" charset="0"/>
+                <a:cs typeface="Courier" charset="0"/>
+              </a:rPr>
+              <a:t> &gt; </a:t>
+            </a:r>
+            <a:r>
+              <a:rPr lang="en-US" sz="2000" dirty="0" err="1">
+                <a:latin typeface="Courier" charset="0"/>
+                <a:ea typeface="Courier" charset="0"/>
+                <a:cs typeface="Courier" charset="0"/>
+              </a:rPr>
+              <a:t>nyt.trigrams</a:t>
+            </a:r>
+            <a:r>
+              <a:rPr lang="en-US" sz="2000" dirty="0">
+                <a:latin typeface="Courier" charset="0"/>
+                <a:ea typeface="Courier" charset="0"/>
+                <a:cs typeface="Courier" charset="0"/>
+              </a:rPr>
+              <a:t> </a:t>
             </a:r>
           </a:p>
           <a:p>
@@ -10203,34 +10185,76 @@
               <a:buNone/>
             </a:pPr>
             <a:r>
-              <a:rPr lang="en-US" dirty="0"/>
-              <a:t>the part of town that was wiped away and is being rebuilt. That is</a:t>
-            </a:r>
-          </a:p>
-          <a:p>
-            <a:pPr marL="0" indent="0">
-              <a:buNone/>
-            </a:pPr>
-            <a:r>
-              <a:rPr lang="en-US" dirty="0"/>
-              <a:t>to laser trace what was there and rebuilt it with accuracy," she</a:t>
-            </a:r>
-          </a:p>
-          <a:p>
-            <a:pPr marL="0" indent="0">
-              <a:buNone/>
-            </a:pPr>
-            <a:r>
-              <a:rPr lang="en-US" dirty="0"/>
-              <a:t>home - is expected to be rebuilt by spring. </a:t>
-            </a:r>
-            <a:r>
-              <a:rPr lang="en-US" dirty="0" err="1"/>
-              <a:t>Braasch</a:t>
-            </a:r>
-            <a:r>
-              <a:rPr lang="en-US" dirty="0"/>
-              <a:t> promises that a</a:t>
+              <a:rPr lang="en-US" sz="2000" dirty="0">
+                <a:latin typeface="Courier" charset="0"/>
+                <a:ea typeface="Courier" charset="0"/>
+                <a:cs typeface="Courier" charset="0"/>
+              </a:rPr>
+              <a:t>cat </a:t>
+            </a:r>
+            <a:r>
+              <a:rPr lang="en-US" sz="2000" dirty="0" err="1">
+                <a:latin typeface="Courier" charset="0"/>
+                <a:ea typeface="Courier" charset="0"/>
+                <a:cs typeface="Courier" charset="0"/>
+              </a:rPr>
+              <a:t>nyt.trigrams</a:t>
+            </a:r>
+            <a:r>
+              <a:rPr lang="en-US" sz="2000" dirty="0">
+                <a:latin typeface="Courier" charset="0"/>
+                <a:ea typeface="Courier" charset="0"/>
+                <a:cs typeface="Courier" charset="0"/>
+              </a:rPr>
+              <a:t> | </a:t>
+            </a:r>
+            <a:r>
+              <a:rPr lang="en-US" sz="2000" dirty="0" err="1">
+                <a:latin typeface="Courier" charset="0"/>
+                <a:ea typeface="Courier" charset="0"/>
+                <a:cs typeface="Courier" charset="0"/>
+              </a:rPr>
+              <a:t>tr</a:t>
+            </a:r>
+            <a:r>
+              <a:rPr lang="en-US" sz="2000" dirty="0">
+                <a:latin typeface="Courier" charset="0"/>
+                <a:ea typeface="Courier" charset="0"/>
+                <a:cs typeface="Courier" charset="0"/>
+              </a:rPr>
+              <a:t> "[:upper:]" "[:lower:]" | sort | </a:t>
+            </a:r>
+            <a:r>
+              <a:rPr lang="en-US" sz="2000" dirty="0" err="1">
+                <a:latin typeface="Courier" charset="0"/>
+                <a:ea typeface="Courier" charset="0"/>
+                <a:cs typeface="Courier" charset="0"/>
+              </a:rPr>
+              <a:t>uniq</a:t>
+            </a:r>
+            <a:r>
+              <a:rPr lang="en-US" sz="2000" dirty="0">
+                <a:latin typeface="Courier" charset="0"/>
+                <a:ea typeface="Courier" charset="0"/>
+                <a:cs typeface="Courier" charset="0"/>
+              </a:rPr>
+              <a:t> -c | sort -</a:t>
+            </a:r>
+            <a:r>
+              <a:rPr lang="en-US" sz="2000" dirty="0" err="1">
+                <a:latin typeface="Courier" charset="0"/>
+                <a:ea typeface="Courier" charset="0"/>
+                <a:cs typeface="Courier" charset="0"/>
+              </a:rPr>
+              <a:t>rn</a:t>
+            </a:r>
+            <a:r>
+              <a:rPr lang="en-US" sz="2000" dirty="0">
+                <a:latin typeface="Courier" charset="0"/>
+                <a:ea typeface="Courier" charset="0"/>
+                <a:cs typeface="Courier" charset="0"/>
+              </a:rPr>
+              <a:t> | head -n 10</a:t>
             </a:r>
           </a:p>
         </p:txBody>
@@ -10262,7 +10286,7 @@
     </p:spTree>
     <p:extLst>
       <p:ext uri="{BB962C8B-B14F-4D97-AF65-F5344CB8AC3E}">
-        <p14:creationId xmlns:p14="http://schemas.microsoft.com/office/powerpoint/2010/main" val="1080252970"/>
+        <p14:creationId xmlns:p14="http://schemas.microsoft.com/office/powerpoint/2010/main" val="2060734428"/>
       </p:ext>
     </p:extLst>
   </p:cSld>
@@ -10328,146 +10352,82 @@
           <a:lstStyle/>
           <a:p>
             <a:r>
-              <a:rPr lang="en-US" sz="2800" dirty="0" err="1"/>
+              <a:rPr lang="en-US" dirty="0" err="1"/>
               <a:t>Grep</a:t>
             </a:r>
             <a:r>
-              <a:rPr lang="en-US" sz="2800" dirty="0"/>
+              <a:rPr lang="en-US" dirty="0"/>
               <a:t> finds patterns specified as regular expressions</a:t>
             </a:r>
           </a:p>
           <a:p>
-            <a:pPr lvl="1"/>
-            <a:r>
-              <a:rPr lang="en-US" sz="2400" b="1" dirty="0">
-                <a:solidFill>
-                  <a:srgbClr val="FF2F54"/>
-                </a:solidFill>
-              </a:rPr>
-              <a:t>g</a:t>
-            </a:r>
-            <a:r>
-              <a:rPr lang="en-US" sz="2400" dirty="0"/>
-              <a:t>lobally search for </a:t>
-            </a:r>
-            <a:r>
-              <a:rPr lang="en-US" sz="2400" b="1" dirty="0">
-                <a:solidFill>
-                  <a:srgbClr val="FF2F54"/>
-                </a:solidFill>
-              </a:rPr>
-              <a:t>r</a:t>
-            </a:r>
-            <a:r>
-              <a:rPr lang="en-US" sz="2400" dirty="0"/>
-              <a:t>egular </a:t>
-            </a:r>
-            <a:r>
-              <a:rPr lang="en-US" sz="2400" b="1" dirty="0">
-                <a:solidFill>
-                  <a:srgbClr val="FF2F54"/>
-                </a:solidFill>
-              </a:rPr>
-              <a:t>e</a:t>
-            </a:r>
-            <a:r>
-              <a:rPr lang="en-US" sz="2400" dirty="0"/>
-              <a:t>xpression and </a:t>
-            </a:r>
-            <a:r>
-              <a:rPr lang="en-US" sz="2400" b="1" dirty="0">
-                <a:solidFill>
-                  <a:schemeClr val="accent1">
-                    <a:lumMod val="60000"/>
-                    <a:lumOff val="40000"/>
-                  </a:schemeClr>
-                </a:solidFill>
-              </a:rPr>
-              <a:t>p</a:t>
-            </a:r>
-            <a:r>
-              <a:rPr lang="en-US" sz="2400" dirty="0"/>
-              <a:t>rint</a:t>
-            </a:r>
-          </a:p>
-          <a:p>
-            <a:pPr lvl="1"/>
-            <a:endParaRPr lang="en-US" sz="2400" dirty="0"/>
-          </a:p>
-          <a:p>
-            <a:r>
-              <a:rPr lang="en-US" sz="2800" dirty="0"/>
-              <a:t>Finding words ending in –</a:t>
-            </a:r>
-            <a:r>
-              <a:rPr lang="en-US" sz="2800" dirty="0" err="1"/>
-              <a:t>ing</a:t>
-            </a:r>
-            <a:r>
-              <a:rPr lang="en-US" sz="2800" dirty="0"/>
-              <a:t>:</a:t>
-            </a:r>
-          </a:p>
-          <a:p>
-            <a:r>
-              <a:rPr lang="en-US" sz="2800" dirty="0" err="1">
+            <a:r>
+              <a:rPr lang="en-US" dirty="0" err="1">
                 <a:latin typeface="Courier"/>
                 <a:cs typeface="Courier"/>
               </a:rPr>
               <a:t>grep</a:t>
             </a:r>
             <a:r>
-              <a:rPr lang="en-US" sz="2800" dirty="0">
+              <a:rPr lang="en-US" dirty="0">
                 <a:latin typeface="Courier"/>
                 <a:cs typeface="Courier"/>
               </a:rPr>
-              <a:t> '</a:t>
-            </a:r>
-            <a:r>
-              <a:rPr lang="en-US" sz="2800" dirty="0" err="1">
-                <a:latin typeface="Courier"/>
-                <a:cs typeface="Courier"/>
-              </a:rPr>
-              <a:t>ing</a:t>
-            </a:r>
-            <a:r>
-              <a:rPr lang="en-US" sz="2800" dirty="0">
-                <a:latin typeface="Courier"/>
-                <a:cs typeface="Courier"/>
-              </a:rPr>
-              <a:t>$' </a:t>
-            </a:r>
-            <a:r>
-              <a:rPr lang="en-US" sz="2800" dirty="0" err="1">
-                <a:latin typeface="Courier"/>
-                <a:cs typeface="Courier"/>
-              </a:rPr>
-              <a:t>nyt.words</a:t>
-            </a:r>
-            <a:r>
-              <a:rPr lang="en-US" sz="2800" dirty="0">
-                <a:latin typeface="Courier"/>
-                <a:cs typeface="Courier"/>
-              </a:rPr>
-              <a:t> |sort | </a:t>
-            </a:r>
-            <a:r>
-              <a:rPr lang="en-US" sz="2800" dirty="0" err="1">
-                <a:latin typeface="Courier"/>
-                <a:cs typeface="Courier"/>
-              </a:rPr>
-              <a:t>uniq</a:t>
-            </a:r>
-            <a:r>
-              <a:rPr lang="en-US" sz="2800" dirty="0">
-                <a:latin typeface="Courier"/>
-                <a:cs typeface="Courier"/>
-              </a:rPr>
-              <a:t> –c</a:t>
-            </a:r>
-          </a:p>
-          <a:p>
-            <a:endParaRPr lang="en-US" dirty="0"/>
+              <a:t> rebuilt nyt_200811.txt </a:t>
+            </a:r>
+          </a:p>
+          <a:p>
+            <a:pPr marL="0" indent="0">
+              <a:buNone/>
+            </a:pPr>
+            <a:r>
+              <a:rPr lang="en-US" dirty="0"/>
+              <a:t>Conn and Johnson, has been rebuilt, among the first of the 222</a:t>
+            </a:r>
+          </a:p>
+          <a:p>
+            <a:pPr marL="0" indent="0">
+              <a:buNone/>
+            </a:pPr>
+            <a:r>
+              <a:rPr lang="en-US" dirty="0"/>
+              <a:t>move into their rebuilt home, sleeping under the same roof for the</a:t>
+            </a:r>
+          </a:p>
+          <a:p>
+            <a:pPr marL="0" indent="0">
+              <a:buNone/>
+            </a:pPr>
+            <a:r>
+              <a:rPr lang="en-US" dirty="0"/>
+              <a:t>the part of town that was wiped away and is being rebuilt. That is</a:t>
+            </a:r>
+          </a:p>
+          <a:p>
+            <a:pPr marL="0" indent="0">
+              <a:buNone/>
+            </a:pPr>
+            <a:r>
+              <a:rPr lang="en-US" dirty="0"/>
+              <a:t>to laser trace what was there and rebuilt it with accuracy," she</a:t>
+            </a:r>
+          </a:p>
+          <a:p>
+            <a:pPr marL="0" indent="0">
+              <a:buNone/>
+            </a:pPr>
+            <a:r>
+              <a:rPr lang="en-US" dirty="0"/>
+              <a:t>home - is expected to be rebuilt by spring. </a:t>
+            </a:r>
+            <a:r>
+              <a:rPr lang="en-US" dirty="0" err="1"/>
+              <a:t>Braasch</a:t>
+            </a:r>
+            <a:r>
+              <a:rPr lang="en-US" dirty="0"/>
+              <a:t> promises that a</a:t>
+            </a:r>
           </a:p>
         </p:txBody>
       </p:sp>
@@ -10498,7 +10458,7 @@
     </p:spTree>
     <p:extLst>
       <p:ext uri="{BB962C8B-B14F-4D97-AF65-F5344CB8AC3E}">
-        <p14:creationId xmlns:p14="http://schemas.microsoft.com/office/powerpoint/2010/main" val="2597461484"/>
+        <p14:creationId xmlns:p14="http://schemas.microsoft.com/office/powerpoint/2010/main" val="1080252970"/>
       </p:ext>
     </p:extLst>
   </p:cSld>
@@ -10558,6 +10518,242 @@
             <p:ph idx="1"/>
           </p:nvPr>
         </p:nvSpPr>
+        <p:spPr/>
+        <p:txBody>
+          <a:bodyPr/>
+          <a:lstStyle/>
+          <a:p>
+            <a:r>
+              <a:rPr lang="en-US" sz="2800" dirty="0" err="1"/>
+              <a:t>Grep</a:t>
+            </a:r>
+            <a:r>
+              <a:rPr lang="en-US" sz="2800" dirty="0"/>
+              <a:t> finds patterns specified as regular expressions</a:t>
+            </a:r>
+          </a:p>
+          <a:p>
+            <a:pPr lvl="1"/>
+            <a:r>
+              <a:rPr lang="en-US" sz="2400" b="1" dirty="0">
+                <a:solidFill>
+                  <a:srgbClr val="FF2F54"/>
+                </a:solidFill>
+              </a:rPr>
+              <a:t>g</a:t>
+            </a:r>
+            <a:r>
+              <a:rPr lang="en-US" sz="2400" dirty="0"/>
+              <a:t>lobally search for </a:t>
+            </a:r>
+            <a:r>
+              <a:rPr lang="en-US" sz="2400" b="1" dirty="0">
+                <a:solidFill>
+                  <a:srgbClr val="FF2F54"/>
+                </a:solidFill>
+              </a:rPr>
+              <a:t>r</a:t>
+            </a:r>
+            <a:r>
+              <a:rPr lang="en-US" sz="2400" dirty="0"/>
+              <a:t>egular </a:t>
+            </a:r>
+            <a:r>
+              <a:rPr lang="en-US" sz="2400" b="1" dirty="0">
+                <a:solidFill>
+                  <a:srgbClr val="FF2F54"/>
+                </a:solidFill>
+              </a:rPr>
+              <a:t>e</a:t>
+            </a:r>
+            <a:r>
+              <a:rPr lang="en-US" sz="2400" dirty="0"/>
+              <a:t>xpression and </a:t>
+            </a:r>
+            <a:r>
+              <a:rPr lang="en-US" sz="2400" b="1" dirty="0">
+                <a:solidFill>
+                  <a:schemeClr val="accent1">
+                    <a:lumMod val="60000"/>
+                    <a:lumOff val="40000"/>
+                  </a:schemeClr>
+                </a:solidFill>
+              </a:rPr>
+              <a:t>p</a:t>
+            </a:r>
+            <a:r>
+              <a:rPr lang="en-US" sz="2400" dirty="0"/>
+              <a:t>rint</a:t>
+            </a:r>
+          </a:p>
+          <a:p>
+            <a:pPr lvl="1"/>
+            <a:endParaRPr lang="en-US" sz="2400" dirty="0"/>
+          </a:p>
+          <a:p>
+            <a:r>
+              <a:rPr lang="en-US" sz="2800" dirty="0"/>
+              <a:t>Finding words ending in –</a:t>
+            </a:r>
+            <a:r>
+              <a:rPr lang="en-US" sz="2800" dirty="0" err="1"/>
+              <a:t>ing</a:t>
+            </a:r>
+            <a:r>
+              <a:rPr lang="en-US" sz="2800" dirty="0"/>
+              <a:t>:</a:t>
+            </a:r>
+          </a:p>
+          <a:p>
+            <a:r>
+              <a:rPr lang="en-US" sz="2800" dirty="0" err="1">
+                <a:latin typeface="Courier"/>
+                <a:cs typeface="Courier"/>
+              </a:rPr>
+              <a:t>grep</a:t>
+            </a:r>
+            <a:r>
+              <a:rPr lang="en-US" sz="2800" dirty="0">
+                <a:latin typeface="Courier"/>
+                <a:cs typeface="Courier"/>
+              </a:rPr>
+              <a:t> '</a:t>
+            </a:r>
+            <a:r>
+              <a:rPr lang="en-US" sz="2800" dirty="0" err="1">
+                <a:latin typeface="Courier"/>
+                <a:cs typeface="Courier"/>
+              </a:rPr>
+              <a:t>ing</a:t>
+            </a:r>
+            <a:r>
+              <a:rPr lang="en-US" sz="2800" dirty="0">
+                <a:latin typeface="Courier"/>
+                <a:cs typeface="Courier"/>
+              </a:rPr>
+              <a:t>$' </a:t>
+            </a:r>
+            <a:r>
+              <a:rPr lang="en-US" sz="2800" dirty="0" err="1">
+                <a:latin typeface="Courier"/>
+                <a:cs typeface="Courier"/>
+              </a:rPr>
+              <a:t>nyt.words</a:t>
+            </a:r>
+            <a:r>
+              <a:rPr lang="en-US" sz="2800" dirty="0">
+                <a:latin typeface="Courier"/>
+                <a:cs typeface="Courier"/>
+              </a:rPr>
+              <a:t> |sort | </a:t>
+            </a:r>
+            <a:r>
+              <a:rPr lang="en-US" sz="2800" dirty="0" err="1">
+                <a:latin typeface="Courier"/>
+                <a:cs typeface="Courier"/>
+              </a:rPr>
+              <a:t>uniq</a:t>
+            </a:r>
+            <a:r>
+              <a:rPr lang="en-US" sz="2800" dirty="0">
+                <a:latin typeface="Courier"/>
+                <a:cs typeface="Courier"/>
+              </a:rPr>
+              <a:t> –c</a:t>
+            </a:r>
+          </a:p>
+          <a:p>
+            <a:endParaRPr lang="en-US" dirty="0"/>
+          </a:p>
+        </p:txBody>
+      </p:sp>
+      <p:sp>
+        <p:nvSpPr>
+          <p:cNvPr id="4" name="Slide Number Placeholder 3"/>
+          <p:cNvSpPr>
+            <a:spLocks noGrp="1"/>
+          </p:cNvSpPr>
+          <p:nvPr>
+            <p:ph type="sldNum" sz="quarter" idx="12"/>
+          </p:nvPr>
+        </p:nvSpPr>
+        <p:spPr/>
+        <p:txBody>
+          <a:bodyPr/>
+          <a:lstStyle/>
+          <a:p>
+            <a:fld id="{10F35DC5-7E65-8247-99AB-4E984F8A921E}" type="slidenum">
+              <a:rPr lang="en-US" smtClean="0"/>
+              <a:pPr/>
+              <a:t>27</a:t>
+            </a:fld>
+            <a:endParaRPr lang="en-US"/>
+          </a:p>
+        </p:txBody>
+      </p:sp>
+    </p:spTree>
+    <p:extLst>
+      <p:ext uri="{BB962C8B-B14F-4D97-AF65-F5344CB8AC3E}">
+        <p14:creationId xmlns:p14="http://schemas.microsoft.com/office/powerpoint/2010/main" val="2597461484"/>
+      </p:ext>
+    </p:extLst>
+  </p:cSld>
+  <p:clrMapOvr>
+    <a:masterClrMapping/>
+  </p:clrMapOvr>
+</p:sld>
+</file>
+
+<file path=ppt/slides/slide28.xml><?xml version="1.0" encoding="utf-8"?>
+<p:sld xmlns:a="http://schemas.openxmlformats.org/drawingml/2006/main" xmlns:r="http://schemas.openxmlformats.org/officeDocument/2006/relationships" xmlns:p="http://schemas.openxmlformats.org/presentationml/2006/main">
+  <p:cSld>
+    <p:spTree>
+      <p:nvGrpSpPr>
+        <p:cNvPr id="1" name=""/>
+        <p:cNvGrpSpPr/>
+        <p:nvPr/>
+      </p:nvGrpSpPr>
+      <p:grpSpPr>
+        <a:xfrm>
+          <a:off x="0" y="0"/>
+          <a:ext cx="0" cy="0"/>
+          <a:chOff x="0" y="0"/>
+          <a:chExt cx="0" cy="0"/>
+        </a:xfrm>
+      </p:grpSpPr>
+      <p:sp>
+        <p:nvSpPr>
+          <p:cNvPr id="2" name="Title 1"/>
+          <p:cNvSpPr>
+            <a:spLocks noGrp="1"/>
+          </p:cNvSpPr>
+          <p:nvPr>
+            <p:ph type="title"/>
+          </p:nvPr>
+        </p:nvSpPr>
+        <p:spPr/>
+        <p:txBody>
+          <a:bodyPr/>
+          <a:lstStyle/>
+          <a:p>
+            <a:r>
+              <a:rPr lang="en-US" dirty="0" err="1"/>
+              <a:t>grep</a:t>
+            </a:r>
+            <a:endParaRPr lang="en-US" dirty="0"/>
+          </a:p>
+        </p:txBody>
+      </p:sp>
+      <p:sp>
+        <p:nvSpPr>
+          <p:cNvPr id="3" name="Content Placeholder 2"/>
+          <p:cNvSpPr>
+            <a:spLocks noGrp="1"/>
+          </p:cNvSpPr>
+          <p:nvPr>
+            <p:ph idx="1"/>
+          </p:nvPr>
+        </p:nvSpPr>
         <p:spPr>
           <a:xfrm>
             <a:off x="457200" y="1200150"/>
@@ -10717,7 +10913,7 @@
 </p:sld>
 </file>
 
-<file path=ppt/slides/slide28.xml><?xml version="1.0" encoding="utf-8"?>
+<file path=ppt/slides/slide29.xml><?xml version="1.0" encoding="utf-8"?>
 <p:sld xmlns:a="http://schemas.openxmlformats.org/drawingml/2006/main" xmlns:r="http://schemas.openxmlformats.org/officeDocument/2006/relationships" xmlns:p="http://schemas.openxmlformats.org/presentationml/2006/main">
   <p:cSld>
     <p:spTree>
@@ -11309,277 +11505,6 @@
 </p:sld>
 </file>
 
-<file path=ppt/slides/slide29.xml><?xml version="1.0" encoding="utf-8"?>
-<p:sld xmlns:a="http://schemas.openxmlformats.org/drawingml/2006/main" xmlns:r="http://schemas.openxmlformats.org/officeDocument/2006/relationships" xmlns:p="http://schemas.openxmlformats.org/presentationml/2006/main">
-  <p:cSld>
-    <p:spTree>
-      <p:nvGrpSpPr>
-        <p:cNvPr id="1" name=""/>
-        <p:cNvGrpSpPr/>
-        <p:nvPr/>
-      </p:nvGrpSpPr>
-      <p:grpSpPr>
-        <a:xfrm>
-          <a:off x="0" y="0"/>
-          <a:ext cx="0" cy="0"/>
-          <a:chOff x="0" y="0"/>
-          <a:chExt cx="0" cy="0"/>
-        </a:xfrm>
-      </p:grpSpPr>
-      <p:sp>
-        <p:nvSpPr>
-          <p:cNvPr id="2" name="Title 1"/>
-          <p:cNvSpPr>
-            <a:spLocks noGrp="1"/>
-          </p:cNvSpPr>
-          <p:nvPr>
-            <p:ph type="title"/>
-          </p:nvPr>
-        </p:nvSpPr>
-        <p:spPr/>
-        <p:txBody>
-          <a:bodyPr/>
-          <a:lstStyle/>
-          <a:p>
-            <a:r>
-              <a:rPr lang="en-US" dirty="0"/>
-              <a:t>Counting lines, words, characters</a:t>
-            </a:r>
-          </a:p>
-        </p:txBody>
-      </p:sp>
-      <p:sp>
-        <p:nvSpPr>
-          <p:cNvPr id="3" name="Content Placeholder 2"/>
-          <p:cNvSpPr>
-            <a:spLocks noGrp="1"/>
-          </p:cNvSpPr>
-          <p:nvPr>
-            <p:ph idx="1"/>
-          </p:nvPr>
-        </p:nvSpPr>
-        <p:spPr/>
-        <p:txBody>
-          <a:bodyPr/>
-          <a:lstStyle/>
-          <a:p>
-            <a:r>
-              <a:rPr lang="pl-PL" dirty="0" err="1">
-                <a:latin typeface="Courier"/>
-                <a:cs typeface="Courier"/>
-              </a:rPr>
-              <a:t>wc</a:t>
-            </a:r>
-            <a:r>
-              <a:rPr lang="pl-PL" dirty="0">
-                <a:latin typeface="Courier"/>
-                <a:cs typeface="Courier"/>
-              </a:rPr>
-              <a:t> nyt_200811.txt </a:t>
-            </a:r>
-          </a:p>
-          <a:p>
-            <a:pPr marL="0" indent="0">
-              <a:buNone/>
-            </a:pPr>
-            <a:r>
-              <a:rPr lang="en-US" dirty="0">
-                <a:latin typeface="Courier" pitchFamily="2" charset="0"/>
-              </a:rPr>
-              <a:t>   70334  509851 3052306 nyt_200811.txt</a:t>
-            </a:r>
-          </a:p>
-          <a:p>
-            <a:pPr marL="0" indent="0">
-              <a:buNone/>
-            </a:pPr>
-            <a:endParaRPr lang="pl-PL" dirty="0">
-              <a:latin typeface="Courier"/>
-              <a:cs typeface="Courier"/>
-            </a:endParaRPr>
-          </a:p>
-          <a:p>
-            <a:r>
-              <a:rPr lang="pl-PL" dirty="0" err="1">
-                <a:latin typeface="Courier"/>
-                <a:cs typeface="Courier"/>
-              </a:rPr>
-              <a:t>wc</a:t>
-            </a:r>
-            <a:r>
-              <a:rPr lang="pl-PL" dirty="0">
-                <a:latin typeface="Courier"/>
-                <a:cs typeface="Courier"/>
-              </a:rPr>
-              <a:t> -l </a:t>
-            </a:r>
-            <a:r>
-              <a:rPr lang="pl-PL" dirty="0" err="1">
-                <a:latin typeface="Courier"/>
-                <a:cs typeface="Courier"/>
-              </a:rPr>
-              <a:t>nyt.words</a:t>
-            </a:r>
-            <a:r>
-              <a:rPr lang="pl-PL" dirty="0">
-                <a:latin typeface="Courier"/>
-                <a:cs typeface="Courier"/>
-              </a:rPr>
-              <a:t> </a:t>
-            </a:r>
-          </a:p>
-          <a:p>
-            <a:pPr marL="0" indent="0">
-              <a:buNone/>
-            </a:pPr>
-            <a:r>
-              <a:rPr lang="en-US" dirty="0">
-                <a:latin typeface="Courier" pitchFamily="2" charset="0"/>
-              </a:rPr>
-              <a:t>   70334 nyt_200811.txt</a:t>
-            </a:r>
-          </a:p>
-          <a:p>
-            <a:pPr marL="0" indent="0">
-              <a:buNone/>
-            </a:pPr>
-            <a:endParaRPr lang="pl-PL" dirty="0">
-              <a:latin typeface="Courier"/>
-              <a:cs typeface="Courier"/>
-            </a:endParaRPr>
-          </a:p>
-          <a:p>
-            <a:pPr marL="0" indent="0">
-              <a:buNone/>
-            </a:pPr>
-            <a:r>
-              <a:rPr lang="pl-PL" sz="2800" b="1" dirty="0" err="1">
-                <a:latin typeface="Calibri"/>
-                <a:cs typeface="Calibri"/>
-              </a:rPr>
-              <a:t>Exercise</a:t>
-            </a:r>
-            <a:r>
-              <a:rPr lang="pl-PL" sz="2800" b="1" dirty="0">
-                <a:latin typeface="Calibri"/>
-                <a:cs typeface="Calibri"/>
-              </a:rPr>
-              <a:t>:  </a:t>
-            </a:r>
-            <a:r>
-              <a:rPr lang="pl-PL" sz="2800" b="1" dirty="0" err="1">
-                <a:latin typeface="Calibri"/>
-                <a:cs typeface="Calibri"/>
-              </a:rPr>
-              <a:t>Why</a:t>
-            </a:r>
-            <a:r>
-              <a:rPr lang="pl-PL" sz="2800" b="1" dirty="0">
-                <a:latin typeface="Calibri"/>
-                <a:cs typeface="Calibri"/>
-              </a:rPr>
-              <a:t> </a:t>
-            </a:r>
-            <a:r>
-              <a:rPr lang="pl-PL" sz="2800" b="1" dirty="0" err="1">
-                <a:latin typeface="Calibri"/>
-                <a:cs typeface="Calibri"/>
-              </a:rPr>
-              <a:t>is</a:t>
-            </a:r>
-            <a:r>
-              <a:rPr lang="pl-PL" sz="2800" b="1" dirty="0">
-                <a:latin typeface="Calibri"/>
-                <a:cs typeface="Calibri"/>
-              </a:rPr>
-              <a:t> the </a:t>
-            </a:r>
-            <a:r>
-              <a:rPr lang="pl-PL" sz="2800" b="1" dirty="0" err="1">
-                <a:latin typeface="Calibri"/>
-                <a:cs typeface="Calibri"/>
-              </a:rPr>
-              <a:t>number</a:t>
-            </a:r>
-            <a:r>
-              <a:rPr lang="pl-PL" sz="2800" b="1" dirty="0">
-                <a:latin typeface="Calibri"/>
-                <a:cs typeface="Calibri"/>
-              </a:rPr>
-              <a:t> of </a:t>
-            </a:r>
-            <a:r>
-              <a:rPr lang="pl-PL" sz="2800" b="1" dirty="0" err="1">
-                <a:latin typeface="Calibri"/>
-                <a:cs typeface="Calibri"/>
-              </a:rPr>
-              <a:t>words</a:t>
-            </a:r>
-            <a:r>
-              <a:rPr lang="pl-PL" sz="2800" b="1" dirty="0">
-                <a:latin typeface="Calibri"/>
-                <a:cs typeface="Calibri"/>
-              </a:rPr>
-              <a:t> </a:t>
-            </a:r>
-            <a:r>
-              <a:rPr lang="pl-PL" sz="2800" b="1" dirty="0" err="1">
-                <a:latin typeface="Calibri"/>
-                <a:cs typeface="Calibri"/>
-              </a:rPr>
-              <a:t>different</a:t>
-            </a:r>
-            <a:r>
-              <a:rPr lang="pl-PL" sz="2800" b="1" dirty="0">
-                <a:latin typeface="Calibri"/>
-                <a:cs typeface="Calibri"/>
-              </a:rPr>
-              <a:t>?</a:t>
-            </a:r>
-            <a:endParaRPr lang="en-US" sz="2800" b="1" dirty="0">
-              <a:latin typeface="Calibri"/>
-              <a:cs typeface="Calibri"/>
-            </a:endParaRPr>
-          </a:p>
-        </p:txBody>
-      </p:sp>
-      <p:sp>
-        <p:nvSpPr>
-          <p:cNvPr id="4" name="Slide Number Placeholder 3"/>
-          <p:cNvSpPr>
-            <a:spLocks noGrp="1"/>
-          </p:cNvSpPr>
-          <p:nvPr>
-            <p:ph type="sldNum" sz="quarter" idx="12"/>
-          </p:nvPr>
-        </p:nvSpPr>
-        <p:spPr/>
-        <p:txBody>
-          <a:bodyPr/>
-          <a:lstStyle/>
-          <a:p>
-            <a:fld id="{10F35DC5-7E65-8247-99AB-4E984F8A921E}" type="slidenum">
-              <a:rPr lang="en-US" smtClean="0"/>
-              <a:pPr/>
-              <a:t>29</a:t>
-            </a:fld>
-            <a:endParaRPr lang="en-US"/>
-          </a:p>
-        </p:txBody>
-      </p:sp>
-    </p:spTree>
-    <p:extLst>
-      <p:ext uri="{BB962C8B-B14F-4D97-AF65-F5344CB8AC3E}">
-        <p14:creationId xmlns:p14="http://schemas.microsoft.com/office/powerpoint/2010/main" val="3244027247"/>
-      </p:ext>
-    </p:extLst>
-  </p:cSld>
-  <p:clrMapOvr>
-    <a:masterClrMapping/>
-  </p:clrMapOvr>
-</p:sld>
-</file>
-
 <file path=ppt/slides/slide3.xml><?xml version="1.0" encoding="utf-8"?>
 <p:sld xmlns:a="http://schemas.openxmlformats.org/drawingml/2006/main" xmlns:r="http://schemas.openxmlformats.org/officeDocument/2006/relationships" xmlns:p="http://schemas.openxmlformats.org/presentationml/2006/main">
   <p:cSld>
@@ -11775,96 +11700,203 @@
           <a:p>
             <a:r>
               <a:rPr lang="en-US" dirty="0"/>
-              <a:t>Exercises on </a:t>
-            </a:r>
-            <a:r>
-              <a:rPr lang="en-US" dirty="0" err="1"/>
-              <a:t>grep</a:t>
-            </a:r>
-            <a:r>
-              <a:rPr lang="en-US" dirty="0"/>
-              <a:t> &amp; </a:t>
-            </a:r>
-            <a:r>
-              <a:rPr lang="en-US" dirty="0" err="1"/>
+              <a:t>Counting lines, words, characters</a:t>
+            </a:r>
+          </a:p>
+        </p:txBody>
+      </p:sp>
+      <p:sp>
+        <p:nvSpPr>
+          <p:cNvPr id="3" name="Content Placeholder 2"/>
+          <p:cNvSpPr>
+            <a:spLocks noGrp="1"/>
+          </p:cNvSpPr>
+          <p:nvPr>
+            <p:ph idx="1"/>
+          </p:nvPr>
+        </p:nvSpPr>
+        <p:spPr/>
+        <p:txBody>
+          <a:bodyPr/>
+          <a:lstStyle/>
+          <a:p>
+            <a:r>
+              <a:rPr lang="pl-PL" dirty="0" err="1">
+                <a:latin typeface="Courier"/>
+                <a:cs typeface="Courier"/>
+              </a:rPr>
               <a:t>wc</a:t>
             </a:r>
-            <a:endParaRPr lang="en-US" dirty="0"/>
-          </a:p>
-        </p:txBody>
-      </p:sp>
-      <p:sp>
-        <p:nvSpPr>
-          <p:cNvPr id="3" name="Content Placeholder 2"/>
-          <p:cNvSpPr>
-            <a:spLocks noGrp="1"/>
-          </p:cNvSpPr>
-          <p:nvPr>
-            <p:ph idx="1"/>
-          </p:nvPr>
-        </p:nvSpPr>
-        <p:spPr/>
-        <p:txBody>
-          <a:bodyPr/>
-          <a:lstStyle/>
-          <a:p>
-            <a:r>
-              <a:rPr lang="en-US" dirty="0"/>
-              <a:t>How many all uppercase words are there in this NYT file?</a:t>
-            </a:r>
-          </a:p>
-          <a:p>
-            <a:r>
-              <a:rPr lang="en-US" dirty="0"/>
-              <a:t>How many 4-letter words?</a:t>
-            </a:r>
-          </a:p>
-          <a:p>
-            <a:r>
-              <a:rPr lang="en-US" dirty="0"/>
-              <a:t>How many different words are there with no vowels</a:t>
-            </a:r>
-          </a:p>
-          <a:p>
-            <a:pPr lvl="1"/>
-            <a:r>
-              <a:rPr lang="en-US" dirty="0"/>
-              <a:t>What subtypes do they belong to?</a:t>
-            </a:r>
-          </a:p>
-          <a:p>
-            <a:r>
-              <a:rPr lang="en-US" dirty="0"/>
-              <a:t>How many “1 syllable” words are there</a:t>
-            </a:r>
-          </a:p>
-          <a:p>
-            <a:pPr lvl="1"/>
-            <a:r>
-              <a:rPr lang="en-US" dirty="0"/>
-              <a:t>That is, ones with exactly one sequence of vowels</a:t>
-            </a:r>
-          </a:p>
-          <a:p>
-            <a:pPr lvl="1"/>
-            <a:endParaRPr lang="en-US" dirty="0"/>
+            <a:r>
+              <a:rPr lang="pl-PL" dirty="0">
+                <a:latin typeface="Courier"/>
+                <a:cs typeface="Courier"/>
+              </a:rPr>
+              <a:t> nyt_200811.txt </a:t>
+            </a:r>
           </a:p>
           <a:p>
             <a:pPr marL="0" indent="0">
               <a:buNone/>
             </a:pPr>
             <a:r>
-              <a:rPr lang="en-US" sz="2000" dirty="0">
-                <a:solidFill>
-                  <a:schemeClr val="accent2"/>
-                </a:solidFill>
-              </a:rPr>
-              <a:t>Type/token distinction: different words (types) vs. instances (tokens)</a:t>
-            </a:r>
-          </a:p>
-          <a:p>
-            <a:pPr lvl="1"/>
-            <a:endParaRPr lang="en-US" dirty="0"/>
+              <a:rPr lang="en-US" dirty="0">
+                <a:latin typeface="Courier" pitchFamily="2" charset="0"/>
+              </a:rPr>
+              <a:t>   70334  509851 3052306 nyt_200811.txt</a:t>
+            </a:r>
+          </a:p>
+          <a:p>
+            <a:pPr marL="0" indent="0">
+              <a:buNone/>
+            </a:pPr>
+            <a:endParaRPr lang="pl-PL" dirty="0">
+              <a:latin typeface="Courier"/>
+              <a:cs typeface="Courier"/>
+            </a:endParaRPr>
+          </a:p>
+          <a:p>
+            <a:r>
+              <a:rPr lang="pl-PL" dirty="0" err="1">
+                <a:latin typeface="Courier"/>
+                <a:cs typeface="Courier"/>
+              </a:rPr>
+              <a:t>wc</a:t>
+            </a:r>
+            <a:r>
+              <a:rPr lang="pl-PL" dirty="0">
+                <a:latin typeface="Courier"/>
+                <a:cs typeface="Courier"/>
+              </a:rPr>
+              <a:t> -l </a:t>
+            </a:r>
+            <a:r>
+              <a:rPr lang="pl-PL" dirty="0" err="1">
+                <a:latin typeface="Courier"/>
+                <a:cs typeface="Courier"/>
+              </a:rPr>
+              <a:t>nyt.words</a:t>
+            </a:r>
+            <a:r>
+              <a:rPr lang="pl-PL" dirty="0">
+                <a:latin typeface="Courier"/>
+                <a:cs typeface="Courier"/>
+              </a:rPr>
+              <a:t> </a:t>
+            </a:r>
+          </a:p>
+          <a:p>
+            <a:pPr marL="0" indent="0">
+              <a:buNone/>
+            </a:pPr>
+            <a:r>
+              <a:rPr lang="en-US" dirty="0">
+                <a:latin typeface="Courier" pitchFamily="2" charset="0"/>
+              </a:rPr>
+              <a:t>   70334 nyt_200811.txt</a:t>
+            </a:r>
+          </a:p>
+          <a:p>
+            <a:pPr marL="0" indent="0">
+              <a:buNone/>
+            </a:pPr>
+            <a:endParaRPr lang="pl-PL" dirty="0">
+              <a:latin typeface="Courier"/>
+              <a:cs typeface="Courier"/>
+            </a:endParaRPr>
+          </a:p>
+          <a:p>
+            <a:pPr marL="0" indent="0">
+              <a:buNone/>
+            </a:pPr>
+            <a:r>
+              <a:rPr lang="pl-PL" sz="2800" b="1" dirty="0" err="1">
+                <a:latin typeface="Calibri"/>
+                <a:cs typeface="Calibri"/>
+              </a:rPr>
+              <a:t>Exercise</a:t>
+            </a:r>
+            <a:r>
+              <a:rPr lang="pl-PL" sz="2800" b="1" dirty="0">
+                <a:latin typeface="Calibri"/>
+                <a:cs typeface="Calibri"/>
+              </a:rPr>
+              <a:t>:  </a:t>
+            </a:r>
+            <a:r>
+              <a:rPr lang="pl-PL" sz="2800" b="1" dirty="0" err="1">
+                <a:latin typeface="Calibri"/>
+                <a:cs typeface="Calibri"/>
+              </a:rPr>
+              <a:t>Why</a:t>
+            </a:r>
+            <a:r>
+              <a:rPr lang="pl-PL" sz="2800" b="1" dirty="0">
+                <a:latin typeface="Calibri"/>
+                <a:cs typeface="Calibri"/>
+              </a:rPr>
+              <a:t> </a:t>
+            </a:r>
+            <a:r>
+              <a:rPr lang="pl-PL" sz="2800" b="1" dirty="0" err="1">
+                <a:latin typeface="Calibri"/>
+                <a:cs typeface="Calibri"/>
+              </a:rPr>
+              <a:t>is</a:t>
+            </a:r>
+            <a:r>
+              <a:rPr lang="pl-PL" sz="2800" b="1" dirty="0">
+                <a:latin typeface="Calibri"/>
+                <a:cs typeface="Calibri"/>
+              </a:rPr>
+              <a:t> the </a:t>
+            </a:r>
+            <a:r>
+              <a:rPr lang="pl-PL" sz="2800" b="1" dirty="0" err="1">
+                <a:latin typeface="Calibri"/>
+                <a:cs typeface="Calibri"/>
+              </a:rPr>
+              <a:t>number</a:t>
+            </a:r>
+            <a:r>
+              <a:rPr lang="pl-PL" sz="2800" b="1" dirty="0">
+                <a:latin typeface="Calibri"/>
+                <a:cs typeface="Calibri"/>
+              </a:rPr>
+              <a:t> of </a:t>
+            </a:r>
+            <a:r>
+              <a:rPr lang="pl-PL" sz="2800" b="1" dirty="0" err="1">
+                <a:latin typeface="Calibri"/>
+                <a:cs typeface="Calibri"/>
+              </a:rPr>
+              <a:t>words</a:t>
+            </a:r>
+            <a:r>
+              <a:rPr lang="pl-PL" sz="2800" b="1" dirty="0">
+                <a:latin typeface="Calibri"/>
+                <a:cs typeface="Calibri"/>
+              </a:rPr>
+              <a:t> </a:t>
+            </a:r>
+            <a:r>
+              <a:rPr lang="pl-PL" sz="2800" b="1" dirty="0" err="1">
+                <a:latin typeface="Calibri"/>
+                <a:cs typeface="Calibri"/>
+              </a:rPr>
+              <a:t>different</a:t>
+            </a:r>
+            <a:r>
+              <a:rPr lang="pl-PL" sz="2800" b="1" dirty="0">
+                <a:latin typeface="Calibri"/>
+                <a:cs typeface="Calibri"/>
+              </a:rPr>
+              <a:t>?</a:t>
+            </a:r>
+            <a:endParaRPr lang="en-US" sz="2800" b="1" dirty="0">
+              <a:latin typeface="Calibri"/>
+              <a:cs typeface="Calibri"/>
+            </a:endParaRPr>
           </a:p>
         </p:txBody>
       </p:sp>
@@ -11888,14 +11920,14 @@
               <a:pPr/>
               <a:t>30</a:t>
             </a:fld>
-            <a:endParaRPr lang="en-US" dirty="0"/>
+            <a:endParaRPr lang="en-US"/>
           </a:p>
         </p:txBody>
       </p:sp>
     </p:spTree>
     <p:extLst>
       <p:ext uri="{BB962C8B-B14F-4D97-AF65-F5344CB8AC3E}">
-        <p14:creationId xmlns:p14="http://schemas.microsoft.com/office/powerpoint/2010/main" val="3107903569"/>
+        <p14:creationId xmlns:p14="http://schemas.microsoft.com/office/powerpoint/2010/main" val="3244027247"/>
       </p:ext>
     </p:extLst>
   </p:cSld>
@@ -11939,7 +11971,15 @@
           <a:p>
             <a:r>
               <a:rPr lang="en-US" dirty="0"/>
-              <a:t>Solutions on grep &amp; </a:t>
+              <a:t>Exercises on </a:t>
+            </a:r>
+            <a:r>
+              <a:rPr lang="en-US" dirty="0" err="1"/>
+              <a:t>grep</a:t>
+            </a:r>
+            <a:r>
+              <a:rPr lang="en-US" dirty="0"/>
+              <a:t> &amp; </a:t>
             </a:r>
             <a:r>
               <a:rPr lang="en-US" dirty="0" err="1"/>
@@ -11959,12 +11999,7 @@
             <p:ph idx="1"/>
           </p:nvPr>
         </p:nvSpPr>
-        <p:spPr>
-          <a:xfrm>
-            <a:off x="304800" y="1123950"/>
-            <a:ext cx="8839200" cy="3581400"/>
-          </a:xfrm>
-        </p:spPr>
+        <p:spPr/>
         <p:txBody>
           <a:bodyPr/>
           <a:lstStyle/>
@@ -11975,198 +12010,22 @@
             </a:r>
           </a:p>
           <a:p>
-            <a:pPr marL="0" indent="0">
-              <a:buNone/>
-            </a:pPr>
-            <a:r>
-              <a:rPr lang="en-US" dirty="0">
-                <a:latin typeface="Courier" charset="0"/>
-                <a:ea typeface="Courier" charset="0"/>
-                <a:cs typeface="Courier" charset="0"/>
-              </a:rPr>
-              <a:t>grep -E '^[A-Z]+$' </a:t>
-            </a:r>
-            <a:r>
-              <a:rPr lang="en-US" dirty="0" err="1">
-                <a:latin typeface="Courier" charset="0"/>
-                <a:ea typeface="Courier" charset="0"/>
-                <a:cs typeface="Courier" charset="0"/>
-              </a:rPr>
-              <a:t>nyt.words</a:t>
-            </a:r>
-            <a:r>
-              <a:rPr lang="en-US" dirty="0">
-                <a:latin typeface="Courier" charset="0"/>
-                <a:ea typeface="Courier" charset="0"/>
-                <a:cs typeface="Courier" charset="0"/>
-              </a:rPr>
-              <a:t> | </a:t>
-            </a:r>
-            <a:r>
-              <a:rPr lang="en-US" dirty="0" err="1">
-                <a:latin typeface="Courier" charset="0"/>
-                <a:ea typeface="Courier" charset="0"/>
-                <a:cs typeface="Courier" charset="0"/>
-              </a:rPr>
-              <a:t>wc</a:t>
-            </a:r>
-            <a:r>
-              <a:rPr lang="en-US" dirty="0">
-                <a:latin typeface="Courier" charset="0"/>
-                <a:ea typeface="Courier" charset="0"/>
-                <a:cs typeface="Courier" charset="0"/>
-              </a:rPr>
-              <a:t> </a:t>
-            </a:r>
-          </a:p>
-          <a:p>
             <a:r>
               <a:rPr lang="en-US" dirty="0"/>
               <a:t>How many 4-letter words?</a:t>
             </a:r>
           </a:p>
           <a:p>
-            <a:pPr marL="0" indent="0">
-              <a:buNone/>
-            </a:pPr>
-            <a:r>
-              <a:rPr lang="en-US" dirty="0">
-                <a:latin typeface="Courier" charset="0"/>
-                <a:ea typeface="Courier" charset="0"/>
-                <a:cs typeface="Courier" charset="0"/>
-              </a:rPr>
-              <a:t>grep -E '^[a-</a:t>
-            </a:r>
-            <a:r>
-              <a:rPr lang="en-US" dirty="0" err="1">
-                <a:latin typeface="Courier" charset="0"/>
-                <a:ea typeface="Courier" charset="0"/>
-                <a:cs typeface="Courier" charset="0"/>
-              </a:rPr>
-              <a:t>zA</a:t>
-            </a:r>
-            <a:r>
-              <a:rPr lang="en-US" dirty="0">
-                <a:latin typeface="Courier" charset="0"/>
-                <a:ea typeface="Courier" charset="0"/>
-                <a:cs typeface="Courier" charset="0"/>
-              </a:rPr>
-              <a:t>-Z]{4}$' </a:t>
-            </a:r>
-            <a:r>
-              <a:rPr lang="en-US" dirty="0" err="1">
-                <a:latin typeface="Courier" charset="0"/>
-                <a:ea typeface="Courier" charset="0"/>
-                <a:cs typeface="Courier" charset="0"/>
-              </a:rPr>
-              <a:t>nyt.words</a:t>
-            </a:r>
-            <a:r>
-              <a:rPr lang="en-US" dirty="0">
-                <a:latin typeface="Courier" charset="0"/>
-                <a:ea typeface="Courier" charset="0"/>
-                <a:cs typeface="Courier" charset="0"/>
-              </a:rPr>
-              <a:t> | </a:t>
-            </a:r>
-            <a:r>
-              <a:rPr lang="en-US" dirty="0" err="1">
-                <a:latin typeface="Courier" charset="0"/>
-                <a:ea typeface="Courier" charset="0"/>
-                <a:cs typeface="Courier" charset="0"/>
-              </a:rPr>
-              <a:t>wc</a:t>
-            </a:r>
-            <a:r>
-              <a:rPr lang="en-US" dirty="0">
-                <a:latin typeface="Courier" charset="0"/>
-                <a:ea typeface="Courier" charset="0"/>
-                <a:cs typeface="Courier" charset="0"/>
-              </a:rPr>
-              <a:t> </a:t>
-            </a:r>
-          </a:p>
-          <a:p>
             <a:r>
               <a:rPr lang="en-US" dirty="0"/>
               <a:t>How many different words are there with no vowels</a:t>
             </a:r>
           </a:p>
           <a:p>
-            <a:pPr marL="0" indent="0">
-              <a:buNone/>
-            </a:pPr>
-            <a:r>
-              <a:rPr lang="en-US" sz="2000" dirty="0">
-                <a:latin typeface="Courier" charset="0"/>
-                <a:ea typeface="Courier" charset="0"/>
-                <a:cs typeface="Courier" charset="0"/>
-              </a:rPr>
-              <a:t>grep -v '[</a:t>
-            </a:r>
-            <a:r>
-              <a:rPr lang="en-US" sz="2000" dirty="0" err="1">
-                <a:latin typeface="Courier" charset="0"/>
-                <a:ea typeface="Courier" charset="0"/>
-                <a:cs typeface="Courier" charset="0"/>
-              </a:rPr>
-              <a:t>AEIOUaeiou</a:t>
-            </a:r>
-            <a:r>
-              <a:rPr lang="en-US" sz="2000" dirty="0">
-                <a:latin typeface="Courier" charset="0"/>
-                <a:ea typeface="Courier" charset="0"/>
-                <a:cs typeface="Courier" charset="0"/>
-              </a:rPr>
-              <a:t>]' </a:t>
-            </a:r>
-            <a:r>
-              <a:rPr lang="en-US" sz="2000" dirty="0" err="1">
-                <a:latin typeface="Courier" charset="0"/>
-                <a:ea typeface="Courier" charset="0"/>
-                <a:cs typeface="Courier" charset="0"/>
-              </a:rPr>
-              <a:t>nyt.words</a:t>
-            </a:r>
-            <a:r>
-              <a:rPr lang="en-US" sz="2000" dirty="0">
-                <a:latin typeface="Courier" charset="0"/>
-                <a:ea typeface="Courier" charset="0"/>
-                <a:cs typeface="Courier" charset="0"/>
-              </a:rPr>
-              <a:t> | sort | </a:t>
-            </a:r>
-            <a:r>
-              <a:rPr lang="en-US" sz="2000" dirty="0" err="1">
-                <a:latin typeface="Courier" charset="0"/>
-                <a:ea typeface="Courier" charset="0"/>
-                <a:cs typeface="Courier" charset="0"/>
-              </a:rPr>
-              <a:t>uniq</a:t>
-            </a:r>
-            <a:r>
-              <a:rPr lang="en-US" sz="2000" dirty="0">
-                <a:latin typeface="Courier" charset="0"/>
-                <a:ea typeface="Courier" charset="0"/>
-                <a:cs typeface="Courier" charset="0"/>
-              </a:rPr>
-              <a:t> | </a:t>
-            </a:r>
-            <a:r>
-              <a:rPr lang="en-US" sz="2000" dirty="0" err="1">
-                <a:latin typeface="Courier" charset="0"/>
-                <a:ea typeface="Courier" charset="0"/>
-                <a:cs typeface="Courier" charset="0"/>
-              </a:rPr>
-              <a:t>wc</a:t>
-            </a:r>
-            <a:r>
-              <a:rPr lang="en-US" sz="2000" dirty="0">
-                <a:latin typeface="Courier" charset="0"/>
-                <a:ea typeface="Courier" charset="0"/>
-                <a:cs typeface="Courier" charset="0"/>
-              </a:rPr>
-              <a:t> </a:t>
+            <a:pPr lvl="1"/>
+            <a:r>
+              <a:rPr lang="en-US" dirty="0"/>
+              <a:t>What subtypes do they belong to?</a:t>
             </a:r>
           </a:p>
           <a:p>
@@ -12176,123 +12035,15 @@
             </a:r>
           </a:p>
           <a:p>
-            <a:r>
-              <a:rPr lang="en-US" sz="1800" dirty="0" err="1">
-                <a:latin typeface="Courier" charset="0"/>
-                <a:ea typeface="Courier" charset="0"/>
-                <a:cs typeface="Courier" charset="0"/>
-              </a:rPr>
-              <a:t>tr</a:t>
-            </a:r>
-            <a:r>
-              <a:rPr lang="en-US" sz="1800" dirty="0">
-                <a:latin typeface="Courier" charset="0"/>
-                <a:ea typeface="Courier" charset="0"/>
-                <a:cs typeface="Courier" charset="0"/>
-              </a:rPr>
-              <a:t> 'A-Z' 'a-z' &lt; </a:t>
-            </a:r>
-            <a:r>
-              <a:rPr lang="en-US" sz="1800" dirty="0" err="1">
-                <a:latin typeface="Courier" charset="0"/>
-                <a:ea typeface="Courier" charset="0"/>
-                <a:cs typeface="Courier" charset="0"/>
-              </a:rPr>
-              <a:t>nyt.words</a:t>
-            </a:r>
-            <a:r>
-              <a:rPr lang="en-US" sz="1800" dirty="0">
-                <a:latin typeface="Courier" charset="0"/>
-                <a:ea typeface="Courier" charset="0"/>
-                <a:cs typeface="Courier" charset="0"/>
-              </a:rPr>
-              <a:t> | grep -P '^[^</a:t>
-            </a:r>
-            <a:r>
-              <a:rPr lang="en-US" sz="1800" dirty="0" err="1">
-                <a:latin typeface="Courier" charset="0"/>
-                <a:ea typeface="Courier" charset="0"/>
-                <a:cs typeface="Courier" charset="0"/>
-              </a:rPr>
-              <a:t>aeiou</a:t>
-            </a:r>
-            <a:r>
-              <a:rPr lang="en-US" sz="1800" dirty="0">
-                <a:latin typeface="Courier" charset="0"/>
-                <a:ea typeface="Courier" charset="0"/>
-                <a:cs typeface="Courier" charset="0"/>
-              </a:rPr>
-              <a:t>]*[</a:t>
-            </a:r>
-            <a:r>
-              <a:rPr lang="en-US" sz="1800" dirty="0" err="1">
-                <a:latin typeface="Courier" charset="0"/>
-                <a:ea typeface="Courier" charset="0"/>
-                <a:cs typeface="Courier" charset="0"/>
-              </a:rPr>
-              <a:t>aeiou</a:t>
-            </a:r>
-            <a:r>
-              <a:rPr lang="en-US" sz="1800" dirty="0">
-                <a:latin typeface="Courier" charset="0"/>
-                <a:ea typeface="Courier" charset="0"/>
-                <a:cs typeface="Courier" charset="0"/>
-              </a:rPr>
-              <a:t>]+[^</a:t>
-            </a:r>
-            <a:r>
-              <a:rPr lang="en-US" sz="1800" dirty="0" err="1">
-                <a:latin typeface="Courier" charset="0"/>
-                <a:ea typeface="Courier" charset="0"/>
-                <a:cs typeface="Courier" charset="0"/>
-              </a:rPr>
-              <a:t>aeiou</a:t>
-            </a:r>
-            <a:r>
-              <a:rPr lang="en-US" sz="1800" dirty="0">
-                <a:latin typeface="Courier" charset="0"/>
-                <a:ea typeface="Courier" charset="0"/>
-                <a:cs typeface="Courier" charset="0"/>
-              </a:rPr>
-              <a:t>]*$' | </a:t>
-            </a:r>
-            <a:r>
-              <a:rPr lang="en-US" sz="1800" dirty="0" err="1">
-                <a:latin typeface="Courier" charset="0"/>
-                <a:ea typeface="Courier" charset="0"/>
-                <a:cs typeface="Courier" charset="0"/>
-              </a:rPr>
-              <a:t>uniq</a:t>
-            </a:r>
-            <a:r>
-              <a:rPr lang="en-US" sz="1800" dirty="0">
-                <a:latin typeface="Courier" charset="0"/>
-                <a:ea typeface="Courier" charset="0"/>
-                <a:cs typeface="Courier" charset="0"/>
-              </a:rPr>
-              <a:t> | </a:t>
-            </a:r>
-            <a:r>
-              <a:rPr lang="en-US" sz="1800" dirty="0" err="1">
-                <a:latin typeface="Courier" charset="0"/>
-                <a:ea typeface="Courier" charset="0"/>
-                <a:cs typeface="Courier" charset="0"/>
-              </a:rPr>
-              <a:t>wc</a:t>
-            </a:r>
-            <a:r>
-              <a:rPr lang="en-US" sz="1800" dirty="0">
-                <a:latin typeface="Courier" charset="0"/>
-                <a:ea typeface="Courier" charset="0"/>
-                <a:cs typeface="Courier" charset="0"/>
-              </a:rPr>
-              <a:t> </a:t>
-            </a:r>
-            <a:endParaRPr lang="en-US" dirty="0">
-              <a:latin typeface="Courier" charset="0"/>
-              <a:ea typeface="Courier" charset="0"/>
-              <a:cs typeface="Courier" charset="0"/>
-            </a:endParaRPr>
+            <a:pPr lvl="1"/>
+            <a:r>
+              <a:rPr lang="en-US" dirty="0"/>
+              <a:t>That is, ones with exactly one sequence of vowels</a:t>
+            </a:r>
+          </a:p>
+          <a:p>
+            <a:pPr lvl="1"/>
+            <a:endParaRPr lang="en-US" dirty="0"/>
           </a:p>
           <a:p>
             <a:pPr marL="0" indent="0">
@@ -12313,10 +12064,34 @@
           </a:p>
         </p:txBody>
       </p:sp>
+      <p:sp>
+        <p:nvSpPr>
+          <p:cNvPr id="4" name="Slide Number Placeholder 3"/>
+          <p:cNvSpPr>
+            <a:spLocks noGrp="1"/>
+          </p:cNvSpPr>
+          <p:nvPr>
+            <p:ph type="sldNum" sz="quarter" idx="12"/>
+          </p:nvPr>
+        </p:nvSpPr>
+        <p:spPr/>
+        <p:txBody>
+          <a:bodyPr/>
+          <a:lstStyle/>
+          <a:p>
+            <a:fld id="{10F35DC5-7E65-8247-99AB-4E984F8A921E}" type="slidenum">
+              <a:rPr lang="en-US" smtClean="0"/>
+              <a:pPr/>
+              <a:t>31</a:t>
+            </a:fld>
+            <a:endParaRPr lang="en-US" dirty="0"/>
+          </a:p>
+        </p:txBody>
+      </p:sp>
     </p:spTree>
     <p:extLst>
       <p:ext uri="{BB962C8B-B14F-4D97-AF65-F5344CB8AC3E}">
-        <p14:creationId xmlns:p14="http://schemas.microsoft.com/office/powerpoint/2010/main" val="1061613619"/>
+        <p14:creationId xmlns:p14="http://schemas.microsoft.com/office/powerpoint/2010/main" val="3107903569"/>
       </p:ext>
     </p:extLst>
   </p:cSld>
@@ -12359,8 +12134,12 @@
           <a:lstStyle/>
           <a:p>
             <a:r>
+              <a:rPr lang="en-US" dirty="0"/>
+              <a:t>Solutions on grep &amp; </a:t>
+            </a:r>
+            <a:r>
               <a:rPr lang="en-US" dirty="0" err="1"/>
-              <a:t>sed</a:t>
+              <a:t>wc</a:t>
             </a:r>
             <a:endParaRPr lang="en-US" dirty="0"/>
           </a:p>
@@ -12376,89 +12155,356 @@
             <p:ph idx="1"/>
           </p:nvPr>
         </p:nvSpPr>
-        <p:spPr/>
+        <p:spPr>
+          <a:xfrm>
+            <a:off x="304800" y="1123950"/>
+            <a:ext cx="8839200" cy="3581400"/>
+          </a:xfrm>
+        </p:spPr>
         <p:txBody>
           <a:bodyPr/>
           <a:lstStyle/>
           <a:p>
             <a:r>
-              <a:rPr lang="en-US" dirty="0" err="1"/>
-              <a:t>sed</a:t>
-            </a:r>
-            <a:r>
               <a:rPr lang="en-US" dirty="0"/>
-              <a:t> is used when you need to make systematic changes to strings in a file (larger changes than ‘</a:t>
-            </a:r>
-            <a:r>
-              <a:rPr lang="en-US" dirty="0" err="1"/>
-              <a:t>tr</a:t>
-            </a:r>
+              <a:t>How many all uppercase words are there in this NYT file?</a:t>
+            </a:r>
+          </a:p>
+          <a:p>
+            <a:pPr marL="0" indent="0">
+              <a:buNone/>
+            </a:pPr>
+            <a:r>
+              <a:rPr lang="en-US" dirty="0">
+                <a:latin typeface="Courier" charset="0"/>
+                <a:ea typeface="Courier" charset="0"/>
+                <a:cs typeface="Courier" charset="0"/>
+              </a:rPr>
+              <a:t>grep -E '^[A-Z]+$' </a:t>
+            </a:r>
+            <a:r>
+              <a:rPr lang="en-US" dirty="0" err="1">
+                <a:latin typeface="Courier" charset="0"/>
+                <a:ea typeface="Courier" charset="0"/>
+                <a:cs typeface="Courier" charset="0"/>
+              </a:rPr>
+              <a:t>nyt.words</a:t>
+            </a:r>
+            <a:r>
+              <a:rPr lang="en-US" dirty="0">
+                <a:latin typeface="Courier" charset="0"/>
+                <a:ea typeface="Courier" charset="0"/>
+                <a:cs typeface="Courier" charset="0"/>
+              </a:rPr>
+              <a:t> | </a:t>
+            </a:r>
+            <a:r>
+              <a:rPr lang="en-US" dirty="0" err="1">
+                <a:latin typeface="Courier" charset="0"/>
+                <a:ea typeface="Courier" charset="0"/>
+                <a:cs typeface="Courier" charset="0"/>
+              </a:rPr>
+              <a:t>wc</a:t>
+            </a:r>
+            <a:r>
+              <a:rPr lang="en-US" dirty="0">
+                <a:latin typeface="Courier" charset="0"/>
+                <a:ea typeface="Courier" charset="0"/>
+                <a:cs typeface="Courier" charset="0"/>
+              </a:rPr>
+              <a:t> </a:t>
+            </a:r>
+          </a:p>
+          <a:p>
             <a:r>
               <a:rPr lang="en-US" dirty="0"/>
-              <a:t>’)</a:t>
+              <a:t>How many 4-letter words?</a:t>
+            </a:r>
+          </a:p>
+          <a:p>
+            <a:pPr marL="0" indent="0">
+              <a:buNone/>
+            </a:pPr>
+            <a:r>
+              <a:rPr lang="en-US" dirty="0">
+                <a:latin typeface="Courier" charset="0"/>
+                <a:ea typeface="Courier" charset="0"/>
+                <a:cs typeface="Courier" charset="0"/>
+              </a:rPr>
+              <a:t>grep -E '^[a-</a:t>
+            </a:r>
+            <a:r>
+              <a:rPr lang="en-US" dirty="0" err="1">
+                <a:latin typeface="Courier" charset="0"/>
+                <a:ea typeface="Courier" charset="0"/>
+                <a:cs typeface="Courier" charset="0"/>
+              </a:rPr>
+              <a:t>zA</a:t>
+            </a:r>
+            <a:r>
+              <a:rPr lang="en-US" dirty="0">
+                <a:latin typeface="Courier" charset="0"/>
+                <a:ea typeface="Courier" charset="0"/>
+                <a:cs typeface="Courier" charset="0"/>
+              </a:rPr>
+              <a:t>-Z]{4}$' </a:t>
+            </a:r>
+            <a:r>
+              <a:rPr lang="en-US" dirty="0" err="1">
+                <a:latin typeface="Courier" charset="0"/>
+                <a:ea typeface="Courier" charset="0"/>
+                <a:cs typeface="Courier" charset="0"/>
+              </a:rPr>
+              <a:t>nyt.words</a:t>
+            </a:r>
+            <a:r>
+              <a:rPr lang="en-US" dirty="0">
+                <a:latin typeface="Courier" charset="0"/>
+                <a:ea typeface="Courier" charset="0"/>
+                <a:cs typeface="Courier" charset="0"/>
+              </a:rPr>
+              <a:t> | </a:t>
+            </a:r>
+            <a:r>
+              <a:rPr lang="en-US" dirty="0" err="1">
+                <a:latin typeface="Courier" charset="0"/>
+                <a:ea typeface="Courier" charset="0"/>
+                <a:cs typeface="Courier" charset="0"/>
+              </a:rPr>
+              <a:t>wc</a:t>
+            </a:r>
+            <a:r>
+              <a:rPr lang="en-US" dirty="0">
+                <a:latin typeface="Courier" charset="0"/>
+                <a:ea typeface="Courier" charset="0"/>
+                <a:cs typeface="Courier" charset="0"/>
+              </a:rPr>
+              <a:t> </a:t>
             </a:r>
           </a:p>
           <a:p>
             <a:r>
               <a:rPr lang="en-US" dirty="0"/>
-              <a:t>It’s line based: you optionally specify a line  (by regex or line numbers) and specific a regex substitution to make</a:t>
+              <a:t>How many different words are there with no vowels</a:t>
+            </a:r>
+          </a:p>
+          <a:p>
+            <a:pPr marL="0" indent="0">
+              <a:buNone/>
+            </a:pPr>
+            <a:r>
+              <a:rPr lang="en-US" sz="2000" dirty="0">
+                <a:latin typeface="Courier" charset="0"/>
+                <a:ea typeface="Courier" charset="0"/>
+                <a:cs typeface="Courier" charset="0"/>
+              </a:rPr>
+              <a:t>grep -v '[</a:t>
+            </a:r>
+            <a:r>
+              <a:rPr lang="en-US" sz="2000" dirty="0" err="1">
+                <a:latin typeface="Courier" charset="0"/>
+                <a:ea typeface="Courier" charset="0"/>
+                <a:cs typeface="Courier" charset="0"/>
+              </a:rPr>
+              <a:t>AEIOUaeiou</a:t>
+            </a:r>
+            <a:r>
+              <a:rPr lang="en-US" sz="2000" dirty="0">
+                <a:latin typeface="Courier" charset="0"/>
+                <a:ea typeface="Courier" charset="0"/>
+                <a:cs typeface="Courier" charset="0"/>
+              </a:rPr>
+              <a:t>]' </a:t>
+            </a:r>
+            <a:r>
+              <a:rPr lang="en-US" sz="2000" dirty="0" err="1">
+                <a:latin typeface="Courier" charset="0"/>
+                <a:ea typeface="Courier" charset="0"/>
+                <a:cs typeface="Courier" charset="0"/>
+              </a:rPr>
+              <a:t>nyt.words</a:t>
+            </a:r>
+            <a:r>
+              <a:rPr lang="en-US" sz="2000" dirty="0">
+                <a:latin typeface="Courier" charset="0"/>
+                <a:ea typeface="Courier" charset="0"/>
+                <a:cs typeface="Courier" charset="0"/>
+              </a:rPr>
+              <a:t> | sort | </a:t>
+            </a:r>
+            <a:r>
+              <a:rPr lang="en-US" sz="2000" dirty="0" err="1">
+                <a:latin typeface="Courier" charset="0"/>
+                <a:ea typeface="Courier" charset="0"/>
+                <a:cs typeface="Courier" charset="0"/>
+              </a:rPr>
+              <a:t>uniq</a:t>
+            </a:r>
+            <a:r>
+              <a:rPr lang="en-US" sz="2000" dirty="0">
+                <a:latin typeface="Courier" charset="0"/>
+                <a:ea typeface="Courier" charset="0"/>
+                <a:cs typeface="Courier" charset="0"/>
+              </a:rPr>
+              <a:t> | </a:t>
+            </a:r>
+            <a:r>
+              <a:rPr lang="en-US" sz="2000" dirty="0" err="1">
+                <a:latin typeface="Courier" charset="0"/>
+                <a:ea typeface="Courier" charset="0"/>
+                <a:cs typeface="Courier" charset="0"/>
+              </a:rPr>
+              <a:t>wc</a:t>
+            </a:r>
+            <a:r>
+              <a:rPr lang="en-US" sz="2000" dirty="0">
+                <a:latin typeface="Courier" charset="0"/>
+                <a:ea typeface="Courier" charset="0"/>
+                <a:cs typeface="Courier" charset="0"/>
+              </a:rPr>
+              <a:t> </a:t>
             </a:r>
           </a:p>
           <a:p>
             <a:r>
               <a:rPr lang="en-US" dirty="0"/>
-              <a:t>For example to change all cases of “George” to “Jane”:</a:t>
-            </a:r>
-          </a:p>
-          <a:p>
+              <a:t>How many “1 syllable” words are there</a:t>
+            </a:r>
+          </a:p>
+          <a:p>
+            <a:r>
+              <a:rPr lang="en-US" sz="1800" dirty="0">
+                <a:latin typeface="Courier" charset="0"/>
+                <a:ea typeface="Courier" charset="0"/>
+                <a:cs typeface="Courier" charset="0"/>
+              </a:rPr>
+              <a:t>tr 'A-Z' 'a-z' &lt; </a:t>
+            </a:r>
+            <a:r>
+              <a:rPr lang="en-US" sz="1800" dirty="0" err="1">
+                <a:latin typeface="Courier" charset="0"/>
+                <a:ea typeface="Courier" charset="0"/>
+                <a:cs typeface="Courier" charset="0"/>
+              </a:rPr>
+              <a:t>nyt.words</a:t>
+            </a:r>
+            <a:r>
+              <a:rPr lang="en-US" sz="1800" dirty="0">
+                <a:latin typeface="Courier" charset="0"/>
+                <a:ea typeface="Courier" charset="0"/>
+                <a:cs typeface="Courier" charset="0"/>
+              </a:rPr>
+              <a:t> | grep -E '^[^</a:t>
+            </a:r>
+            <a:r>
+              <a:rPr lang="en-US" sz="1800" dirty="0" err="1">
+                <a:latin typeface="Courier" charset="0"/>
+                <a:ea typeface="Courier" charset="0"/>
+                <a:cs typeface="Courier" charset="0"/>
+              </a:rPr>
+              <a:t>aeiou</a:t>
+            </a:r>
+            <a:r>
+              <a:rPr lang="en-US" sz="1800" dirty="0">
+                <a:latin typeface="Courier" charset="0"/>
+                <a:ea typeface="Courier" charset="0"/>
+                <a:cs typeface="Courier" charset="0"/>
+              </a:rPr>
+              <a:t>]*[</a:t>
+            </a:r>
+            <a:r>
+              <a:rPr lang="en-US" sz="1800" dirty="0" err="1">
+                <a:latin typeface="Courier" charset="0"/>
+                <a:ea typeface="Courier" charset="0"/>
+                <a:cs typeface="Courier" charset="0"/>
+              </a:rPr>
+              <a:t>aeiou</a:t>
+            </a:r>
+            <a:r>
+              <a:rPr lang="en-US" sz="1800" dirty="0">
+                <a:latin typeface="Courier" charset="0"/>
+                <a:ea typeface="Courier" charset="0"/>
+                <a:cs typeface="Courier" charset="0"/>
+              </a:rPr>
+              <a:t>]+[^</a:t>
+            </a:r>
+            <a:r>
+              <a:rPr lang="en-US" sz="1800" dirty="0" err="1">
+                <a:latin typeface="Courier" charset="0"/>
+                <a:ea typeface="Courier" charset="0"/>
+                <a:cs typeface="Courier" charset="0"/>
+              </a:rPr>
+              <a:t>aeiou</a:t>
+            </a:r>
+            <a:r>
+              <a:rPr lang="en-US" sz="1800" dirty="0">
+                <a:latin typeface="Courier" charset="0"/>
+                <a:ea typeface="Courier" charset="0"/>
+                <a:cs typeface="Courier" charset="0"/>
+              </a:rPr>
+              <a:t>]*$' | </a:t>
+            </a:r>
+            <a:r>
+              <a:rPr lang="en-US" sz="1800" dirty="0" err="1">
+                <a:latin typeface="Courier" charset="0"/>
+                <a:ea typeface="Courier" charset="0"/>
+                <a:cs typeface="Courier" charset="0"/>
+              </a:rPr>
+              <a:t>uniq</a:t>
+            </a:r>
+            <a:r>
+              <a:rPr lang="en-US" sz="1800" dirty="0">
+                <a:latin typeface="Courier" charset="0"/>
+                <a:ea typeface="Courier" charset="0"/>
+                <a:cs typeface="Courier" charset="0"/>
+              </a:rPr>
+              <a:t> | </a:t>
+            </a:r>
+            <a:r>
+              <a:rPr lang="en-US" sz="1800" dirty="0" err="1">
+                <a:latin typeface="Courier" charset="0"/>
+                <a:ea typeface="Courier" charset="0"/>
+                <a:cs typeface="Courier" charset="0"/>
+              </a:rPr>
+              <a:t>wc</a:t>
+            </a:r>
+            <a:r>
+              <a:rPr lang="en-US" sz="1800" dirty="0">
+                <a:latin typeface="Courier" charset="0"/>
+                <a:ea typeface="Courier" charset="0"/>
+                <a:cs typeface="Courier" charset="0"/>
+              </a:rPr>
+              <a:t> </a:t>
+            </a:r>
+            <a:endParaRPr lang="en-US" dirty="0">
+              <a:latin typeface="Courier" charset="0"/>
+              <a:ea typeface="Courier" charset="0"/>
+              <a:cs typeface="Courier" charset="0"/>
+            </a:endParaRPr>
+          </a:p>
+          <a:p>
+            <a:pPr marL="0" indent="0">
+              <a:buNone/>
+            </a:pPr>
+            <a:r>
+              <a:rPr lang="en-US" sz="2000" dirty="0">
+                <a:solidFill>
+                  <a:schemeClr val="accent2"/>
+                </a:solidFill>
+              </a:rPr>
+              <a:t>Type/token distinction: different words (types) vs. instances (tokens)</a:t>
+            </a:r>
+          </a:p>
+          <a:p>
+            <a:pPr lvl="1"/>
             <a:endParaRPr lang="en-US" dirty="0"/>
-          </a:p>
-          <a:p>
-            <a:r>
-              <a:rPr lang="en-US" dirty="0" err="1">
-                <a:latin typeface="Courier"/>
-                <a:cs typeface="Courier"/>
-              </a:rPr>
-              <a:t>sed</a:t>
-            </a:r>
-            <a:r>
-              <a:rPr lang="en-US" dirty="0">
-                <a:latin typeface="Courier"/>
-                <a:cs typeface="Courier"/>
-              </a:rPr>
-              <a:t> 's/George/Jane/' nyt_200811.txt | less</a:t>
-            </a:r>
-          </a:p>
-        </p:txBody>
-      </p:sp>
-      <p:sp>
-        <p:nvSpPr>
-          <p:cNvPr id="4" name="Slide Number Placeholder 3"/>
-          <p:cNvSpPr>
-            <a:spLocks noGrp="1"/>
-          </p:cNvSpPr>
-          <p:nvPr>
-            <p:ph type="sldNum" sz="quarter" idx="12"/>
-          </p:nvPr>
-        </p:nvSpPr>
-        <p:spPr/>
-        <p:txBody>
-          <a:bodyPr/>
-          <a:lstStyle/>
-          <a:p>
-            <a:fld id="{10F35DC5-7E65-8247-99AB-4E984F8A921E}" type="slidenum">
-              <a:rPr lang="en-US" smtClean="0"/>
-              <a:pPr/>
-              <a:t>32</a:t>
-            </a:fld>
-            <a:endParaRPr lang="en-US"/>
           </a:p>
         </p:txBody>
       </p:sp>
     </p:spTree>
     <p:extLst>
       <p:ext uri="{BB962C8B-B14F-4D97-AF65-F5344CB8AC3E}">
-        <p14:creationId xmlns:p14="http://schemas.microsoft.com/office/powerpoint/2010/main" val="313482674"/>
+        <p14:creationId xmlns:p14="http://schemas.microsoft.com/office/powerpoint/2010/main" val="1061613619"/>
       </p:ext>
     </p:extLst>
   </p:cSld>
@@ -12504,62 +12550,71 @@
               <a:rPr lang="en-US" dirty="0" err="1"/>
               <a:t>sed</a:t>
             </a:r>
+            <a:endParaRPr lang="en-US" dirty="0"/>
+          </a:p>
+        </p:txBody>
+      </p:sp>
+      <p:sp>
+        <p:nvSpPr>
+          <p:cNvPr id="3" name="Content Placeholder 2"/>
+          <p:cNvSpPr>
+            <a:spLocks noGrp="1"/>
+          </p:cNvSpPr>
+          <p:nvPr>
+            <p:ph idx="1"/>
+          </p:nvPr>
+        </p:nvSpPr>
+        <p:spPr/>
+        <p:txBody>
+          <a:bodyPr/>
+          <a:lstStyle/>
+          <a:p>
+            <a:r>
+              <a:rPr lang="en-US" dirty="0" err="1"/>
+              <a:t>sed</a:t>
+            </a:r>
             <a:r>
               <a:rPr lang="en-US" dirty="0"/>
-              <a:t> exercises</a:t>
-            </a:r>
-          </a:p>
-        </p:txBody>
-      </p:sp>
-      <p:sp>
-        <p:nvSpPr>
-          <p:cNvPr id="3" name="Content Placeholder 2"/>
-          <p:cNvSpPr>
-            <a:spLocks noGrp="1"/>
-          </p:cNvSpPr>
-          <p:nvPr>
-            <p:ph idx="1"/>
-          </p:nvPr>
-        </p:nvSpPr>
-        <p:spPr/>
-        <p:txBody>
-          <a:bodyPr/>
-          <a:lstStyle/>
-          <a:p>
+              <a:t> is used when you need to make systematic changes to strings in a file (larger changes than ‘</a:t>
+            </a:r>
+            <a:r>
+              <a:rPr lang="en-US" dirty="0" err="1"/>
+              <a:t>tr</a:t>
+            </a:r>
             <a:r>
               <a:rPr lang="en-US" dirty="0"/>
-              <a:t>Count frequency of word initial consonant sequences</a:t>
-            </a:r>
-          </a:p>
-          <a:p>
-            <a:pPr lvl="1"/>
+              <a:t>’)</a:t>
+            </a:r>
+          </a:p>
+          <a:p>
             <a:r>
               <a:rPr lang="en-US" dirty="0"/>
-              <a:t>Take tokenized words</a:t>
-            </a:r>
-          </a:p>
-          <a:p>
-            <a:pPr lvl="1"/>
+              <a:t>It’s line based: you optionally specify a line  (by regex or line numbers) and specific a regex substitution to make</a:t>
+            </a:r>
+          </a:p>
+          <a:p>
             <a:r>
               <a:rPr lang="en-US" dirty="0"/>
-              <a:t>Delete the first vowel through the end of the word</a:t>
-            </a:r>
-          </a:p>
-          <a:p>
-            <a:pPr lvl="1"/>
-            <a:r>
-              <a:rPr lang="en-US" dirty="0"/>
-              <a:t>Sort and count</a:t>
-            </a:r>
-          </a:p>
-          <a:p>
-            <a:pPr lvl="1"/>
+              <a:t>For example to change all cases of “George” to “Jane”:</a:t>
+            </a:r>
+          </a:p>
+          <a:p>
             <a:endParaRPr lang="en-US" dirty="0"/>
           </a:p>
           <a:p>
             <a:r>
-              <a:rPr lang="en-US" dirty="0"/>
-              <a:t>Count word final consonant sequences</a:t>
+              <a:rPr lang="en-US" dirty="0" err="1">
+                <a:latin typeface="Courier"/>
+                <a:cs typeface="Courier"/>
+              </a:rPr>
+              <a:t>sed</a:t>
+            </a:r>
+            <a:r>
+              <a:rPr lang="en-US" dirty="0">
+                <a:latin typeface="Courier"/>
+                <a:cs typeface="Courier"/>
+              </a:rPr>
+              <a:t> 's/George/Jane/' nyt_200811.txt | less</a:t>
             </a:r>
           </a:p>
         </p:txBody>
@@ -12591,7 +12646,7 @@
     </p:spTree>
     <p:extLst>
       <p:ext uri="{BB962C8B-B14F-4D97-AF65-F5344CB8AC3E}">
-        <p14:creationId xmlns:p14="http://schemas.microsoft.com/office/powerpoint/2010/main" val="3895410511"/>
+        <p14:creationId xmlns:p14="http://schemas.microsoft.com/office/powerpoint/2010/main" val="313482674"/>
       </p:ext>
     </p:extLst>
   </p:cSld>
@@ -12665,92 +12720,28 @@
             </a:r>
           </a:p>
           <a:p>
-            <a:pPr marL="457200" lvl="1" indent="0">
-              <a:buNone/>
-            </a:pPr>
-            <a:r>
-              <a:rPr lang="en-US" dirty="0" err="1">
-                <a:latin typeface="Courier" charset="0"/>
-                <a:ea typeface="Courier" charset="0"/>
-                <a:cs typeface="Courier" charset="0"/>
-              </a:rPr>
-              <a:t>tr</a:t>
-            </a:r>
-            <a:r>
-              <a:rPr lang="en-US" dirty="0">
-                <a:latin typeface="Courier" charset="0"/>
-                <a:ea typeface="Courier" charset="0"/>
-                <a:cs typeface="Courier" charset="0"/>
-              </a:rPr>
-              <a:t> "[:upper:]" "[:lower:]" &lt; </a:t>
-            </a:r>
-            <a:r>
-              <a:rPr lang="en-US" dirty="0" err="1">
-                <a:latin typeface="Courier" charset="0"/>
-                <a:ea typeface="Courier" charset="0"/>
-                <a:cs typeface="Courier" charset="0"/>
-              </a:rPr>
-              <a:t>nyt.words</a:t>
-            </a:r>
-            <a:r>
-              <a:rPr lang="en-US" dirty="0">
-                <a:latin typeface="Courier" charset="0"/>
-                <a:ea typeface="Courier" charset="0"/>
-                <a:cs typeface="Courier" charset="0"/>
-              </a:rPr>
-              <a:t> | </a:t>
-            </a:r>
-            <a:r>
-              <a:rPr lang="en-US" dirty="0" err="1">
-                <a:latin typeface="Courier" charset="0"/>
-                <a:ea typeface="Courier" charset="0"/>
-                <a:cs typeface="Courier" charset="0"/>
-              </a:rPr>
-              <a:t>sed</a:t>
-            </a:r>
-            <a:r>
-              <a:rPr lang="en-US" dirty="0">
-                <a:latin typeface="Courier" charset="0"/>
-                <a:ea typeface="Courier" charset="0"/>
-                <a:cs typeface="Courier" charset="0"/>
-              </a:rPr>
-              <a:t> 's/[</a:t>
-            </a:r>
-            <a:r>
-              <a:rPr lang="en-US" dirty="0" err="1">
-                <a:latin typeface="Courier" charset="0"/>
-                <a:ea typeface="Courier" charset="0"/>
-                <a:cs typeface="Courier" charset="0"/>
-              </a:rPr>
-              <a:t>aeiou</a:t>
-            </a:r>
-            <a:r>
-              <a:rPr lang="en-US" dirty="0">
-                <a:latin typeface="Courier" charset="0"/>
-                <a:ea typeface="Courier" charset="0"/>
-                <a:cs typeface="Courier" charset="0"/>
-              </a:rPr>
-              <a:t>].*$//' | sort | </a:t>
-            </a:r>
-            <a:r>
-              <a:rPr lang="en-US" dirty="0" err="1">
-                <a:latin typeface="Courier" charset="0"/>
-                <a:ea typeface="Courier" charset="0"/>
-                <a:cs typeface="Courier" charset="0"/>
-              </a:rPr>
-              <a:t>uniq</a:t>
-            </a:r>
-            <a:r>
-              <a:rPr lang="en-US" dirty="0">
-                <a:latin typeface="Courier" charset="0"/>
-                <a:ea typeface="Courier" charset="0"/>
-                <a:cs typeface="Courier" charset="0"/>
-              </a:rPr>
-              <a:t> -c </a:t>
-            </a:r>
-            <a:br>
+            <a:pPr lvl="1"/>
+            <a:r>
               <a:rPr lang="en-US" dirty="0"/>
-            </a:br>
+              <a:t>Take tokenized words</a:t>
+            </a:r>
+          </a:p>
+          <a:p>
+            <a:pPr lvl="1"/>
+            <a:r>
+              <a:rPr lang="en-US" dirty="0"/>
+              <a:t>Delete the first vowel through the end of the word</a:t>
+            </a:r>
+          </a:p>
+          <a:p>
+            <a:pPr lvl="1"/>
+            <a:r>
+              <a:rPr lang="en-US" dirty="0"/>
+              <a:t>Sort and count</a:t>
+            </a:r>
+          </a:p>
+          <a:p>
+            <a:pPr lvl="1"/>
             <a:endParaRPr lang="en-US" dirty="0"/>
           </a:p>
           <a:p>
@@ -12758,95 +12749,6 @@
               <a:rPr lang="en-US" dirty="0"/>
               <a:t>Count word final consonant sequences</a:t>
             </a:r>
-          </a:p>
-          <a:p>
-            <a:pPr marL="0" indent="0">
-              <a:buNone/>
-            </a:pPr>
-            <a:r>
-              <a:rPr lang="en-US" dirty="0">
-                <a:latin typeface="Courier" charset="0"/>
-                <a:ea typeface="Courier" charset="0"/>
-                <a:cs typeface="Courier" charset="0"/>
-              </a:rPr>
-              <a:t>tr "[:upper:]" "[:lower:]" &lt; </a:t>
-            </a:r>
-            <a:r>
-              <a:rPr lang="en-US" dirty="0" err="1">
-                <a:latin typeface="Courier" charset="0"/>
-                <a:ea typeface="Courier" charset="0"/>
-                <a:cs typeface="Courier" charset="0"/>
-              </a:rPr>
-              <a:t>nyt.words</a:t>
-            </a:r>
-            <a:r>
-              <a:rPr lang="en-US" dirty="0">
-                <a:latin typeface="Courier" charset="0"/>
-                <a:ea typeface="Courier" charset="0"/>
-                <a:cs typeface="Courier" charset="0"/>
-              </a:rPr>
-              <a:t> | sed 's/^.*[</a:t>
-            </a:r>
-            <a:r>
-              <a:rPr lang="en-US" dirty="0" err="1">
-                <a:latin typeface="Courier" charset="0"/>
-                <a:ea typeface="Courier" charset="0"/>
-                <a:cs typeface="Courier" charset="0"/>
-              </a:rPr>
-              <a:t>aeiou</a:t>
-            </a:r>
-            <a:r>
-              <a:rPr lang="en-US">
-                <a:latin typeface="Courier" charset="0"/>
-                <a:ea typeface="Courier" charset="0"/>
-                <a:cs typeface="Courier" charset="0"/>
-              </a:rPr>
-              <a:t>]//' </a:t>
-            </a:r>
-            <a:r>
-              <a:rPr lang="en-US" dirty="0">
-                <a:latin typeface="Courier" charset="0"/>
-                <a:ea typeface="Courier" charset="0"/>
-                <a:cs typeface="Courier" charset="0"/>
-              </a:rPr>
-              <a:t>| sort | </a:t>
-            </a:r>
-            <a:r>
-              <a:rPr lang="en-US" dirty="0" err="1">
-                <a:latin typeface="Courier" charset="0"/>
-                <a:ea typeface="Courier" charset="0"/>
-                <a:cs typeface="Courier" charset="0"/>
-              </a:rPr>
-              <a:t>uniq</a:t>
-            </a:r>
-            <a:r>
-              <a:rPr lang="en-US" dirty="0">
-                <a:latin typeface="Courier" charset="0"/>
-                <a:ea typeface="Courier" charset="0"/>
-                <a:cs typeface="Courier" charset="0"/>
-              </a:rPr>
-              <a:t> -c | sort -</a:t>
-            </a:r>
-            <a:r>
-              <a:rPr lang="en-US" dirty="0" err="1">
-                <a:latin typeface="Courier" charset="0"/>
-                <a:ea typeface="Courier" charset="0"/>
-                <a:cs typeface="Courier" charset="0"/>
-              </a:rPr>
-              <a:t>rn</a:t>
-            </a:r>
-            <a:r>
-              <a:rPr lang="en-US" dirty="0">
-                <a:latin typeface="Courier" charset="0"/>
-                <a:ea typeface="Courier" charset="0"/>
-                <a:cs typeface="Courier" charset="0"/>
-              </a:rPr>
-              <a:t> | less </a:t>
-            </a:r>
-            <a:br>
-              <a:rPr lang="en-US" dirty="0"/>
-            </a:br>
-            <a:endParaRPr lang="en-US" dirty="0"/>
           </a:p>
         </p:txBody>
       </p:sp>
@@ -12877,7 +12779,7 @@
     </p:spTree>
     <p:extLst>
       <p:ext uri="{BB962C8B-B14F-4D97-AF65-F5344CB8AC3E}">
-        <p14:creationId xmlns:p14="http://schemas.microsoft.com/office/powerpoint/2010/main" val="770297687"/>
+        <p14:creationId xmlns:p14="http://schemas.microsoft.com/office/powerpoint/2010/main" val="3895410511"/>
       </p:ext>
     </p:extLst>
   </p:cSld>
@@ -12906,13 +12808,7 @@
       </p:grpSpPr>
       <p:sp>
         <p:nvSpPr>
-          <p:cNvPr id="2" name="Title 1">
-            <a:extLst>
-              <a:ext uri="{FF2B5EF4-FFF2-40B4-BE49-F238E27FC236}">
-                <a16:creationId xmlns:a16="http://schemas.microsoft.com/office/drawing/2014/main" id="{E80497ED-67E8-29E3-BF23-BA2A154D4732}"/>
-              </a:ext>
-            </a:extLst>
-          </p:cNvPr>
+          <p:cNvPr id="2" name="Title 1"/>
           <p:cNvSpPr>
             <a:spLocks noGrp="1"/>
           </p:cNvSpPr>
@@ -12926,21 +12822,19 @@
           <a:lstStyle/>
           <a:p>
             <a:r>
+              <a:rPr lang="en-US" dirty="0" err="1"/>
+              <a:t>sed</a:t>
+            </a:r>
+            <a:r>
               <a:rPr lang="en-US" dirty="0"/>
-              <a:t>Extra Credit – Secret Message</a:t>
-            </a:r>
-          </a:p>
-        </p:txBody>
-      </p:sp>
-      <p:sp>
-        <p:nvSpPr>
-          <p:cNvPr id="3" name="Content Placeholder 2">
-            <a:extLst>
-              <a:ext uri="{FF2B5EF4-FFF2-40B4-BE49-F238E27FC236}">
-                <a16:creationId xmlns:a16="http://schemas.microsoft.com/office/drawing/2014/main" id="{F097A60A-A4B3-9885-70CD-0F17DFFC14C5}"/>
-              </a:ext>
-            </a:extLst>
-          </p:cNvPr>
+              <a:t> exercises</a:t>
+            </a:r>
+          </a:p>
+        </p:txBody>
+      </p:sp>
+      <p:sp>
+        <p:nvSpPr>
+          <p:cNvPr id="3" name="Content Placeholder 2"/>
           <p:cNvSpPr>
             <a:spLocks noGrp="1"/>
           </p:cNvSpPr>
@@ -12955,58 +12849,198 @@
           <a:p>
             <a:r>
               <a:rPr lang="en-US" dirty="0"/>
-              <a:t>Now, let’s get some more practice with Unix!</a:t>
-            </a:r>
-          </a:p>
-          <a:p>
-            <a:r>
+              <a:t>Count frequency of word initial consonant sequences</a:t>
+            </a:r>
+          </a:p>
+          <a:p>
+            <a:pPr marL="457200" lvl="1" indent="0">
+              <a:buNone/>
+            </a:pPr>
+            <a:r>
+              <a:rPr lang="en-US" dirty="0" err="1">
+                <a:latin typeface="Courier" charset="0"/>
+                <a:ea typeface="Courier" charset="0"/>
+                <a:cs typeface="Courier" charset="0"/>
+              </a:rPr>
+              <a:t>tr</a:t>
+            </a:r>
+            <a:r>
+              <a:rPr lang="en-US" dirty="0">
+                <a:latin typeface="Courier" charset="0"/>
+                <a:ea typeface="Courier" charset="0"/>
+                <a:cs typeface="Courier" charset="0"/>
+              </a:rPr>
+              <a:t> "[:upper:]" "[:lower:]" &lt; </a:t>
+            </a:r>
+            <a:r>
+              <a:rPr lang="en-US" dirty="0" err="1">
+                <a:latin typeface="Courier" charset="0"/>
+                <a:ea typeface="Courier" charset="0"/>
+                <a:cs typeface="Courier" charset="0"/>
+              </a:rPr>
+              <a:t>nyt.words</a:t>
+            </a:r>
+            <a:r>
+              <a:rPr lang="en-US" dirty="0">
+                <a:latin typeface="Courier" charset="0"/>
+                <a:ea typeface="Courier" charset="0"/>
+                <a:cs typeface="Courier" charset="0"/>
+              </a:rPr>
+              <a:t> | </a:t>
+            </a:r>
+            <a:r>
+              <a:rPr lang="en-US" dirty="0" err="1">
+                <a:latin typeface="Courier" charset="0"/>
+                <a:ea typeface="Courier" charset="0"/>
+                <a:cs typeface="Courier" charset="0"/>
+              </a:rPr>
+              <a:t>sed</a:t>
+            </a:r>
+            <a:r>
+              <a:rPr lang="en-US" dirty="0">
+                <a:latin typeface="Courier" charset="0"/>
+                <a:ea typeface="Courier" charset="0"/>
+                <a:cs typeface="Courier" charset="0"/>
+              </a:rPr>
+              <a:t> 's/[</a:t>
+            </a:r>
+            <a:r>
+              <a:rPr lang="en-US" dirty="0" err="1">
+                <a:latin typeface="Courier" charset="0"/>
+                <a:ea typeface="Courier" charset="0"/>
+                <a:cs typeface="Courier" charset="0"/>
+              </a:rPr>
+              <a:t>aeiou</a:t>
+            </a:r>
+            <a:r>
+              <a:rPr lang="en-US" dirty="0">
+                <a:latin typeface="Courier" charset="0"/>
+                <a:ea typeface="Courier" charset="0"/>
+                <a:cs typeface="Courier" charset="0"/>
+              </a:rPr>
+              <a:t>].*$//' | sort | </a:t>
+            </a:r>
+            <a:r>
+              <a:rPr lang="en-US" dirty="0" err="1">
+                <a:latin typeface="Courier" charset="0"/>
+                <a:ea typeface="Courier" charset="0"/>
+                <a:cs typeface="Courier" charset="0"/>
+              </a:rPr>
+              <a:t>uniq</a:t>
+            </a:r>
+            <a:r>
+              <a:rPr lang="en-US" dirty="0">
+                <a:latin typeface="Courier" charset="0"/>
+                <a:ea typeface="Courier" charset="0"/>
+                <a:cs typeface="Courier" charset="0"/>
+              </a:rPr>
+              <a:t> -c </a:t>
+            </a:r>
+            <a:br>
               <a:rPr lang="en-US" dirty="0"/>
-              <a:t>The answers to the extra credit exercises will reveal a secret message.</a:t>
-            </a:r>
+            </a:br>
+            <a:endParaRPr lang="en-US" dirty="0"/>
           </a:p>
           <a:p>
             <a:r>
               <a:rPr lang="en-US" dirty="0"/>
-              <a:t>We will be working with the following text file for these exercises: </a:t>
-            </a:r>
-            <a:r>
-              <a:rPr lang="en-US" dirty="0">
-                <a:hlinkClick r:id="rId2"/>
-              </a:rPr>
-              <a:t>https://cs124.stanford.edu/secret_ec.txt</a:t>
-            </a:r>
-            <a:endParaRPr lang="en-US" dirty="0"/>
-          </a:p>
-          <a:p>
-            <a:r>
-              <a:rPr lang="en-US" dirty="0"/>
-              <a:t>To receive credit, enter the secret message here: </a:t>
-            </a:r>
-            <a:r>
-              <a:rPr lang="en-US" dirty="0">
-                <a:hlinkClick r:id="rId3"/>
-              </a:rPr>
-              <a:t>https://forms.gle/57okKzZzWeijP4RL7</a:t>
-            </a:r>
-            <a:endParaRPr lang="en-US" dirty="0"/>
+              <a:t>Count word final consonant sequences</a:t>
+            </a:r>
           </a:p>
           <a:p>
             <a:pPr marL="0" indent="0">
               <a:buNone/>
             </a:pPr>
+            <a:r>
+              <a:rPr lang="en-US" dirty="0">
+                <a:latin typeface="Courier" charset="0"/>
+                <a:ea typeface="Courier" charset="0"/>
+                <a:cs typeface="Courier" charset="0"/>
+              </a:rPr>
+              <a:t>tr "[:upper:]" "[:lower:]" &lt; </a:t>
+            </a:r>
+            <a:r>
+              <a:rPr lang="en-US" dirty="0" err="1">
+                <a:latin typeface="Courier" charset="0"/>
+                <a:ea typeface="Courier" charset="0"/>
+                <a:cs typeface="Courier" charset="0"/>
+              </a:rPr>
+              <a:t>nyt.words</a:t>
+            </a:r>
+            <a:r>
+              <a:rPr lang="en-US" dirty="0">
+                <a:latin typeface="Courier" charset="0"/>
+                <a:ea typeface="Courier" charset="0"/>
+                <a:cs typeface="Courier" charset="0"/>
+              </a:rPr>
+              <a:t> | sed 's/^.*[</a:t>
+            </a:r>
+            <a:r>
+              <a:rPr lang="en-US" dirty="0" err="1">
+                <a:latin typeface="Courier" charset="0"/>
+                <a:ea typeface="Courier" charset="0"/>
+                <a:cs typeface="Courier" charset="0"/>
+              </a:rPr>
+              <a:t>aeiou</a:t>
+            </a:r>
+            <a:r>
+              <a:rPr lang="en-US">
+                <a:latin typeface="Courier" charset="0"/>
+                <a:ea typeface="Courier" charset="0"/>
+                <a:cs typeface="Courier" charset="0"/>
+              </a:rPr>
+              <a:t>]//' </a:t>
+            </a:r>
+            <a:r>
+              <a:rPr lang="en-US" dirty="0">
+                <a:latin typeface="Courier" charset="0"/>
+                <a:ea typeface="Courier" charset="0"/>
+                <a:cs typeface="Courier" charset="0"/>
+              </a:rPr>
+              <a:t>| sort | </a:t>
+            </a:r>
+            <a:r>
+              <a:rPr lang="en-US" dirty="0" err="1">
+                <a:latin typeface="Courier" charset="0"/>
+                <a:ea typeface="Courier" charset="0"/>
+                <a:cs typeface="Courier" charset="0"/>
+              </a:rPr>
+              <a:t>uniq</a:t>
+            </a:r>
+            <a:r>
+              <a:rPr lang="en-US" dirty="0">
+                <a:latin typeface="Courier" charset="0"/>
+                <a:ea typeface="Courier" charset="0"/>
+                <a:cs typeface="Courier" charset="0"/>
+              </a:rPr>
+              <a:t> -c | sort -</a:t>
+            </a:r>
+            <a:r>
+              <a:rPr lang="en-US" dirty="0" err="1">
+                <a:latin typeface="Courier" charset="0"/>
+                <a:ea typeface="Courier" charset="0"/>
+                <a:cs typeface="Courier" charset="0"/>
+              </a:rPr>
+              <a:t>rn</a:t>
+            </a:r>
+            <a:r>
+              <a:rPr lang="en-US" dirty="0">
+                <a:latin typeface="Courier" charset="0"/>
+                <a:ea typeface="Courier" charset="0"/>
+                <a:cs typeface="Courier" charset="0"/>
+              </a:rPr>
+              <a:t> | less </a:t>
+            </a:r>
+            <a:br>
+              <a:rPr lang="en-US" dirty="0"/>
+            </a:br>
             <a:endParaRPr lang="en-US" dirty="0"/>
           </a:p>
         </p:txBody>
       </p:sp>
       <p:sp>
         <p:nvSpPr>
-          <p:cNvPr id="4" name="Slide Number Placeholder 3">
-            <a:extLst>
-              <a:ext uri="{FF2B5EF4-FFF2-40B4-BE49-F238E27FC236}">
-                <a16:creationId xmlns:a16="http://schemas.microsoft.com/office/drawing/2014/main" id="{15EBB8B1-B691-5146-F1D4-C5ACA10E88DB}"/>
-              </a:ext>
-            </a:extLst>
-          </p:cNvPr>
+          <p:cNvPr id="4" name="Slide Number Placeholder 3"/>
           <p:cNvSpPr>
             <a:spLocks noGrp="1"/>
           </p:cNvSpPr>
@@ -13031,7 +13065,7 @@
     </p:spTree>
     <p:extLst>
       <p:ext uri="{BB962C8B-B14F-4D97-AF65-F5344CB8AC3E}">
-        <p14:creationId xmlns:p14="http://schemas.microsoft.com/office/powerpoint/2010/main" val="2002835092"/>
+        <p14:creationId xmlns:p14="http://schemas.microsoft.com/office/powerpoint/2010/main" val="770297687"/>
       </p:ext>
     </p:extLst>
   </p:cSld>
@@ -13063,7 +13097,7 @@
           <p:cNvPr id="2" name="Title 1">
             <a:extLst>
               <a:ext uri="{FF2B5EF4-FFF2-40B4-BE49-F238E27FC236}">
-                <a16:creationId xmlns:a16="http://schemas.microsoft.com/office/drawing/2014/main" id="{684A2093-1D60-1D4D-DAA6-E5AC71D202D2}"/>
+                <a16:creationId xmlns:a16="http://schemas.microsoft.com/office/drawing/2014/main" id="{E80497ED-67E8-29E3-BF23-BA2A154D4732}"/>
               </a:ext>
             </a:extLst>
           </p:cNvPr>
@@ -13081,7 +13115,7 @@
           <a:p>
             <a:r>
               <a:rPr lang="en-US" dirty="0"/>
-              <a:t>Extra Credit Exercise 1</a:t>
+              <a:t>Extra Credit – Secret Message</a:t>
             </a:r>
           </a:p>
         </p:txBody>
@@ -13091,7 +13125,7 @@
           <p:cNvPr id="3" name="Content Placeholder 2">
             <a:extLst>
               <a:ext uri="{FF2B5EF4-FFF2-40B4-BE49-F238E27FC236}">
-                <a16:creationId xmlns:a16="http://schemas.microsoft.com/office/drawing/2014/main" id="{C29503BB-04AC-A26F-8AEF-7DCDF8F6F2E4}"/>
+                <a16:creationId xmlns:a16="http://schemas.microsoft.com/office/drawing/2014/main" id="{F097A60A-A4B3-9885-70CD-0F17DFFC14C5}"/>
               </a:ext>
             </a:extLst>
           </p:cNvPr>
@@ -13109,24 +13143,45 @@
           <a:p>
             <a:r>
               <a:rPr lang="en-US" dirty="0"/>
-              <a:t>Find the 2 most common words in </a:t>
-            </a:r>
-            <a:r>
-              <a:rPr lang="en-US" dirty="0" err="1"/>
-              <a:t>secret_ec.txt</a:t>
-            </a:r>
+              <a:t>Now, let’s get some more practice with Unix!</a:t>
+            </a:r>
+          </a:p>
+          <a:p>
             <a:r>
               <a:rPr lang="en-US" dirty="0"/>
-              <a:t> containing the letter e. </a:t>
+              <a:t>The answers to the extra credit exercises will reveal a secret message.</a:t>
             </a:r>
           </a:p>
           <a:p>
             <a:r>
               <a:rPr lang="en-US" dirty="0"/>
-              <a:t>Your answer will correspond to the first two words of the secret message.</a:t>
-            </a:r>
-          </a:p>
-          <a:p>
+              <a:t>We will be working with the following text file for these exercises: </a:t>
+            </a:r>
+            <a:r>
+              <a:rPr lang="en-US" dirty="0">
+                <a:hlinkClick r:id="rId2"/>
+              </a:rPr>
+              <a:t>https://web.stanford.edu/class/cs124/lec/secret_ec.txt</a:t>
+            </a:r>
+            <a:endParaRPr lang="en-US" dirty="0"/>
+          </a:p>
+          <a:p>
+            <a:r>
+              <a:rPr lang="en-US" dirty="0"/>
+              <a:t>To receive credit, enter the secret message here: </a:t>
+            </a:r>
+            <a:r>
+              <a:rPr lang="en-US" dirty="0">
+                <a:hlinkClick r:id="rId3"/>
+              </a:rPr>
+              <a:t>https://forms.gle/57okKzZzWeijP4RL7</a:t>
+            </a:r>
+            <a:endParaRPr lang="en-US" dirty="0"/>
+          </a:p>
+          <a:p>
+            <a:pPr marL="0" indent="0">
+              <a:buNone/>
+            </a:pPr>
             <a:endParaRPr lang="en-US" dirty="0"/>
           </a:p>
         </p:txBody>
@@ -13136,7 +13191,7 @@
           <p:cNvPr id="4" name="Slide Number Placeholder 3">
             <a:extLst>
               <a:ext uri="{FF2B5EF4-FFF2-40B4-BE49-F238E27FC236}">
-                <a16:creationId xmlns:a16="http://schemas.microsoft.com/office/drawing/2014/main" id="{27CA339D-596E-3EA2-DC2F-46FC8511FA2A}"/>
+                <a16:creationId xmlns:a16="http://schemas.microsoft.com/office/drawing/2014/main" id="{15EBB8B1-B691-5146-F1D4-C5ACA10E88DB}"/>
               </a:ext>
             </a:extLst>
           </p:cNvPr>
@@ -13164,7 +13219,7 @@
     </p:spTree>
     <p:extLst>
       <p:ext uri="{BB962C8B-B14F-4D97-AF65-F5344CB8AC3E}">
-        <p14:creationId xmlns:p14="http://schemas.microsoft.com/office/powerpoint/2010/main" val="1722500176"/>
+        <p14:creationId xmlns:p14="http://schemas.microsoft.com/office/powerpoint/2010/main" val="2002835092"/>
       </p:ext>
     </p:extLst>
   </p:cSld>
@@ -13196,7 +13251,7 @@
           <p:cNvPr id="2" name="Title 1">
             <a:extLst>
               <a:ext uri="{FF2B5EF4-FFF2-40B4-BE49-F238E27FC236}">
-                <a16:creationId xmlns:a16="http://schemas.microsoft.com/office/drawing/2014/main" id="{06E9312A-F5B1-E71F-36D0-1B5EC991A10F}"/>
+                <a16:creationId xmlns:a16="http://schemas.microsoft.com/office/drawing/2014/main" id="{684A2093-1D60-1D4D-DAA6-E5AC71D202D2}"/>
               </a:ext>
             </a:extLst>
           </p:cNvPr>
@@ -13214,7 +13269,7 @@
           <a:p>
             <a:r>
               <a:rPr lang="en-US" dirty="0"/>
-              <a:t>Extra Credit Exercise 2</a:t>
+              <a:t>Extra Credit Exercise 1</a:t>
             </a:r>
           </a:p>
         </p:txBody>
@@ -13224,7 +13279,7 @@
           <p:cNvPr id="3" name="Content Placeholder 2">
             <a:extLst>
               <a:ext uri="{FF2B5EF4-FFF2-40B4-BE49-F238E27FC236}">
-                <a16:creationId xmlns:a16="http://schemas.microsoft.com/office/drawing/2014/main" id="{D6E65490-20F3-B759-0977-13AE2AB1E2FE}"/>
+                <a16:creationId xmlns:a16="http://schemas.microsoft.com/office/drawing/2014/main" id="{C29503BB-04AC-A26F-8AEF-7DCDF8F6F2E4}"/>
               </a:ext>
             </a:extLst>
           </p:cNvPr>
@@ -13242,7 +13297,7 @@
           <a:p>
             <a:r>
               <a:rPr lang="en-US" dirty="0"/>
-              <a:t>Find the 2 most common bigrams in </a:t>
+              <a:t>Find the 2 most common words in </a:t>
             </a:r>
             <a:r>
               <a:rPr lang="en-US" dirty="0" err="1"/>
@@ -13250,14 +13305,17 @@
             </a:r>
             <a:r>
               <a:rPr lang="en-US" dirty="0"/>
-              <a:t> where the second word in the bigram ends with a consonant. </a:t>
+              <a:t> containing the letter e. </a:t>
             </a:r>
           </a:p>
           <a:p>
             <a:r>
               <a:rPr lang="en-US" dirty="0"/>
-              <a:t>Your answer will correspond to the next four words of the secret message.</a:t>
-            </a:r>
+              <a:t>Your answer will correspond to the first two words of the secret message.</a:t>
+            </a:r>
+          </a:p>
+          <a:p>
+            <a:endParaRPr lang="en-US" dirty="0"/>
           </a:p>
         </p:txBody>
       </p:sp>
@@ -13266,7 +13324,7 @@
           <p:cNvPr id="4" name="Slide Number Placeholder 3">
             <a:extLst>
               <a:ext uri="{FF2B5EF4-FFF2-40B4-BE49-F238E27FC236}">
-                <a16:creationId xmlns:a16="http://schemas.microsoft.com/office/drawing/2014/main" id="{8F24A5BC-B6D3-44A0-8BF6-FE54F1FBF03D}"/>
+                <a16:creationId xmlns:a16="http://schemas.microsoft.com/office/drawing/2014/main" id="{27CA339D-596E-3EA2-DC2F-46FC8511FA2A}"/>
               </a:ext>
             </a:extLst>
           </p:cNvPr>
@@ -13294,7 +13352,7 @@
     </p:spTree>
     <p:extLst>
       <p:ext uri="{BB962C8B-B14F-4D97-AF65-F5344CB8AC3E}">
-        <p14:creationId xmlns:p14="http://schemas.microsoft.com/office/powerpoint/2010/main" val="3435034124"/>
+        <p14:creationId xmlns:p14="http://schemas.microsoft.com/office/powerpoint/2010/main" val="1722500176"/>
       </p:ext>
     </p:extLst>
   </p:cSld>
@@ -13326,6 +13384,136 @@
           <p:cNvPr id="2" name="Title 1">
             <a:extLst>
               <a:ext uri="{FF2B5EF4-FFF2-40B4-BE49-F238E27FC236}">
+                <a16:creationId xmlns:a16="http://schemas.microsoft.com/office/drawing/2014/main" id="{06E9312A-F5B1-E71F-36D0-1B5EC991A10F}"/>
+              </a:ext>
+            </a:extLst>
+          </p:cNvPr>
+          <p:cNvSpPr>
+            <a:spLocks noGrp="1"/>
+          </p:cNvSpPr>
+          <p:nvPr>
+            <p:ph type="title"/>
+          </p:nvPr>
+        </p:nvSpPr>
+        <p:spPr/>
+        <p:txBody>
+          <a:bodyPr/>
+          <a:lstStyle/>
+          <a:p>
+            <a:r>
+              <a:rPr lang="en-US" dirty="0"/>
+              <a:t>Extra Credit Exercise 2</a:t>
+            </a:r>
+          </a:p>
+        </p:txBody>
+      </p:sp>
+      <p:sp>
+        <p:nvSpPr>
+          <p:cNvPr id="3" name="Content Placeholder 2">
+            <a:extLst>
+              <a:ext uri="{FF2B5EF4-FFF2-40B4-BE49-F238E27FC236}">
+                <a16:creationId xmlns:a16="http://schemas.microsoft.com/office/drawing/2014/main" id="{D6E65490-20F3-B759-0977-13AE2AB1E2FE}"/>
+              </a:ext>
+            </a:extLst>
+          </p:cNvPr>
+          <p:cNvSpPr>
+            <a:spLocks noGrp="1"/>
+          </p:cNvSpPr>
+          <p:nvPr>
+            <p:ph idx="1"/>
+          </p:nvPr>
+        </p:nvSpPr>
+        <p:spPr/>
+        <p:txBody>
+          <a:bodyPr/>
+          <a:lstStyle/>
+          <a:p>
+            <a:r>
+              <a:rPr lang="en-US" dirty="0"/>
+              <a:t>Find the 2 most common bigrams in </a:t>
+            </a:r>
+            <a:r>
+              <a:rPr lang="en-US" dirty="0" err="1"/>
+              <a:t>secret_ec.txt</a:t>
+            </a:r>
+            <a:r>
+              <a:rPr lang="en-US" dirty="0"/>
+              <a:t> where the second word in the bigram ends with a consonant. </a:t>
+            </a:r>
+          </a:p>
+          <a:p>
+            <a:r>
+              <a:rPr lang="en-US" dirty="0"/>
+              <a:t>Your answer will correspond to the next four words of the secret message.</a:t>
+            </a:r>
+          </a:p>
+        </p:txBody>
+      </p:sp>
+      <p:sp>
+        <p:nvSpPr>
+          <p:cNvPr id="4" name="Slide Number Placeholder 3">
+            <a:extLst>
+              <a:ext uri="{FF2B5EF4-FFF2-40B4-BE49-F238E27FC236}">
+                <a16:creationId xmlns:a16="http://schemas.microsoft.com/office/drawing/2014/main" id="{8F24A5BC-B6D3-44A0-8BF6-FE54F1FBF03D}"/>
+              </a:ext>
+            </a:extLst>
+          </p:cNvPr>
+          <p:cNvSpPr>
+            <a:spLocks noGrp="1"/>
+          </p:cNvSpPr>
+          <p:nvPr>
+            <p:ph type="sldNum" sz="quarter" idx="12"/>
+          </p:nvPr>
+        </p:nvSpPr>
+        <p:spPr/>
+        <p:txBody>
+          <a:bodyPr/>
+          <a:lstStyle/>
+          <a:p>
+            <a:fld id="{10F35DC5-7E65-8247-99AB-4E984F8A921E}" type="slidenum">
+              <a:rPr lang="en-US" smtClean="0"/>
+              <a:pPr/>
+              <a:t>38</a:t>
+            </a:fld>
+            <a:endParaRPr lang="en-US"/>
+          </a:p>
+        </p:txBody>
+      </p:sp>
+    </p:spTree>
+    <p:extLst>
+      <p:ext uri="{BB962C8B-B14F-4D97-AF65-F5344CB8AC3E}">
+        <p14:creationId xmlns:p14="http://schemas.microsoft.com/office/powerpoint/2010/main" val="3435034124"/>
+      </p:ext>
+    </p:extLst>
+  </p:cSld>
+  <p:clrMapOvr>
+    <a:masterClrMapping/>
+  </p:clrMapOvr>
+</p:sld>
+</file>
+
+<file path=ppt/slides/slide39.xml><?xml version="1.0" encoding="utf-8"?>
+<p:sld xmlns:a="http://schemas.openxmlformats.org/drawingml/2006/main" xmlns:r="http://schemas.openxmlformats.org/officeDocument/2006/relationships" xmlns:p="http://schemas.openxmlformats.org/presentationml/2006/main">
+  <p:cSld>
+    <p:spTree>
+      <p:nvGrpSpPr>
+        <p:cNvPr id="1" name=""/>
+        <p:cNvGrpSpPr/>
+        <p:nvPr/>
+      </p:nvGrpSpPr>
+      <p:grpSpPr>
+        <a:xfrm>
+          <a:off x="0" y="0"/>
+          <a:ext cx="0" cy="0"/>
+          <a:chOff x="0" y="0"/>
+          <a:chExt cx="0" cy="0"/>
+        </a:xfrm>
+      </p:grpSpPr>
+      <p:sp>
+        <p:nvSpPr>
+          <p:cNvPr id="2" name="Title 1">
+            <a:extLst>
+              <a:ext uri="{FF2B5EF4-FFF2-40B4-BE49-F238E27FC236}">
                 <a16:creationId xmlns:a16="http://schemas.microsoft.com/office/drawing/2014/main" id="{61E0EF81-63BB-FBEA-5161-D19B9EC16129}"/>
               </a:ext>
             </a:extLst>
@@ -13365,14 +13553,19 @@
             <p:ph idx="1"/>
           </p:nvPr>
         </p:nvSpPr>
-        <p:spPr/>
+        <p:spPr>
+          <a:xfrm>
+            <a:off x="304800" y="1352550"/>
+            <a:ext cx="8839200" cy="3333750"/>
+          </a:xfrm>
+        </p:spPr>
         <p:txBody>
           <a:bodyPr/>
           <a:lstStyle/>
           <a:p>
             <a:r>
               <a:rPr lang="en-US" dirty="0"/>
-              <a:t>Find all 5 letter words that only appear once in </a:t>
+              <a:t>Find all 5-letter-long words that only appear once in </a:t>
             </a:r>
             <a:r>
               <a:rPr lang="en-US" dirty="0" err="1"/>
@@ -13386,7 +13579,7 @@
           <a:p>
             <a:r>
               <a:rPr lang="en-US" dirty="0"/>
-              <a:t>Concatenate your result. This will be the final word of the secret message.</a:t>
+              <a:t>Concatenate (by hand) your result. This will be the final word of the secret message.</a:t>
             </a:r>
           </a:p>
         </p:txBody>
@@ -13415,7 +13608,7 @@
             <a:fld id="{10F35DC5-7E65-8247-99AB-4E984F8A921E}" type="slidenum">
               <a:rPr lang="en-US" smtClean="0"/>
               <a:pPr/>
-              <a:t>38</a:t>
+              <a:t>39</a:t>
             </a:fld>
             <a:endParaRPr lang="en-US"/>
           </a:p>
@@ -14639,29 +14832,28 @@
               <a:t>CTRL-C</a:t>
             </a:r>
           </a:p>
-        </p:txBody>
-      </p:sp>
-      <p:sp>
-        <p:nvSpPr>
-          <p:cNvPr id="4" name="Slide Number Placeholder 3"/>
-          <p:cNvSpPr>
-            <a:spLocks noGrp="1"/>
-          </p:cNvSpPr>
-          <p:nvPr>
-            <p:ph type="sldNum" sz="quarter" idx="12"/>
-          </p:nvPr>
-        </p:nvSpPr>
-        <p:spPr/>
-        <p:txBody>
-          <a:bodyPr/>
-          <a:lstStyle/>
-          <a:p>
-            <a:fld id="{10F35DC5-7E65-8247-99AB-4E984F8A921E}" type="slidenum">
-              <a:rPr lang="en-US" smtClean="0"/>
-              <a:pPr/>
-              <a:t>9</a:t>
-            </a:fld>
-            <a:endParaRPr lang="en-US"/>
+          <a:p>
+            <a:r>
+              <a:rPr lang="en-US" sz="2800" dirty="0">
+                <a:latin typeface="Courier"/>
+                <a:cs typeface="Courier"/>
+              </a:rPr>
+              <a:t>The </a:t>
+            </a:r>
+            <a:r>
+              <a:rPr lang="en-US" sz="2800" b="1" dirty="0">
+                <a:latin typeface="Courier"/>
+                <a:cs typeface="Courier"/>
+              </a:rPr>
+              <a:t>less</a:t>
+            </a:r>
+            <a:r>
+              <a:rPr lang="en-US" sz="2800" dirty="0">
+                <a:latin typeface="Courier"/>
+                <a:cs typeface="Courier"/>
+              </a:rPr>
+              <a:t> command (quit by typing "q")</a:t>
+            </a:r>
           </a:p>
         </p:txBody>
       </p:sp>
